--- a/Workshop 1.pptx
+++ b/Workshop 1.pptx
@@ -14,6 +14,8 @@
     <p:sldId id="262" r:id="rId8"/>
     <p:sldId id="263" r:id="rId9"/>
     <p:sldId id="264" r:id="rId10"/>
+    <p:sldId id="266" r:id="rId11"/>
+    <p:sldId id="265" r:id="rId12"/>
   </p:sldIdLst>
   <p:sldSz cx="12192000" cy="6858000"/>
   <p:notesSz cx="6858000" cy="9144000"/>
@@ -1645,6 +1647,927 @@
   <dgm:styleLbl name="fgShp">
     <dgm:fillClrLst meth="repeat">
       <a:schemeClr val="accent5">
+        <a:tint val="40000"/>
+      </a:schemeClr>
+    </dgm:fillClrLst>
+    <dgm:linClrLst meth="repeat">
+      <a:schemeClr val="lt1"/>
+    </dgm:linClrLst>
+    <dgm:effectClrLst/>
+    <dgm:txLinClrLst/>
+    <dgm:txFillClrLst meth="repeat">
+      <a:schemeClr val="dk1"/>
+    </dgm:txFillClrLst>
+    <dgm:txEffectClrLst/>
+  </dgm:styleLbl>
+  <dgm:styleLbl name="revTx">
+    <dgm:fillClrLst meth="repeat">
+      <a:schemeClr val="lt1">
+        <a:alpha val="0"/>
+      </a:schemeClr>
+    </dgm:fillClrLst>
+    <dgm:linClrLst meth="repeat">
+      <a:schemeClr val="dk1">
+        <a:alpha val="0"/>
+      </a:schemeClr>
+    </dgm:linClrLst>
+    <dgm:effectClrLst/>
+    <dgm:txLinClrLst/>
+    <dgm:txFillClrLst meth="repeat">
+      <a:schemeClr val="tx1"/>
+    </dgm:txFillClrLst>
+    <dgm:txEffectClrLst/>
+  </dgm:styleLbl>
+</dgm:colorsDef>
+</file>
+
+<file path=ppt/diagrams/colors3.xml><?xml version="1.0" encoding="utf-8"?>
+<dgm:colorsDef xmlns:dgm="http://schemas.openxmlformats.org/drawingml/2006/diagram" xmlns:a="http://schemas.openxmlformats.org/drawingml/2006/main" uniqueId="urn:microsoft.com/office/officeart/2018/5/colors/Iconchunking_neutralbg_colorful1">
+  <dgm:title val=""/>
+  <dgm:desc val=""/>
+  <dgm:catLst>
+    <dgm:cat type="colorful" pri="10100"/>
+  </dgm:catLst>
+  <dgm:styleLbl name="node0">
+    <dgm:fillClrLst meth="repeat">
+      <a:schemeClr val="accent1"/>
+    </dgm:fillClrLst>
+    <dgm:linClrLst meth="repeat">
+      <a:schemeClr val="lt1"/>
+    </dgm:linClrLst>
+    <dgm:effectClrLst/>
+    <dgm:txLinClrLst/>
+    <dgm:txFillClrLst/>
+    <dgm:txEffectClrLst/>
+  </dgm:styleLbl>
+  <dgm:styleLbl name="node1">
+    <dgm:fillClrLst meth="repeat">
+      <a:schemeClr val="accent2"/>
+      <a:schemeClr val="accent3"/>
+      <a:schemeClr val="accent4"/>
+      <a:schemeClr val="accent5"/>
+      <a:schemeClr val="accent6"/>
+    </dgm:fillClrLst>
+    <dgm:linClrLst meth="repeat">
+      <a:schemeClr val="lt1">
+        <a:alpha val="0"/>
+      </a:schemeClr>
+    </dgm:linClrLst>
+    <dgm:effectClrLst/>
+    <dgm:txLinClrLst/>
+    <dgm:txFillClrLst/>
+    <dgm:txEffectClrLst/>
+  </dgm:styleLbl>
+  <dgm:styleLbl name="alignNode1">
+    <dgm:fillClrLst meth="repeat">
+      <a:schemeClr val="accent2"/>
+      <a:schemeClr val="accent3"/>
+      <a:schemeClr val="accent4"/>
+      <a:schemeClr val="accent5"/>
+      <a:schemeClr val="accent6"/>
+    </dgm:fillClrLst>
+    <dgm:linClrLst meth="repeat">
+      <a:schemeClr val="accent2"/>
+      <a:schemeClr val="accent3"/>
+      <a:schemeClr val="accent4"/>
+      <a:schemeClr val="accent5"/>
+      <a:schemeClr val="accent6"/>
+    </dgm:linClrLst>
+    <dgm:effectClrLst/>
+    <dgm:txLinClrLst/>
+    <dgm:txFillClrLst/>
+    <dgm:txEffectClrLst/>
+  </dgm:styleLbl>
+  <dgm:styleLbl name="lnNode1">
+    <dgm:fillClrLst meth="repeat">
+      <a:schemeClr val="accent2"/>
+      <a:schemeClr val="accent3"/>
+      <a:schemeClr val="accent4"/>
+      <a:schemeClr val="accent5"/>
+      <a:schemeClr val="accent6"/>
+    </dgm:fillClrLst>
+    <dgm:linClrLst meth="repeat">
+      <a:schemeClr val="lt1"/>
+    </dgm:linClrLst>
+    <dgm:effectClrLst/>
+    <dgm:txLinClrLst/>
+    <dgm:txFillClrLst/>
+    <dgm:txEffectClrLst/>
+  </dgm:styleLbl>
+  <dgm:styleLbl name="vennNode1">
+    <dgm:fillClrLst meth="repeat">
+      <a:schemeClr val="accent2">
+        <a:alpha val="50000"/>
+      </a:schemeClr>
+      <a:schemeClr val="accent3">
+        <a:alpha val="50000"/>
+      </a:schemeClr>
+      <a:schemeClr val="accent4">
+        <a:alpha val="50000"/>
+      </a:schemeClr>
+      <a:schemeClr val="accent5">
+        <a:alpha val="50000"/>
+      </a:schemeClr>
+      <a:schemeClr val="accent6">
+        <a:alpha val="50000"/>
+      </a:schemeClr>
+    </dgm:fillClrLst>
+    <dgm:linClrLst meth="repeat">
+      <a:schemeClr val="lt1"/>
+    </dgm:linClrLst>
+    <dgm:effectClrLst/>
+    <dgm:txLinClrLst/>
+    <dgm:txFillClrLst/>
+    <dgm:txEffectClrLst/>
+  </dgm:styleLbl>
+  <dgm:styleLbl name="node2">
+    <dgm:fillClrLst>
+      <a:schemeClr val="accent2"/>
+    </dgm:fillClrLst>
+    <dgm:linClrLst meth="repeat">
+      <a:schemeClr val="lt1"/>
+    </dgm:linClrLst>
+    <dgm:effectClrLst/>
+    <dgm:txLinClrLst/>
+    <dgm:txFillClrLst/>
+    <dgm:txEffectClrLst/>
+  </dgm:styleLbl>
+  <dgm:styleLbl name="node3">
+    <dgm:fillClrLst>
+      <a:schemeClr val="accent3"/>
+    </dgm:fillClrLst>
+    <dgm:linClrLst meth="repeat">
+      <a:schemeClr val="lt1"/>
+    </dgm:linClrLst>
+    <dgm:effectClrLst/>
+    <dgm:txLinClrLst/>
+    <dgm:txFillClrLst/>
+    <dgm:txEffectClrLst/>
+  </dgm:styleLbl>
+  <dgm:styleLbl name="node4">
+    <dgm:fillClrLst>
+      <a:schemeClr val="accent4"/>
+    </dgm:fillClrLst>
+    <dgm:linClrLst meth="repeat">
+      <a:schemeClr val="lt1"/>
+    </dgm:linClrLst>
+    <dgm:effectClrLst/>
+    <dgm:txLinClrLst/>
+    <dgm:txFillClrLst/>
+    <dgm:txEffectClrLst/>
+  </dgm:styleLbl>
+  <dgm:styleLbl name="fgImgPlace1">
+    <dgm:fillClrLst meth="repeat">
+      <a:schemeClr val="accent2">
+        <a:tint val="50000"/>
+      </a:schemeClr>
+      <a:schemeClr val="accent3">
+        <a:tint val="50000"/>
+      </a:schemeClr>
+      <a:schemeClr val="accent4">
+        <a:tint val="50000"/>
+      </a:schemeClr>
+      <a:schemeClr val="accent5">
+        <a:tint val="50000"/>
+      </a:schemeClr>
+      <a:schemeClr val="accent6">
+        <a:tint val="50000"/>
+      </a:schemeClr>
+    </dgm:fillClrLst>
+    <dgm:linClrLst meth="repeat">
+      <a:schemeClr val="lt1"/>
+    </dgm:linClrLst>
+    <dgm:effectClrLst/>
+    <dgm:txLinClrLst/>
+    <dgm:txFillClrLst meth="repeat">
+      <a:schemeClr val="lt1"/>
+    </dgm:txFillClrLst>
+    <dgm:txEffectClrLst/>
+  </dgm:styleLbl>
+  <dgm:styleLbl name="alignImgPlace1">
+    <dgm:fillClrLst>
+      <a:schemeClr val="accent1">
+        <a:tint val="50000"/>
+      </a:schemeClr>
+      <a:schemeClr val="accent2">
+        <a:tint val="20000"/>
+      </a:schemeClr>
+    </dgm:fillClrLst>
+    <dgm:linClrLst meth="repeat">
+      <a:schemeClr val="lt1"/>
+    </dgm:linClrLst>
+    <dgm:effectClrLst/>
+    <dgm:txLinClrLst/>
+    <dgm:txFillClrLst meth="repeat">
+      <a:schemeClr val="lt1"/>
+    </dgm:txFillClrLst>
+    <dgm:txEffectClrLst/>
+  </dgm:styleLbl>
+  <dgm:styleLbl name="bgImgPlace1">
+    <dgm:fillClrLst>
+      <a:schemeClr val="accent1">
+        <a:tint val="50000"/>
+      </a:schemeClr>
+      <a:schemeClr val="accent2">
+        <a:tint val="20000"/>
+      </a:schemeClr>
+    </dgm:fillClrLst>
+    <dgm:linClrLst meth="repeat">
+      <a:schemeClr val="lt1"/>
+    </dgm:linClrLst>
+    <dgm:effectClrLst/>
+    <dgm:txLinClrLst/>
+    <dgm:txFillClrLst meth="repeat">
+      <a:schemeClr val="lt1"/>
+    </dgm:txFillClrLst>
+    <dgm:txEffectClrLst/>
+  </dgm:styleLbl>
+  <dgm:styleLbl name="sibTrans2D1">
+    <dgm:fillClrLst meth="repeat">
+      <a:schemeClr val="accent2"/>
+      <a:schemeClr val="accent3"/>
+      <a:schemeClr val="accent4"/>
+      <a:schemeClr val="accent5"/>
+      <a:schemeClr val="accent6"/>
+    </dgm:fillClrLst>
+    <dgm:linClrLst meth="cycle">
+      <a:schemeClr val="lt1"/>
+    </dgm:linClrLst>
+    <dgm:effectClrLst/>
+    <dgm:txLinClrLst/>
+    <dgm:txFillClrLst/>
+    <dgm:txEffectClrLst/>
+  </dgm:styleLbl>
+  <dgm:styleLbl name="fgSibTrans2D1">
+    <dgm:fillClrLst meth="repeat">
+      <a:schemeClr val="accent2"/>
+      <a:schemeClr val="accent3"/>
+      <a:schemeClr val="accent4"/>
+      <a:schemeClr val="accent5"/>
+      <a:schemeClr val="accent6"/>
+    </dgm:fillClrLst>
+    <dgm:linClrLst meth="cycle">
+      <a:schemeClr val="lt1"/>
+    </dgm:linClrLst>
+    <dgm:effectClrLst/>
+    <dgm:txLinClrLst/>
+    <dgm:txFillClrLst meth="repeat">
+      <a:schemeClr val="lt1"/>
+    </dgm:txFillClrLst>
+    <dgm:txEffectClrLst/>
+  </dgm:styleLbl>
+  <dgm:styleLbl name="bgSibTrans2D1">
+    <dgm:fillClrLst meth="repeat">
+      <a:schemeClr val="accent2"/>
+      <a:schemeClr val="accent3"/>
+      <a:schemeClr val="accent4"/>
+      <a:schemeClr val="accent5"/>
+      <a:schemeClr val="accent6"/>
+    </dgm:fillClrLst>
+    <dgm:linClrLst meth="cycle">
+      <a:schemeClr val="lt1"/>
+    </dgm:linClrLst>
+    <dgm:effectClrLst/>
+    <dgm:txLinClrLst/>
+    <dgm:txFillClrLst meth="repeat">
+      <a:schemeClr val="lt1"/>
+    </dgm:txFillClrLst>
+    <dgm:txEffectClrLst/>
+  </dgm:styleLbl>
+  <dgm:styleLbl name="sibTrans1D1">
+    <dgm:fillClrLst meth="repeat">
+      <a:schemeClr val="accent2"/>
+      <a:schemeClr val="accent3"/>
+      <a:schemeClr val="accent4"/>
+      <a:schemeClr val="accent5"/>
+      <a:schemeClr val="accent6"/>
+    </dgm:fillClrLst>
+    <dgm:linClrLst meth="repeat">
+      <a:schemeClr val="accent2"/>
+      <a:schemeClr val="accent3"/>
+      <a:schemeClr val="accent4"/>
+      <a:schemeClr val="accent5"/>
+      <a:schemeClr val="accent6"/>
+    </dgm:linClrLst>
+    <dgm:effectClrLst/>
+    <dgm:txLinClrLst/>
+    <dgm:txFillClrLst meth="repeat">
+      <a:schemeClr val="tx1"/>
+    </dgm:txFillClrLst>
+    <dgm:txEffectClrLst/>
+  </dgm:styleLbl>
+  <dgm:styleLbl name="callout">
+    <dgm:fillClrLst meth="repeat">
+      <a:schemeClr val="accent2"/>
+    </dgm:fillClrLst>
+    <dgm:linClrLst meth="repeat">
+      <a:schemeClr val="accent2">
+        <a:tint val="50000"/>
+      </a:schemeClr>
+    </dgm:linClrLst>
+    <dgm:effectClrLst/>
+    <dgm:txLinClrLst/>
+    <dgm:txFillClrLst meth="repeat">
+      <a:schemeClr val="tx1"/>
+    </dgm:txFillClrLst>
+    <dgm:txEffectClrLst/>
+  </dgm:styleLbl>
+  <dgm:styleLbl name="asst0">
+    <dgm:fillClrLst meth="repeat">
+      <a:schemeClr val="accent1"/>
+    </dgm:fillClrLst>
+    <dgm:linClrLst meth="repeat">
+      <a:schemeClr val="lt1"/>
+    </dgm:linClrLst>
+    <dgm:effectClrLst/>
+    <dgm:txLinClrLst/>
+    <dgm:txFillClrLst/>
+    <dgm:txEffectClrLst/>
+  </dgm:styleLbl>
+  <dgm:styleLbl name="asst1">
+    <dgm:fillClrLst meth="repeat">
+      <a:schemeClr val="accent2"/>
+    </dgm:fillClrLst>
+    <dgm:linClrLst meth="repeat">
+      <a:schemeClr val="lt1"/>
+    </dgm:linClrLst>
+    <dgm:effectClrLst/>
+    <dgm:txLinClrLst/>
+    <dgm:txFillClrLst/>
+    <dgm:txEffectClrLst/>
+  </dgm:styleLbl>
+  <dgm:styleLbl name="asst2">
+    <dgm:fillClrLst>
+      <a:schemeClr val="accent3"/>
+    </dgm:fillClrLst>
+    <dgm:linClrLst meth="repeat">
+      <a:schemeClr val="lt1"/>
+    </dgm:linClrLst>
+    <dgm:effectClrLst/>
+    <dgm:txLinClrLst/>
+    <dgm:txFillClrLst/>
+    <dgm:txEffectClrLst/>
+  </dgm:styleLbl>
+  <dgm:styleLbl name="asst3">
+    <dgm:fillClrLst>
+      <a:schemeClr val="accent4"/>
+    </dgm:fillClrLst>
+    <dgm:linClrLst meth="repeat">
+      <a:schemeClr val="lt1"/>
+    </dgm:linClrLst>
+    <dgm:effectClrLst/>
+    <dgm:txLinClrLst/>
+    <dgm:txFillClrLst/>
+    <dgm:txEffectClrLst/>
+  </dgm:styleLbl>
+  <dgm:styleLbl name="asst4">
+    <dgm:fillClrLst>
+      <a:schemeClr val="accent5"/>
+    </dgm:fillClrLst>
+    <dgm:linClrLst meth="repeat">
+      <a:schemeClr val="lt1"/>
+    </dgm:linClrLst>
+    <dgm:effectClrLst/>
+    <dgm:txLinClrLst/>
+    <dgm:txFillClrLst/>
+    <dgm:txEffectClrLst/>
+  </dgm:styleLbl>
+  <dgm:styleLbl name="parChTrans2D1">
+    <dgm:fillClrLst meth="repeat">
+      <a:schemeClr val="accent2"/>
+    </dgm:fillClrLst>
+    <dgm:linClrLst meth="repeat">
+      <a:schemeClr val="lt1"/>
+    </dgm:linClrLst>
+    <dgm:effectClrLst/>
+    <dgm:txLinClrLst/>
+    <dgm:txFillClrLst meth="repeat">
+      <a:schemeClr val="lt1"/>
+    </dgm:txFillClrLst>
+    <dgm:txEffectClrLst/>
+  </dgm:styleLbl>
+  <dgm:styleLbl name="parChTrans2D2">
+    <dgm:fillClrLst meth="repeat">
+      <a:schemeClr val="accent3"/>
+    </dgm:fillClrLst>
+    <dgm:linClrLst meth="repeat">
+      <a:schemeClr val="lt1"/>
+    </dgm:linClrLst>
+    <dgm:effectClrLst/>
+    <dgm:txLinClrLst/>
+    <dgm:txFillClrLst/>
+    <dgm:txEffectClrLst/>
+  </dgm:styleLbl>
+  <dgm:styleLbl name="parChTrans2D3">
+    <dgm:fillClrLst meth="repeat">
+      <a:schemeClr val="accent4"/>
+    </dgm:fillClrLst>
+    <dgm:linClrLst meth="repeat">
+      <a:schemeClr val="lt1"/>
+    </dgm:linClrLst>
+    <dgm:effectClrLst/>
+    <dgm:txLinClrLst/>
+    <dgm:txFillClrLst/>
+    <dgm:txEffectClrLst/>
+  </dgm:styleLbl>
+  <dgm:styleLbl name="parChTrans2D4">
+    <dgm:fillClrLst meth="repeat">
+      <a:schemeClr val="accent5"/>
+    </dgm:fillClrLst>
+    <dgm:linClrLst meth="repeat">
+      <a:schemeClr val="lt1"/>
+    </dgm:linClrLst>
+    <dgm:effectClrLst/>
+    <dgm:txLinClrLst/>
+    <dgm:txFillClrLst meth="repeat">
+      <a:schemeClr val="lt1"/>
+    </dgm:txFillClrLst>
+    <dgm:txEffectClrLst/>
+  </dgm:styleLbl>
+  <dgm:styleLbl name="parChTrans1D1">
+    <dgm:fillClrLst meth="repeat">
+      <a:schemeClr val="accent2"/>
+    </dgm:fillClrLst>
+    <dgm:linClrLst meth="repeat">
+      <a:schemeClr val="accent1"/>
+    </dgm:linClrLst>
+    <dgm:effectClrLst/>
+    <dgm:txLinClrLst/>
+    <dgm:txFillClrLst meth="repeat">
+      <a:schemeClr val="tx1"/>
+    </dgm:txFillClrLst>
+    <dgm:txEffectClrLst/>
+  </dgm:styleLbl>
+  <dgm:styleLbl name="parChTrans1D2">
+    <dgm:fillClrLst meth="repeat">
+      <a:schemeClr val="accent3">
+        <a:tint val="90000"/>
+      </a:schemeClr>
+    </dgm:fillClrLst>
+    <dgm:linClrLst meth="repeat">
+      <a:schemeClr val="accent2"/>
+    </dgm:linClrLst>
+    <dgm:effectClrLst/>
+    <dgm:txLinClrLst/>
+    <dgm:txFillClrLst meth="repeat">
+      <a:schemeClr val="tx1"/>
+    </dgm:txFillClrLst>
+    <dgm:txEffectClrLst/>
+  </dgm:styleLbl>
+  <dgm:styleLbl name="parChTrans1D3">
+    <dgm:fillClrLst meth="repeat">
+      <a:schemeClr val="accent4">
+        <a:tint val="70000"/>
+      </a:schemeClr>
+    </dgm:fillClrLst>
+    <dgm:linClrLst meth="repeat">
+      <a:schemeClr val="accent3"/>
+    </dgm:linClrLst>
+    <dgm:effectClrLst/>
+    <dgm:txLinClrLst/>
+    <dgm:txFillClrLst meth="repeat">
+      <a:schemeClr val="tx1"/>
+    </dgm:txFillClrLst>
+    <dgm:txEffectClrLst/>
+  </dgm:styleLbl>
+  <dgm:styleLbl name="parChTrans1D4">
+    <dgm:fillClrLst meth="repeat">
+      <a:schemeClr val="accent5">
+        <a:tint val="50000"/>
+      </a:schemeClr>
+    </dgm:fillClrLst>
+    <dgm:linClrLst meth="repeat">
+      <a:schemeClr val="accent4"/>
+    </dgm:linClrLst>
+    <dgm:effectClrLst/>
+    <dgm:txLinClrLst/>
+    <dgm:txFillClrLst meth="repeat">
+      <a:schemeClr val="tx1"/>
+    </dgm:txFillClrLst>
+    <dgm:txEffectClrLst/>
+  </dgm:styleLbl>
+  <dgm:styleLbl name="fgAcc1">
+    <dgm:fillClrLst meth="repeat">
+      <a:schemeClr val="lt1">
+        <a:alpha val="90000"/>
+      </a:schemeClr>
+    </dgm:fillClrLst>
+    <dgm:linClrLst meth="repeat">
+      <a:schemeClr val="accent2"/>
+      <a:schemeClr val="accent3"/>
+      <a:schemeClr val="accent4"/>
+      <a:schemeClr val="accent5"/>
+      <a:schemeClr val="accent6"/>
+    </dgm:linClrLst>
+    <dgm:effectClrLst/>
+    <dgm:txLinClrLst/>
+    <dgm:txFillClrLst meth="repeat">
+      <a:schemeClr val="dk1"/>
+    </dgm:txFillClrLst>
+    <dgm:txEffectClrLst/>
+  </dgm:styleLbl>
+  <dgm:styleLbl name="conFgAcc1">
+    <dgm:fillClrLst meth="repeat">
+      <a:schemeClr val="lt1">
+        <a:alpha val="90000"/>
+      </a:schemeClr>
+    </dgm:fillClrLst>
+    <dgm:linClrLst meth="repeat">
+      <a:schemeClr val="accent2"/>
+      <a:schemeClr val="accent3"/>
+      <a:schemeClr val="accent4"/>
+      <a:schemeClr val="accent5"/>
+      <a:schemeClr val="accent6"/>
+    </dgm:linClrLst>
+    <dgm:effectClrLst/>
+    <dgm:txLinClrLst/>
+    <dgm:txFillClrLst meth="repeat">
+      <a:schemeClr val="dk1"/>
+    </dgm:txFillClrLst>
+    <dgm:txEffectClrLst/>
+  </dgm:styleLbl>
+  <dgm:styleLbl name="alignAcc1">
+    <dgm:fillClrLst meth="repeat">
+      <a:schemeClr val="lt1">
+        <a:alpha val="90000"/>
+      </a:schemeClr>
+    </dgm:fillClrLst>
+    <dgm:linClrLst meth="repeat">
+      <a:schemeClr val="accent2"/>
+      <a:schemeClr val="accent3"/>
+      <a:schemeClr val="accent4"/>
+      <a:schemeClr val="accent5"/>
+      <a:schemeClr val="accent6"/>
+    </dgm:linClrLst>
+    <dgm:effectClrLst/>
+    <dgm:txLinClrLst/>
+    <dgm:txFillClrLst meth="repeat">
+      <a:schemeClr val="dk1"/>
+    </dgm:txFillClrLst>
+    <dgm:txEffectClrLst/>
+  </dgm:styleLbl>
+  <dgm:styleLbl name="trAlignAcc1">
+    <dgm:fillClrLst meth="repeat">
+      <a:schemeClr val="lt1">
+        <a:alpha val="40000"/>
+      </a:schemeClr>
+    </dgm:fillClrLst>
+    <dgm:linClrLst meth="repeat">
+      <a:schemeClr val="accent1"/>
+    </dgm:linClrLst>
+    <dgm:effectClrLst/>
+    <dgm:txLinClrLst/>
+    <dgm:txFillClrLst meth="repeat">
+      <a:schemeClr val="dk1"/>
+    </dgm:txFillClrLst>
+    <dgm:txEffectClrLst/>
+  </dgm:styleLbl>
+  <dgm:styleLbl name="bgAcc1">
+    <dgm:fillClrLst meth="repeat">
+      <a:schemeClr val="lt1">
+        <a:alpha val="90000"/>
+      </a:schemeClr>
+    </dgm:fillClrLst>
+    <dgm:linClrLst meth="repeat">
+      <a:schemeClr val="accent2"/>
+      <a:schemeClr val="accent3"/>
+      <a:schemeClr val="accent4"/>
+      <a:schemeClr val="accent5"/>
+      <a:schemeClr val="accent6"/>
+    </dgm:linClrLst>
+    <dgm:effectClrLst/>
+    <dgm:txLinClrLst/>
+    <dgm:txFillClrLst meth="repeat">
+      <a:schemeClr val="dk1"/>
+    </dgm:txFillClrLst>
+    <dgm:txEffectClrLst/>
+  </dgm:styleLbl>
+  <dgm:styleLbl name="solidFgAcc1">
+    <dgm:fillClrLst meth="repeat">
+      <a:schemeClr val="lt1"/>
+    </dgm:fillClrLst>
+    <dgm:linClrLst meth="repeat">
+      <a:schemeClr val="accent2"/>
+      <a:schemeClr val="accent3"/>
+      <a:schemeClr val="accent4"/>
+      <a:schemeClr val="accent5"/>
+      <a:schemeClr val="accent6"/>
+    </dgm:linClrLst>
+    <dgm:effectClrLst/>
+    <dgm:txLinClrLst/>
+    <dgm:txFillClrLst meth="repeat">
+      <a:schemeClr val="dk1"/>
+    </dgm:txFillClrLst>
+    <dgm:txEffectClrLst/>
+  </dgm:styleLbl>
+  <dgm:styleLbl name="solidAlignAcc1">
+    <dgm:fillClrLst meth="repeat">
+      <a:schemeClr val="lt1"/>
+    </dgm:fillClrLst>
+    <dgm:linClrLst meth="repeat">
+      <a:schemeClr val="accent2"/>
+      <a:schemeClr val="accent3"/>
+      <a:schemeClr val="accent4"/>
+      <a:schemeClr val="accent5"/>
+      <a:schemeClr val="accent6"/>
+    </dgm:linClrLst>
+    <dgm:effectClrLst/>
+    <dgm:txLinClrLst/>
+    <dgm:txFillClrLst meth="repeat">
+      <a:schemeClr val="dk1"/>
+    </dgm:txFillClrLst>
+    <dgm:txEffectClrLst/>
+  </dgm:styleLbl>
+  <dgm:styleLbl name="solidBgAcc1">
+    <dgm:fillClrLst meth="repeat">
+      <a:schemeClr val="lt1"/>
+    </dgm:fillClrLst>
+    <dgm:linClrLst meth="repeat">
+      <a:schemeClr val="accent2"/>
+      <a:schemeClr val="accent3"/>
+      <a:schemeClr val="accent4"/>
+      <a:schemeClr val="accent5"/>
+      <a:schemeClr val="accent6"/>
+    </dgm:linClrLst>
+    <dgm:effectClrLst/>
+    <dgm:txLinClrLst/>
+    <dgm:txFillClrLst meth="repeat">
+      <a:schemeClr val="dk1"/>
+    </dgm:txFillClrLst>
+    <dgm:txEffectClrLst/>
+  </dgm:styleLbl>
+  <dgm:styleLbl name="fgAccFollowNode1">
+    <dgm:fillClrLst meth="repeat">
+      <a:schemeClr val="accent2">
+        <a:tint val="40000"/>
+        <a:alpha val="90000"/>
+      </a:schemeClr>
+      <a:schemeClr val="accent3">
+        <a:tint val="40000"/>
+        <a:alpha val="90000"/>
+      </a:schemeClr>
+      <a:schemeClr val="accent4">
+        <a:tint val="40000"/>
+        <a:alpha val="90000"/>
+      </a:schemeClr>
+      <a:schemeClr val="accent5">
+        <a:tint val="40000"/>
+        <a:alpha val="90000"/>
+      </a:schemeClr>
+      <a:schemeClr val="accent6">
+        <a:tint val="40000"/>
+        <a:alpha val="90000"/>
+      </a:schemeClr>
+    </dgm:fillClrLst>
+    <dgm:linClrLst meth="repeat">
+      <a:schemeClr val="accent2">
+        <a:tint val="40000"/>
+        <a:alpha val="90000"/>
+      </a:schemeClr>
+      <a:schemeClr val="accent3">
+        <a:tint val="40000"/>
+        <a:alpha val="90000"/>
+      </a:schemeClr>
+      <a:schemeClr val="accent4">
+        <a:tint val="40000"/>
+        <a:alpha val="90000"/>
+      </a:schemeClr>
+      <a:schemeClr val="accent5">
+        <a:tint val="40000"/>
+        <a:alpha val="90000"/>
+      </a:schemeClr>
+      <a:schemeClr val="accent6">
+        <a:tint val="40000"/>
+        <a:alpha val="90000"/>
+      </a:schemeClr>
+    </dgm:linClrLst>
+    <dgm:effectClrLst/>
+    <dgm:txLinClrLst/>
+    <dgm:txFillClrLst meth="repeat">
+      <a:schemeClr val="dk1"/>
+    </dgm:txFillClrLst>
+    <dgm:txEffectClrLst/>
+  </dgm:styleLbl>
+  <dgm:styleLbl name="alignAccFollowNode1">
+    <dgm:fillClrLst meth="repeat">
+      <a:schemeClr val="accent2">
+        <a:tint val="40000"/>
+        <a:alpha val="90000"/>
+      </a:schemeClr>
+      <a:schemeClr val="accent3">
+        <a:tint val="40000"/>
+        <a:alpha val="90000"/>
+      </a:schemeClr>
+      <a:schemeClr val="accent4">
+        <a:tint val="40000"/>
+        <a:alpha val="90000"/>
+      </a:schemeClr>
+      <a:schemeClr val="accent5">
+        <a:tint val="40000"/>
+        <a:alpha val="90000"/>
+      </a:schemeClr>
+      <a:schemeClr val="accent6">
+        <a:tint val="40000"/>
+        <a:alpha val="90000"/>
+      </a:schemeClr>
+    </dgm:fillClrLst>
+    <dgm:linClrLst meth="repeat">
+      <a:schemeClr val="accent2">
+        <a:tint val="40000"/>
+        <a:alpha val="90000"/>
+      </a:schemeClr>
+      <a:schemeClr val="accent3">
+        <a:tint val="40000"/>
+        <a:alpha val="90000"/>
+      </a:schemeClr>
+      <a:schemeClr val="accent4">
+        <a:tint val="40000"/>
+        <a:alpha val="90000"/>
+      </a:schemeClr>
+      <a:schemeClr val="accent5">
+        <a:tint val="40000"/>
+        <a:alpha val="90000"/>
+      </a:schemeClr>
+      <a:schemeClr val="accent6">
+        <a:tint val="40000"/>
+        <a:alpha val="90000"/>
+      </a:schemeClr>
+    </dgm:linClrLst>
+    <dgm:effectClrLst/>
+    <dgm:txLinClrLst/>
+    <dgm:txFillClrLst meth="repeat">
+      <a:schemeClr val="dk1"/>
+    </dgm:txFillClrLst>
+    <dgm:txEffectClrLst/>
+  </dgm:styleLbl>
+  <dgm:styleLbl name="bgAccFollowNode1">
+    <dgm:fillClrLst meth="repeat">
+      <a:schemeClr val="accent2">
+        <a:tint val="40000"/>
+        <a:alpha val="90000"/>
+      </a:schemeClr>
+      <a:schemeClr val="accent3">
+        <a:tint val="40000"/>
+        <a:alpha val="90000"/>
+      </a:schemeClr>
+      <a:schemeClr val="accent4">
+        <a:tint val="40000"/>
+        <a:alpha val="90000"/>
+      </a:schemeClr>
+      <a:schemeClr val="accent5">
+        <a:tint val="40000"/>
+        <a:alpha val="90000"/>
+      </a:schemeClr>
+      <a:schemeClr val="accent6">
+        <a:tint val="40000"/>
+        <a:alpha val="90000"/>
+      </a:schemeClr>
+    </dgm:fillClrLst>
+    <dgm:linClrLst meth="repeat">
+      <a:schemeClr val="accent2">
+        <a:tint val="40000"/>
+        <a:alpha val="90000"/>
+      </a:schemeClr>
+      <a:schemeClr val="accent3">
+        <a:tint val="40000"/>
+        <a:alpha val="90000"/>
+      </a:schemeClr>
+      <a:schemeClr val="accent4">
+        <a:tint val="40000"/>
+        <a:alpha val="90000"/>
+      </a:schemeClr>
+      <a:schemeClr val="accent5">
+        <a:tint val="40000"/>
+        <a:alpha val="90000"/>
+      </a:schemeClr>
+      <a:schemeClr val="accent6">
+        <a:tint val="40000"/>
+        <a:alpha val="90000"/>
+      </a:schemeClr>
+    </dgm:linClrLst>
+    <dgm:effectClrLst/>
+    <dgm:txLinClrLst/>
+    <dgm:txFillClrLst meth="repeat">
+      <a:schemeClr val="dk1"/>
+    </dgm:txFillClrLst>
+    <dgm:txEffectClrLst/>
+  </dgm:styleLbl>
+  <dgm:styleLbl name="fgAcc0">
+    <dgm:fillClrLst meth="repeat">
+      <a:schemeClr val="lt1">
+        <a:alpha val="90000"/>
+      </a:schemeClr>
+    </dgm:fillClrLst>
+    <dgm:linClrLst>
+      <a:schemeClr val="accent1"/>
+    </dgm:linClrLst>
+    <dgm:effectClrLst/>
+    <dgm:txLinClrLst/>
+    <dgm:txFillClrLst meth="repeat">
+      <a:schemeClr val="dk1"/>
+    </dgm:txFillClrLst>
+    <dgm:txEffectClrLst/>
+  </dgm:styleLbl>
+  <dgm:styleLbl name="fgAcc2">
+    <dgm:fillClrLst meth="repeat">
+      <a:schemeClr val="lt1">
+        <a:alpha val="90000"/>
+      </a:schemeClr>
+    </dgm:fillClrLst>
+    <dgm:linClrLst>
+      <a:schemeClr val="accent2"/>
+    </dgm:linClrLst>
+    <dgm:effectClrLst/>
+    <dgm:txLinClrLst/>
+    <dgm:txFillClrLst meth="repeat">
+      <a:schemeClr val="dk1"/>
+    </dgm:txFillClrLst>
+    <dgm:txEffectClrLst/>
+  </dgm:styleLbl>
+  <dgm:styleLbl name="fgAcc3">
+    <dgm:fillClrLst meth="repeat">
+      <a:schemeClr val="lt1">
+        <a:alpha val="90000"/>
+      </a:schemeClr>
+    </dgm:fillClrLst>
+    <dgm:linClrLst>
+      <a:schemeClr val="accent3"/>
+    </dgm:linClrLst>
+    <dgm:effectClrLst/>
+    <dgm:txLinClrLst/>
+    <dgm:txFillClrLst meth="repeat">
+      <a:schemeClr val="dk1"/>
+    </dgm:txFillClrLst>
+    <dgm:txEffectClrLst/>
+  </dgm:styleLbl>
+  <dgm:styleLbl name="fgAcc4">
+    <dgm:fillClrLst meth="repeat">
+      <a:schemeClr val="lt1">
+        <a:alpha val="90000"/>
+      </a:schemeClr>
+    </dgm:fillClrLst>
+    <dgm:linClrLst>
+      <a:schemeClr val="accent4"/>
+    </dgm:linClrLst>
+    <dgm:effectClrLst/>
+    <dgm:txLinClrLst/>
+    <dgm:txFillClrLst meth="repeat">
+      <a:schemeClr val="dk1"/>
+    </dgm:txFillClrLst>
+    <dgm:txEffectClrLst/>
+  </dgm:styleLbl>
+  <dgm:styleLbl name="bgShp">
+    <dgm:fillClrLst meth="repeat">
+      <a:schemeClr val="bg1">
+        <a:lumMod val="95000"/>
+      </a:schemeClr>
+    </dgm:fillClrLst>
+    <dgm:linClrLst meth="repeat">
+      <a:schemeClr val="dk1"/>
+    </dgm:linClrLst>
+    <dgm:effectClrLst/>
+    <dgm:txLinClrLst/>
+    <dgm:txFillClrLst meth="repeat">
+      <a:schemeClr val="dk1"/>
+    </dgm:txFillClrLst>
+    <dgm:txEffectClrLst/>
+  </dgm:styleLbl>
+  <dgm:styleLbl name="dkBgShp">
+    <dgm:fillClrLst meth="repeat">
+      <a:schemeClr val="accent2">
+        <a:shade val="90000"/>
+      </a:schemeClr>
+    </dgm:fillClrLst>
+    <dgm:linClrLst meth="repeat">
+      <a:schemeClr val="dk1"/>
+    </dgm:linClrLst>
+    <dgm:effectClrLst/>
+    <dgm:txLinClrLst/>
+    <dgm:txFillClrLst meth="repeat">
+      <a:schemeClr val="lt1"/>
+    </dgm:txFillClrLst>
+    <dgm:txEffectClrLst/>
+  </dgm:styleLbl>
+  <dgm:styleLbl name="trBgShp">
+    <dgm:fillClrLst meth="repeat">
+      <a:schemeClr val="accent1">
+        <a:tint val="50000"/>
+        <a:alpha val="40000"/>
+      </a:schemeClr>
+    </dgm:fillClrLst>
+    <dgm:linClrLst meth="repeat">
+      <a:schemeClr val="accent2"/>
+    </dgm:linClrLst>
+    <dgm:effectClrLst/>
+    <dgm:txLinClrLst/>
+    <dgm:txFillClrLst meth="repeat">
+      <a:schemeClr val="lt1"/>
+    </dgm:txFillClrLst>
+    <dgm:txEffectClrLst/>
+  </dgm:styleLbl>
+  <dgm:styleLbl name="fgShp">
+    <dgm:fillClrLst meth="repeat">
+      <a:schemeClr val="accent2">
         <a:tint val="40000"/>
       </a:schemeClr>
     </dgm:fillClrLst>
@@ -2390,6 +3313,232 @@
     <dgm:cxn modelId="{141D8676-F1E7-477E-B097-8392534698C4}" type="presParOf" srcId="{C2798DC9-34E4-44A2-A2D7-B01C648B83BF}" destId="{8A1188E5-A759-44B2-963A-06F58F4256C3}" srcOrd="1" destOrd="0" presId="urn:microsoft.com/office/officeart/2005/8/layout/list1"/>
     <dgm:cxn modelId="{FDCE8034-5E15-4A29-8456-454C3382D55E}" type="presParOf" srcId="{CD034F5C-E590-4A75-8344-DE491A1CB11B}" destId="{9EA316EC-5F1B-4FB6-B135-B21D2CEA6AF8}" srcOrd="9" destOrd="0" presId="urn:microsoft.com/office/officeart/2005/8/layout/list1"/>
     <dgm:cxn modelId="{D4D15E60-2D0F-45F4-920C-39C3DD43E8CB}" type="presParOf" srcId="{CD034F5C-E590-4A75-8344-DE491A1CB11B}" destId="{073DB91E-5E1D-4A7A-96BA-86194235F14D}" srcOrd="10" destOrd="0" presId="urn:microsoft.com/office/officeart/2005/8/layout/list1"/>
+  </dgm:cxnLst>
+  <dgm:bg/>
+  <dgm:whole/>
+  <dgm:extLst>
+    <a:ext uri="http://schemas.microsoft.com/office/drawing/2008/diagram">
+      <dsp:dataModelExt xmlns:dsp="http://schemas.microsoft.com/office/drawing/2008/diagram" relId="rId6" minVer="http://schemas.openxmlformats.org/drawingml/2006/diagram"/>
+    </a:ext>
+  </dgm:extLst>
+</dgm:dataModel>
+</file>
+
+<file path=ppt/diagrams/data3.xml><?xml version="1.0" encoding="utf-8"?>
+<dgm:dataModel xmlns:dgm="http://schemas.openxmlformats.org/drawingml/2006/diagram" xmlns:a="http://schemas.openxmlformats.org/drawingml/2006/main">
+  <dgm:ptLst>
+    <dgm:pt modelId="{D7EDA2AA-124E-4EF1-9223-211F2A55E1B2}" type="doc">
+      <dgm:prSet loTypeId="urn:microsoft.com/office/officeart/2018/2/layout/IconVerticalSolidList" loCatId="icon" qsTypeId="urn:microsoft.com/office/officeart/2005/8/quickstyle/simple1" qsCatId="simple" csTypeId="urn:microsoft.com/office/officeart/2018/5/colors/Iconchunking_neutralbg_colorful1" csCatId="colorful" phldr="1"/>
+      <dgm:spPr/>
+      <dgm:t>
+        <a:bodyPr/>
+        <a:lstStyle/>
+        <a:p>
+          <a:endParaRPr lang="en-US"/>
+        </a:p>
+      </dgm:t>
+    </dgm:pt>
+    <dgm:pt modelId="{6C68C46D-9703-4AB5-9001-76520C5F8037}">
+      <dgm:prSet/>
+      <dgm:spPr/>
+      <dgm:t>
+        <a:bodyPr/>
+        <a:lstStyle/>
+        <a:p>
+          <a:r>
+            <a:rPr lang="en-US"/>
+            <a:t>Create your own environment in ArcGIS Pro</a:t>
+          </a:r>
+        </a:p>
+      </dgm:t>
+    </dgm:pt>
+    <dgm:pt modelId="{2B802489-1934-46EB-91FD-9BB442BCFB38}" type="parTrans" cxnId="{514B5CEF-2161-42EF-AB59-7C23DDFD1470}">
+      <dgm:prSet/>
+      <dgm:spPr/>
+      <dgm:t>
+        <a:bodyPr/>
+        <a:lstStyle/>
+        <a:p>
+          <a:endParaRPr lang="en-US"/>
+        </a:p>
+      </dgm:t>
+    </dgm:pt>
+    <dgm:pt modelId="{44A1E75E-E022-4E97-8173-0640798BBC2D}" type="sibTrans" cxnId="{514B5CEF-2161-42EF-AB59-7C23DDFD1470}">
+      <dgm:prSet/>
+      <dgm:spPr/>
+      <dgm:t>
+        <a:bodyPr/>
+        <a:lstStyle/>
+        <a:p>
+          <a:endParaRPr lang="en-US"/>
+        </a:p>
+      </dgm:t>
+    </dgm:pt>
+    <dgm:pt modelId="{D8E41EED-F8D6-4936-87A9-5E813CE4E90C}">
+      <dgm:prSet/>
+      <dgm:spPr/>
+      <dgm:t>
+        <a:bodyPr/>
+        <a:lstStyle/>
+        <a:p>
+          <a:r>
+            <a:rPr lang="en-US"/>
+            <a:t>Sign up for an ArcGIS Online Developer Account</a:t>
+          </a:r>
+        </a:p>
+      </dgm:t>
+    </dgm:pt>
+    <dgm:pt modelId="{DE8F993F-E1AB-41F9-9003-2646EA53A034}" type="parTrans" cxnId="{A2986CAA-E729-438A-837C-64F48C890DF8}">
+      <dgm:prSet/>
+      <dgm:spPr/>
+      <dgm:t>
+        <a:bodyPr/>
+        <a:lstStyle/>
+        <a:p>
+          <a:endParaRPr lang="en-US"/>
+        </a:p>
+      </dgm:t>
+    </dgm:pt>
+    <dgm:pt modelId="{9BAC0369-EBB3-40A8-9AAB-5AC73E57A438}" type="sibTrans" cxnId="{A2986CAA-E729-438A-837C-64F48C890DF8}">
+      <dgm:prSet/>
+      <dgm:spPr/>
+      <dgm:t>
+        <a:bodyPr/>
+        <a:lstStyle/>
+        <a:p>
+          <a:endParaRPr lang="en-US"/>
+        </a:p>
+      </dgm:t>
+    </dgm:pt>
+    <dgm:pt modelId="{0C6E2BC8-CC61-4CC8-9E1C-10276BAA816C}" type="pres">
+      <dgm:prSet presAssocID="{D7EDA2AA-124E-4EF1-9223-211F2A55E1B2}" presName="root" presStyleCnt="0">
+        <dgm:presLayoutVars>
+          <dgm:dir/>
+          <dgm:resizeHandles val="exact"/>
+        </dgm:presLayoutVars>
+      </dgm:prSet>
+      <dgm:spPr/>
+    </dgm:pt>
+    <dgm:pt modelId="{D9FC209D-2E57-48CD-BBF8-ED2AF487EA92}" type="pres">
+      <dgm:prSet presAssocID="{6C68C46D-9703-4AB5-9001-76520C5F8037}" presName="compNode" presStyleCnt="0"/>
+      <dgm:spPr/>
+    </dgm:pt>
+    <dgm:pt modelId="{2542B7FC-26D7-4FD9-BE3C-96A867FE02FC}" type="pres">
+      <dgm:prSet presAssocID="{6C68C46D-9703-4AB5-9001-76520C5F8037}" presName="bgRect" presStyleLbl="bgShp" presStyleIdx="0" presStyleCnt="2"/>
+      <dgm:spPr/>
+    </dgm:pt>
+    <dgm:pt modelId="{9EF571E9-4EFC-4761-9F28-BF77D24ED6C0}" type="pres">
+      <dgm:prSet presAssocID="{6C68C46D-9703-4AB5-9001-76520C5F8037}" presName="iconRect" presStyleLbl="node1" presStyleIdx="0" presStyleCnt="2"/>
+      <dgm:spPr>
+        <a:blipFill>
+          <a:blip xmlns:r="http://schemas.openxmlformats.org/officeDocument/2006/relationships" r:embed="rId1">
+            <a:extLst>
+              <a:ext uri="{28A0092B-C50C-407E-A947-70E740481C1C}">
+                <a14:useLocalDpi xmlns:a14="http://schemas.microsoft.com/office/drawing/2010/main" val="0"/>
+              </a:ext>
+              <a:ext uri="{96DAC541-7B7A-43D3-8B79-37D633B846F1}">
+                <asvg:svgBlip xmlns:asvg="http://schemas.microsoft.com/office/drawing/2016/SVG/main" r:embed="rId2"/>
+              </a:ext>
+            </a:extLst>
+          </a:blip>
+          <a:stretch>
+            <a:fillRect/>
+          </a:stretch>
+        </a:blipFill>
+        <a:ln>
+          <a:noFill/>
+        </a:ln>
+      </dgm:spPr>
+      <dgm:extLst>
+        <a:ext uri="{E40237B7-FDA0-4F09-8148-C483321AD2D9}">
+          <dgm14:cNvPr xmlns:dgm14="http://schemas.microsoft.com/office/drawing/2010/diagram" id="0" name="" descr="Laptop"/>
+        </a:ext>
+      </dgm:extLst>
+    </dgm:pt>
+    <dgm:pt modelId="{D46257C4-78A0-46A3-8FB4-ACCDF4A732CE}" type="pres">
+      <dgm:prSet presAssocID="{6C68C46D-9703-4AB5-9001-76520C5F8037}" presName="spaceRect" presStyleCnt="0"/>
+      <dgm:spPr/>
+    </dgm:pt>
+    <dgm:pt modelId="{AAE751E9-8C07-4E2A-A464-010D8341931A}" type="pres">
+      <dgm:prSet presAssocID="{6C68C46D-9703-4AB5-9001-76520C5F8037}" presName="parTx" presStyleLbl="revTx" presStyleIdx="0" presStyleCnt="2">
+        <dgm:presLayoutVars>
+          <dgm:chMax val="0"/>
+          <dgm:chPref val="0"/>
+        </dgm:presLayoutVars>
+      </dgm:prSet>
+      <dgm:spPr/>
+    </dgm:pt>
+    <dgm:pt modelId="{22F3E38B-88C7-416F-B816-B3253AADD3F8}" type="pres">
+      <dgm:prSet presAssocID="{44A1E75E-E022-4E97-8173-0640798BBC2D}" presName="sibTrans" presStyleCnt="0"/>
+      <dgm:spPr/>
+    </dgm:pt>
+    <dgm:pt modelId="{3A999C45-5A40-49E7-9422-4E4E654F76FB}" type="pres">
+      <dgm:prSet presAssocID="{D8E41EED-F8D6-4936-87A9-5E813CE4E90C}" presName="compNode" presStyleCnt="0"/>
+      <dgm:spPr/>
+    </dgm:pt>
+    <dgm:pt modelId="{51CA0322-92B6-4625-A285-2E6BA5F2CD0A}" type="pres">
+      <dgm:prSet presAssocID="{D8E41EED-F8D6-4936-87A9-5E813CE4E90C}" presName="bgRect" presStyleLbl="bgShp" presStyleIdx="1" presStyleCnt="2"/>
+      <dgm:spPr/>
+    </dgm:pt>
+    <dgm:pt modelId="{03F72485-D46E-41EF-A9BD-8F0F4AB7A527}" type="pres">
+      <dgm:prSet presAssocID="{D8E41EED-F8D6-4936-87A9-5E813CE4E90C}" presName="iconRect" presStyleLbl="node1" presStyleIdx="1" presStyleCnt="2"/>
+      <dgm:spPr>
+        <a:blipFill>
+          <a:blip xmlns:r="http://schemas.openxmlformats.org/officeDocument/2006/relationships" r:embed="rId3">
+            <a:extLst>
+              <a:ext uri="{28A0092B-C50C-407E-A947-70E740481C1C}">
+                <a14:useLocalDpi xmlns:a14="http://schemas.microsoft.com/office/drawing/2010/main" val="0"/>
+              </a:ext>
+              <a:ext uri="{96DAC541-7B7A-43D3-8B79-37D633B846F1}">
+                <asvg:svgBlip xmlns:asvg="http://schemas.microsoft.com/office/drawing/2016/SVG/main" r:embed="rId4"/>
+              </a:ext>
+            </a:extLst>
+          </a:blip>
+          <a:stretch>
+            <a:fillRect/>
+          </a:stretch>
+        </a:blipFill>
+        <a:ln>
+          <a:noFill/>
+        </a:ln>
+      </dgm:spPr>
+      <dgm:extLst>
+        <a:ext uri="{E40237B7-FDA0-4F09-8148-C483321AD2D9}">
+          <dgm14:cNvPr xmlns:dgm14="http://schemas.microsoft.com/office/drawing/2010/diagram" id="0" name="" descr="Monitor"/>
+        </a:ext>
+      </dgm:extLst>
+    </dgm:pt>
+    <dgm:pt modelId="{9EDF169E-A568-4B37-9ECD-1CBC35201FDC}" type="pres">
+      <dgm:prSet presAssocID="{D8E41EED-F8D6-4936-87A9-5E813CE4E90C}" presName="spaceRect" presStyleCnt="0"/>
+      <dgm:spPr/>
+    </dgm:pt>
+    <dgm:pt modelId="{C80CC9FF-0D23-44E1-93C6-13CF1AFD68AE}" type="pres">
+      <dgm:prSet presAssocID="{D8E41EED-F8D6-4936-87A9-5E813CE4E90C}" presName="parTx" presStyleLbl="revTx" presStyleIdx="1" presStyleCnt="2">
+        <dgm:presLayoutVars>
+          <dgm:chMax val="0"/>
+          <dgm:chPref val="0"/>
+        </dgm:presLayoutVars>
+      </dgm:prSet>
+      <dgm:spPr/>
+    </dgm:pt>
+  </dgm:ptLst>
+  <dgm:cxnLst>
+    <dgm:cxn modelId="{691D511D-431C-45F0-8E2D-4F28D3C90399}" type="presOf" srcId="{D8E41EED-F8D6-4936-87A9-5E813CE4E90C}" destId="{C80CC9FF-0D23-44E1-93C6-13CF1AFD68AE}" srcOrd="0" destOrd="0" presId="urn:microsoft.com/office/officeart/2018/2/layout/IconVerticalSolidList"/>
+    <dgm:cxn modelId="{733C9E73-FC11-468C-AFB9-73CE70694EC5}" type="presOf" srcId="{6C68C46D-9703-4AB5-9001-76520C5F8037}" destId="{AAE751E9-8C07-4E2A-A464-010D8341931A}" srcOrd="0" destOrd="0" presId="urn:microsoft.com/office/officeart/2018/2/layout/IconVerticalSolidList"/>
+    <dgm:cxn modelId="{A2986CAA-E729-438A-837C-64F48C890DF8}" srcId="{D7EDA2AA-124E-4EF1-9223-211F2A55E1B2}" destId="{D8E41EED-F8D6-4936-87A9-5E813CE4E90C}" srcOrd="1" destOrd="0" parTransId="{DE8F993F-E1AB-41F9-9003-2646EA53A034}" sibTransId="{9BAC0369-EBB3-40A8-9AAB-5AC73E57A438}"/>
+    <dgm:cxn modelId="{11A675EB-747D-4B24-8DC0-8FBF5849A7F5}" type="presOf" srcId="{D7EDA2AA-124E-4EF1-9223-211F2A55E1B2}" destId="{0C6E2BC8-CC61-4CC8-9E1C-10276BAA816C}" srcOrd="0" destOrd="0" presId="urn:microsoft.com/office/officeart/2018/2/layout/IconVerticalSolidList"/>
+    <dgm:cxn modelId="{514B5CEF-2161-42EF-AB59-7C23DDFD1470}" srcId="{D7EDA2AA-124E-4EF1-9223-211F2A55E1B2}" destId="{6C68C46D-9703-4AB5-9001-76520C5F8037}" srcOrd="0" destOrd="0" parTransId="{2B802489-1934-46EB-91FD-9BB442BCFB38}" sibTransId="{44A1E75E-E022-4E97-8173-0640798BBC2D}"/>
+    <dgm:cxn modelId="{23AA6451-0610-4ACC-A2B6-B0581C9CEBBD}" type="presParOf" srcId="{0C6E2BC8-CC61-4CC8-9E1C-10276BAA816C}" destId="{D9FC209D-2E57-48CD-BBF8-ED2AF487EA92}" srcOrd="0" destOrd="0" presId="urn:microsoft.com/office/officeart/2018/2/layout/IconVerticalSolidList"/>
+    <dgm:cxn modelId="{53A8FD80-AB23-4F76-B729-F6D206551AB3}" type="presParOf" srcId="{D9FC209D-2E57-48CD-BBF8-ED2AF487EA92}" destId="{2542B7FC-26D7-4FD9-BE3C-96A867FE02FC}" srcOrd="0" destOrd="0" presId="urn:microsoft.com/office/officeart/2018/2/layout/IconVerticalSolidList"/>
+    <dgm:cxn modelId="{BA0E806B-1DD8-472D-B907-35C197E25440}" type="presParOf" srcId="{D9FC209D-2E57-48CD-BBF8-ED2AF487EA92}" destId="{9EF571E9-4EFC-4761-9F28-BF77D24ED6C0}" srcOrd="1" destOrd="0" presId="urn:microsoft.com/office/officeart/2018/2/layout/IconVerticalSolidList"/>
+    <dgm:cxn modelId="{35ED2B80-7E66-4743-BFFE-4343B26B9609}" type="presParOf" srcId="{D9FC209D-2E57-48CD-BBF8-ED2AF487EA92}" destId="{D46257C4-78A0-46A3-8FB4-ACCDF4A732CE}" srcOrd="2" destOrd="0" presId="urn:microsoft.com/office/officeart/2018/2/layout/IconVerticalSolidList"/>
+    <dgm:cxn modelId="{AD5B3A59-0B72-421D-8958-FE890D1D0470}" type="presParOf" srcId="{D9FC209D-2E57-48CD-BBF8-ED2AF487EA92}" destId="{AAE751E9-8C07-4E2A-A464-010D8341931A}" srcOrd="3" destOrd="0" presId="urn:microsoft.com/office/officeart/2018/2/layout/IconVerticalSolidList"/>
+    <dgm:cxn modelId="{A028C256-17C3-42A6-9568-95F829BAE8D2}" type="presParOf" srcId="{0C6E2BC8-CC61-4CC8-9E1C-10276BAA816C}" destId="{22F3E38B-88C7-416F-B816-B3253AADD3F8}" srcOrd="1" destOrd="0" presId="urn:microsoft.com/office/officeart/2018/2/layout/IconVerticalSolidList"/>
+    <dgm:cxn modelId="{AA79552C-AB47-4F3F-A896-F10A7070B94B}" type="presParOf" srcId="{0C6E2BC8-CC61-4CC8-9E1C-10276BAA816C}" destId="{3A999C45-5A40-49E7-9422-4E4E654F76FB}" srcOrd="2" destOrd="0" presId="urn:microsoft.com/office/officeart/2018/2/layout/IconVerticalSolidList"/>
+    <dgm:cxn modelId="{B5A0C348-650B-4F5D-8F6E-E3E00933C5DC}" type="presParOf" srcId="{3A999C45-5A40-49E7-9422-4E4E654F76FB}" destId="{51CA0322-92B6-4625-A285-2E6BA5F2CD0A}" srcOrd="0" destOrd="0" presId="urn:microsoft.com/office/officeart/2018/2/layout/IconVerticalSolidList"/>
+    <dgm:cxn modelId="{DA4B1D0E-24FB-4E98-AAE1-5E1C241D331D}" type="presParOf" srcId="{3A999C45-5A40-49E7-9422-4E4E654F76FB}" destId="{03F72485-D46E-41EF-A9BD-8F0F4AB7A527}" srcOrd="1" destOrd="0" presId="urn:microsoft.com/office/officeart/2018/2/layout/IconVerticalSolidList"/>
+    <dgm:cxn modelId="{114F8BC7-61F9-4C72-8E6C-B5427412B827}" type="presParOf" srcId="{3A999C45-5A40-49E7-9422-4E4E654F76FB}" destId="{9EDF169E-A568-4B37-9ECD-1CBC35201FDC}" srcOrd="2" destOrd="0" presId="urn:microsoft.com/office/officeart/2018/2/layout/IconVerticalSolidList"/>
+    <dgm:cxn modelId="{F459B723-FC61-4B48-B366-4A9C48E73588}" type="presParOf" srcId="{3A999C45-5A40-49E7-9422-4E4E654F76FB}" destId="{C80CC9FF-0D23-44E1-93C6-13CF1AFD68AE}" srcOrd="3" destOrd="0" presId="urn:microsoft.com/office/officeart/2018/2/layout/IconVerticalSolidList"/>
   </dgm:cxnLst>
   <dgm:bg/>
   <dgm:whole/>
@@ -3216,6 +4365,322 @@
 </dsp:drawing>
 </file>
 
+<file path=ppt/diagrams/drawing3.xml><?xml version="1.0" encoding="utf-8"?>
+<dsp:drawing xmlns:dgm="http://schemas.openxmlformats.org/drawingml/2006/diagram" xmlns:dsp="http://schemas.microsoft.com/office/drawing/2008/diagram" xmlns:a="http://schemas.openxmlformats.org/drawingml/2006/main">
+  <dsp:spTree>
+    <dsp:nvGrpSpPr>
+      <dsp:cNvPr id="0" name=""/>
+      <dsp:cNvGrpSpPr/>
+    </dsp:nvGrpSpPr>
+    <dsp:grpSpPr/>
+    <dsp:sp modelId="{2542B7FC-26D7-4FD9-BE3C-96A867FE02FC}">
+      <dsp:nvSpPr>
+        <dsp:cNvPr id="0" name=""/>
+        <dsp:cNvSpPr/>
+      </dsp:nvSpPr>
+      <dsp:spPr>
+        <a:xfrm>
+          <a:off x="0" y="956381"/>
+          <a:ext cx="6513603" cy="1765627"/>
+        </a:xfrm>
+        <a:prstGeom prst="roundRect">
+          <a:avLst>
+            <a:gd name="adj" fmla="val 10000"/>
+          </a:avLst>
+        </a:prstGeom>
+        <a:solidFill>
+          <a:schemeClr val="bg1">
+            <a:lumMod val="95000"/>
+            <a:hueOff val="0"/>
+            <a:satOff val="0"/>
+            <a:lumOff val="0"/>
+            <a:alphaOff val="0"/>
+          </a:schemeClr>
+        </a:solidFill>
+        <a:ln>
+          <a:noFill/>
+        </a:ln>
+        <a:effectLst/>
+      </dsp:spPr>
+      <dsp:style>
+        <a:lnRef idx="0">
+          <a:scrgbClr r="0" g="0" b="0"/>
+        </a:lnRef>
+        <a:fillRef idx="1">
+          <a:scrgbClr r="0" g="0" b="0"/>
+        </a:fillRef>
+        <a:effectRef idx="0">
+          <a:scrgbClr r="0" g="0" b="0"/>
+        </a:effectRef>
+        <a:fontRef idx="minor"/>
+      </dsp:style>
+    </dsp:sp>
+    <dsp:sp modelId="{9EF571E9-4EFC-4761-9F28-BF77D24ED6C0}">
+      <dsp:nvSpPr>
+        <dsp:cNvPr id="0" name=""/>
+        <dsp:cNvSpPr/>
+      </dsp:nvSpPr>
+      <dsp:spPr>
+        <a:xfrm>
+          <a:off x="534102" y="1353647"/>
+          <a:ext cx="971095" cy="971095"/>
+        </a:xfrm>
+        <a:prstGeom prst="rect">
+          <a:avLst/>
+        </a:prstGeom>
+        <a:blipFill>
+          <a:blip xmlns:r="http://schemas.openxmlformats.org/officeDocument/2006/relationships" r:embed="rId1">
+            <a:extLst>
+              <a:ext uri="{28A0092B-C50C-407E-A947-70E740481C1C}">
+                <a14:useLocalDpi xmlns:a14="http://schemas.microsoft.com/office/drawing/2010/main" val="0"/>
+              </a:ext>
+              <a:ext uri="{96DAC541-7B7A-43D3-8B79-37D633B846F1}">
+                <asvg:svgBlip xmlns:asvg="http://schemas.microsoft.com/office/drawing/2016/SVG/main" r:embed="rId2"/>
+              </a:ext>
+            </a:extLst>
+          </a:blip>
+          <a:stretch>
+            <a:fillRect/>
+          </a:stretch>
+        </a:blipFill>
+        <a:ln w="12700" cap="flat" cmpd="sng" algn="ctr">
+          <a:noFill/>
+          <a:prstDash val="solid"/>
+          <a:miter lim="800000"/>
+        </a:ln>
+        <a:effectLst/>
+      </dsp:spPr>
+      <dsp:style>
+        <a:lnRef idx="2">
+          <a:scrgbClr r="0" g="0" b="0"/>
+        </a:lnRef>
+        <a:fillRef idx="1">
+          <a:scrgbClr r="0" g="0" b="0"/>
+        </a:fillRef>
+        <a:effectRef idx="0">
+          <a:scrgbClr r="0" g="0" b="0"/>
+        </a:effectRef>
+        <a:fontRef idx="minor">
+          <a:schemeClr val="lt1"/>
+        </a:fontRef>
+      </dsp:style>
+    </dsp:sp>
+    <dsp:sp modelId="{AAE751E9-8C07-4E2A-A464-010D8341931A}">
+      <dsp:nvSpPr>
+        <dsp:cNvPr id="0" name=""/>
+        <dsp:cNvSpPr/>
+      </dsp:nvSpPr>
+      <dsp:spPr>
+        <a:xfrm>
+          <a:off x="2039300" y="956381"/>
+          <a:ext cx="4474303" cy="1765627"/>
+        </a:xfrm>
+        <a:prstGeom prst="rect">
+          <a:avLst/>
+        </a:prstGeom>
+        <a:noFill/>
+        <a:ln>
+          <a:noFill/>
+        </a:ln>
+        <a:effectLst/>
+      </dsp:spPr>
+      <dsp:style>
+        <a:lnRef idx="0">
+          <a:scrgbClr r="0" g="0" b="0"/>
+        </a:lnRef>
+        <a:fillRef idx="0">
+          <a:scrgbClr r="0" g="0" b="0"/>
+        </a:fillRef>
+        <a:effectRef idx="0">
+          <a:scrgbClr r="0" g="0" b="0"/>
+        </a:effectRef>
+        <a:fontRef idx="minor"/>
+      </dsp:style>
+      <dsp:txBody>
+        <a:bodyPr spcFirstLastPara="0" vert="horz" wrap="square" lIns="186862" tIns="186862" rIns="186862" bIns="186862" numCol="1" spcCol="1270" anchor="ctr" anchorCtr="0">
+          <a:noAutofit/>
+        </a:bodyPr>
+        <a:lstStyle/>
+        <a:p>
+          <a:pPr marL="0" lvl="0" indent="0" algn="l" defTabSz="1111250">
+            <a:lnSpc>
+              <a:spcPct val="90000"/>
+            </a:lnSpc>
+            <a:spcBef>
+              <a:spcPct val="0"/>
+            </a:spcBef>
+            <a:spcAft>
+              <a:spcPct val="35000"/>
+            </a:spcAft>
+            <a:buNone/>
+          </a:pPr>
+          <a:r>
+            <a:rPr lang="en-US" sz="2500" kern="1200"/>
+            <a:t>Create your own environment in ArcGIS Pro</a:t>
+          </a:r>
+        </a:p>
+      </dsp:txBody>
+      <dsp:txXfrm>
+        <a:off x="2039300" y="956381"/>
+        <a:ext cx="4474303" cy="1765627"/>
+      </dsp:txXfrm>
+    </dsp:sp>
+    <dsp:sp modelId="{51CA0322-92B6-4625-A285-2E6BA5F2CD0A}">
+      <dsp:nvSpPr>
+        <dsp:cNvPr id="0" name=""/>
+        <dsp:cNvSpPr/>
+      </dsp:nvSpPr>
+      <dsp:spPr>
+        <a:xfrm>
+          <a:off x="0" y="3163416"/>
+          <a:ext cx="6513603" cy="1765627"/>
+        </a:xfrm>
+        <a:prstGeom prst="roundRect">
+          <a:avLst>
+            <a:gd name="adj" fmla="val 10000"/>
+          </a:avLst>
+        </a:prstGeom>
+        <a:solidFill>
+          <a:schemeClr val="bg1">
+            <a:lumMod val="95000"/>
+            <a:hueOff val="0"/>
+            <a:satOff val="0"/>
+            <a:lumOff val="0"/>
+            <a:alphaOff val="0"/>
+          </a:schemeClr>
+        </a:solidFill>
+        <a:ln>
+          <a:noFill/>
+        </a:ln>
+        <a:effectLst/>
+      </dsp:spPr>
+      <dsp:style>
+        <a:lnRef idx="0">
+          <a:scrgbClr r="0" g="0" b="0"/>
+        </a:lnRef>
+        <a:fillRef idx="1">
+          <a:scrgbClr r="0" g="0" b="0"/>
+        </a:fillRef>
+        <a:effectRef idx="0">
+          <a:scrgbClr r="0" g="0" b="0"/>
+        </a:effectRef>
+        <a:fontRef idx="minor"/>
+      </dsp:style>
+    </dsp:sp>
+    <dsp:sp modelId="{03F72485-D46E-41EF-A9BD-8F0F4AB7A527}">
+      <dsp:nvSpPr>
+        <dsp:cNvPr id="0" name=""/>
+        <dsp:cNvSpPr/>
+      </dsp:nvSpPr>
+      <dsp:spPr>
+        <a:xfrm>
+          <a:off x="534102" y="3560682"/>
+          <a:ext cx="971095" cy="971095"/>
+        </a:xfrm>
+        <a:prstGeom prst="rect">
+          <a:avLst/>
+        </a:prstGeom>
+        <a:blipFill>
+          <a:blip xmlns:r="http://schemas.openxmlformats.org/officeDocument/2006/relationships" r:embed="rId3">
+            <a:extLst>
+              <a:ext uri="{28A0092B-C50C-407E-A947-70E740481C1C}">
+                <a14:useLocalDpi xmlns:a14="http://schemas.microsoft.com/office/drawing/2010/main" val="0"/>
+              </a:ext>
+              <a:ext uri="{96DAC541-7B7A-43D3-8B79-37D633B846F1}">
+                <asvg:svgBlip xmlns:asvg="http://schemas.microsoft.com/office/drawing/2016/SVG/main" r:embed="rId4"/>
+              </a:ext>
+            </a:extLst>
+          </a:blip>
+          <a:stretch>
+            <a:fillRect/>
+          </a:stretch>
+        </a:blipFill>
+        <a:ln w="12700" cap="flat" cmpd="sng" algn="ctr">
+          <a:noFill/>
+          <a:prstDash val="solid"/>
+          <a:miter lim="800000"/>
+        </a:ln>
+        <a:effectLst/>
+      </dsp:spPr>
+      <dsp:style>
+        <a:lnRef idx="2">
+          <a:scrgbClr r="0" g="0" b="0"/>
+        </a:lnRef>
+        <a:fillRef idx="1">
+          <a:scrgbClr r="0" g="0" b="0"/>
+        </a:fillRef>
+        <a:effectRef idx="0">
+          <a:scrgbClr r="0" g="0" b="0"/>
+        </a:effectRef>
+        <a:fontRef idx="minor">
+          <a:schemeClr val="lt1"/>
+        </a:fontRef>
+      </dsp:style>
+    </dsp:sp>
+    <dsp:sp modelId="{C80CC9FF-0D23-44E1-93C6-13CF1AFD68AE}">
+      <dsp:nvSpPr>
+        <dsp:cNvPr id="0" name=""/>
+        <dsp:cNvSpPr/>
+      </dsp:nvSpPr>
+      <dsp:spPr>
+        <a:xfrm>
+          <a:off x="2039300" y="3163416"/>
+          <a:ext cx="4474303" cy="1765627"/>
+        </a:xfrm>
+        <a:prstGeom prst="rect">
+          <a:avLst/>
+        </a:prstGeom>
+        <a:noFill/>
+        <a:ln>
+          <a:noFill/>
+        </a:ln>
+        <a:effectLst/>
+      </dsp:spPr>
+      <dsp:style>
+        <a:lnRef idx="0">
+          <a:scrgbClr r="0" g="0" b="0"/>
+        </a:lnRef>
+        <a:fillRef idx="0">
+          <a:scrgbClr r="0" g="0" b="0"/>
+        </a:fillRef>
+        <a:effectRef idx="0">
+          <a:scrgbClr r="0" g="0" b="0"/>
+        </a:effectRef>
+        <a:fontRef idx="minor"/>
+      </dsp:style>
+      <dsp:txBody>
+        <a:bodyPr spcFirstLastPara="0" vert="horz" wrap="square" lIns="186862" tIns="186862" rIns="186862" bIns="186862" numCol="1" spcCol="1270" anchor="ctr" anchorCtr="0">
+          <a:noAutofit/>
+        </a:bodyPr>
+        <a:lstStyle/>
+        <a:p>
+          <a:pPr marL="0" lvl="0" indent="0" algn="l" defTabSz="1111250">
+            <a:lnSpc>
+              <a:spcPct val="90000"/>
+            </a:lnSpc>
+            <a:spcBef>
+              <a:spcPct val="0"/>
+            </a:spcBef>
+            <a:spcAft>
+              <a:spcPct val="35000"/>
+            </a:spcAft>
+            <a:buNone/>
+          </a:pPr>
+          <a:r>
+            <a:rPr lang="en-US" sz="2500" kern="1200"/>
+            <a:t>Sign up for an ArcGIS Online Developer Account</a:t>
+          </a:r>
+        </a:p>
+      </dsp:txBody>
+      <dsp:txXfrm>
+        <a:off x="2039300" y="3163416"/>
+        <a:ext cx="4474303" cy="1765627"/>
+      </dsp:txXfrm>
+    </dsp:sp>
+  </dsp:spTree>
+</dsp:drawing>
+</file>
+
 <file path=ppt/diagrams/layout1.xml><?xml version="1.0" encoding="utf-8"?>
 <dgm:layoutDef xmlns:dgm="http://schemas.openxmlformats.org/drawingml/2006/diagram" xmlns:a="http://schemas.openxmlformats.org/drawingml/2006/main" uniqueId="urn:microsoft.com/office/officeart/2005/8/layout/list1">
   <dgm:title val=""/>
@@ -3666,6 +5131,300 @@
 </dgm:layoutDef>
 </file>
 
+<file path=ppt/diagrams/layout3.xml><?xml version="1.0" encoding="utf-8"?>
+<dgm:layoutDef xmlns:dgm="http://schemas.openxmlformats.org/drawingml/2006/diagram" xmlns:a="http://schemas.openxmlformats.org/drawingml/2006/main" uniqueId="urn:microsoft.com/office/officeart/2018/2/layout/IconVerticalSolidList">
+  <dgm:title val="Icon Vertical Solid List"/>
+  <dgm:desc val="Use to show a series of visuals from top to bottom with Level 1 or Level 1 and Level 2 text grouped in a shape. Works best with icons or small pictures with lengthier descriptions."/>
+  <dgm:catLst>
+    <dgm:cat type="icon" pri="500"/>
+  </dgm:catLst>
+  <dgm:sampData useDef="1">
+    <dgm:dataModel>
+      <dgm:ptLst/>
+      <dgm:bg/>
+      <dgm:whole/>
+    </dgm:dataModel>
+  </dgm:sampData>
+  <dgm:styleData useDef="1">
+    <dgm:dataModel>
+      <dgm:ptLst/>
+      <dgm:bg/>
+      <dgm:whole/>
+    </dgm:dataModel>
+  </dgm:styleData>
+  <dgm:clrData useDef="1">
+    <dgm:dataModel>
+      <dgm:ptLst/>
+      <dgm:bg/>
+      <dgm:whole/>
+    </dgm:dataModel>
+  </dgm:clrData>
+  <dgm:layoutNode name="root">
+    <dgm:varLst>
+      <dgm:dir/>
+      <dgm:resizeHandles val="exact"/>
+    </dgm:varLst>
+    <dgm:choose name="Name0">
+      <dgm:if name="Name1" axis="self" func="var" arg="dir" op="equ" val="norm">
+        <dgm:alg type="lin">
+          <dgm:param type="linDir" val="fromT"/>
+          <dgm:param type="nodeHorzAlign" val="l"/>
+        </dgm:alg>
+      </dgm:if>
+      <dgm:else name="Name2">
+        <dgm:alg type="lin">
+          <dgm:param type="linDir" val="fromT"/>
+          <dgm:param type="nodeHorzAlign" val="r"/>
+        </dgm:alg>
+      </dgm:else>
+    </dgm:choose>
+    <dgm:shape xmlns:r="http://schemas.openxmlformats.org/officeDocument/2006/relationships" r:blip="">
+      <dgm:adjLst/>
+    </dgm:shape>
+    <dgm:presOf/>
+    <dgm:choose name="Name3">
+      <dgm:if name="Name4" axis="ch" ptType="node" func="cnt" op="lte" val="3">
+        <dgm:constrLst>
+          <dgm:constr type="h" for="ch" forName="compNode" refType="h" fact="0.3"/>
+          <dgm:constr type="w" for="ch" forName="compNode" refType="w"/>
+          <dgm:constr type="h" for="ch" forName="sibTrans" refType="h" refFor="ch" refForName="compNode" fact="0.25"/>
+          <dgm:constr type="primFontSz" for="des" forName="parTx" val="25"/>
+          <dgm:constr type="primFontSz" for="des" forName="desTx" refType="primFontSz" refFor="des" refForName="parTx" op="lte" fact="0.75"/>
+          <dgm:constr type="h" for="des" forName="compNode" op="equ"/>
+          <dgm:constr type="h" for="des" forName="bgRect" op="equ"/>
+          <dgm:constr type="h" for="des" forName="iconRect" op="equ"/>
+          <dgm:constr type="w" for="des" forName="iconRect" op="equ"/>
+          <dgm:constr type="h" for="des" forName="spaceRect" op="equ"/>
+          <dgm:constr type="h" for="des" forName="parTx" op="equ"/>
+          <dgm:constr type="h" for="des" forName="desTx" op="equ"/>
+        </dgm:constrLst>
+      </dgm:if>
+      <dgm:if name="Name5" axis="ch" ptType="node" func="cnt" op="lte" val="4">
+        <dgm:constrLst>
+          <dgm:constr type="h" for="ch" forName="compNode" refType="h" fact="0.3"/>
+          <dgm:constr type="w" for="ch" forName="compNode" refType="w"/>
+          <dgm:constr type="h" for="ch" forName="sibTrans" refType="h" refFor="ch" refForName="compNode" fact="0.25"/>
+          <dgm:constr type="primFontSz" for="des" forName="parTx" val="22"/>
+          <dgm:constr type="primFontSz" for="des" forName="desTx" refType="primFontSz" refFor="des" refForName="parTx" op="lte" fact="0.75"/>
+          <dgm:constr type="h" for="des" forName="compNode" op="equ"/>
+          <dgm:constr type="h" for="des" forName="bgRect" op="equ"/>
+          <dgm:constr type="h" for="des" forName="iconRect" op="equ"/>
+          <dgm:constr type="w" for="des" forName="iconRect" op="equ"/>
+          <dgm:constr type="h" for="des" forName="spaceRect" op="equ"/>
+          <dgm:constr type="h" for="des" forName="parTx" op="equ"/>
+          <dgm:constr type="h" for="des" forName="desTx" op="equ"/>
+        </dgm:constrLst>
+      </dgm:if>
+      <dgm:if name="Name6" axis="ch" ptType="node" func="cnt" op="lte" val="6">
+        <dgm:constrLst>
+          <dgm:constr type="h" for="ch" forName="compNode" refType="h" fact="0.3"/>
+          <dgm:constr type="w" for="ch" forName="compNode" refType="w"/>
+          <dgm:constr type="h" for="ch" forName="sibTrans" refType="h" refFor="ch" refForName="compNode" fact="0.25"/>
+          <dgm:constr type="primFontSz" for="des" forName="parTx" val="19"/>
+          <dgm:constr type="primFontSz" for="des" forName="desTx" refType="primFontSz" refFor="des" refForName="parTx" op="lte" fact="0.75"/>
+          <dgm:constr type="h" for="des" forName="compNode" op="equ"/>
+          <dgm:constr type="h" for="des" forName="bgRect" op="equ"/>
+          <dgm:constr type="h" for="des" forName="iconRect" op="equ"/>
+          <dgm:constr type="w" for="des" forName="iconRect" op="equ"/>
+          <dgm:constr type="h" for="des" forName="spaceRect" op="equ"/>
+          <dgm:constr type="h" for="des" forName="parTx" op="equ"/>
+          <dgm:constr type="h" for="des" forName="desTx" op="equ"/>
+        </dgm:constrLst>
+      </dgm:if>
+      <dgm:else name="Name7">
+        <dgm:constrLst>
+          <dgm:constr type="h" for="ch" forName="compNode" refType="h" fact="0.3"/>
+          <dgm:constr type="w" for="ch" forName="compNode" refType="w"/>
+          <dgm:constr type="h" for="ch" forName="sibTrans" refType="h" refFor="ch" refForName="compNode" fact="0.25"/>
+          <dgm:constr type="primFontSz" for="des" forName="parTx" val="16"/>
+          <dgm:constr type="primFontSz" for="des" forName="desTx" refType="primFontSz" refFor="des" refForName="parTx" op="lte" fact="0.75"/>
+          <dgm:constr type="h" for="des" forName="compNode" op="equ"/>
+          <dgm:constr type="h" for="des" forName="bgRect" op="equ"/>
+          <dgm:constr type="h" for="des" forName="iconRect" op="equ"/>
+          <dgm:constr type="w" for="des" forName="iconRect" op="equ"/>
+          <dgm:constr type="h" for="des" forName="spaceRect" op="equ"/>
+          <dgm:constr type="h" for="des" forName="parTx" op="equ"/>
+          <dgm:constr type="h" for="des" forName="desTx" op="equ"/>
+        </dgm:constrLst>
+      </dgm:else>
+    </dgm:choose>
+    <dgm:ruleLst>
+      <dgm:rule type="h" for="ch" forName="compNode" val="0" fact="NaN" max="NaN"/>
+    </dgm:ruleLst>
+    <dgm:forEach name="Name8" axis="ch" ptType="node">
+      <dgm:layoutNode name="compNode">
+        <dgm:alg type="composite"/>
+        <dgm:shape xmlns:r="http://schemas.openxmlformats.org/officeDocument/2006/relationships" r:blip="">
+          <dgm:adjLst/>
+        </dgm:shape>
+        <dgm:presOf axis="self"/>
+        <dgm:choose name="Name9">
+          <dgm:if name="Name10" axis="ch" ptType="node" func="cnt" op="gte" val="1">
+            <dgm:constrLst>
+              <dgm:constr type="w" for="ch" forName="bgRect" refType="w"/>
+              <dgm:constr type="h" for="ch" forName="bgRect" refType="h"/>
+              <dgm:constr type="l" for="ch" forName="bgRect"/>
+              <dgm:constr type="t" for="ch" forName="bgRect"/>
+              <dgm:constr type="h" for="ch" forName="iconRect" refType="h" fact="0.55"/>
+              <dgm:constr type="w" for="ch" forName="iconRect" refType="h" refFor="ch" refForName="iconRect"/>
+              <dgm:constr type="l" for="ch" forName="iconRect" refType="h" refFor="ch" refForName="iconRect" fact="0.55"/>
+              <dgm:constr type="ctrY" for="ch" forName="iconRect" refType="ctrY" refFor="ch" refForName="bgRect"/>
+              <dgm:constr type="w" for="ch" forName="spaceRect" refType="l" refFor="ch" refForName="iconRect"/>
+              <dgm:constr type="h" for="ch" forName="spaceRect" refType="h"/>
+              <dgm:constr type="l" for="ch" forName="spaceRect" refType="r" refFor="ch" refForName="iconRect"/>
+              <dgm:constr type="t" for="ch" forName="spaceRect"/>
+              <dgm:constr type="w" for="ch" forName="parTx" refType="w" fact="0.45"/>
+              <dgm:constr type="h" for="ch" forName="parTx" refType="h"/>
+              <dgm:constr type="l" for="ch" forName="parTx" refType="r" refFor="ch" refForName="spaceRect"/>
+              <dgm:constr type="t" for="ch" forName="parTx"/>
+              <dgm:constr type="h" for="ch" forName="desTx" refType="h"/>
+              <dgm:constr type="l" for="ch" forName="desTx" refType="r" refFor="ch" refForName="parTx"/>
+              <dgm:constr type="t" for="ch" forName="desTx"/>
+            </dgm:constrLst>
+          </dgm:if>
+          <dgm:else name="Name11">
+            <dgm:constrLst>
+              <dgm:constr type="w" for="ch" forName="bgRect" refType="w"/>
+              <dgm:constr type="h" for="ch" forName="bgRect" refType="h"/>
+              <dgm:constr type="l" for="ch" forName="bgRect"/>
+              <dgm:constr type="t" for="ch" forName="bgRect"/>
+              <dgm:constr type="h" for="ch" forName="iconRect" refType="h" fact="0.55"/>
+              <dgm:constr type="w" for="ch" forName="iconRect" refType="h" refFor="ch" refForName="iconRect"/>
+              <dgm:constr type="l" for="ch" forName="iconRect" refType="h" refFor="ch" refForName="iconRect" fact="0.55"/>
+              <dgm:constr type="ctrY" for="ch" forName="iconRect" refType="ctrY" refFor="ch" refForName="bgRect"/>
+              <dgm:constr type="w" for="ch" forName="spaceRect" refType="l" refFor="ch" refForName="iconRect"/>
+              <dgm:constr type="h" for="ch" forName="spaceRect" refType="h"/>
+              <dgm:constr type="l" for="ch" forName="spaceRect" refType="r" refFor="ch" refForName="iconRect"/>
+              <dgm:constr type="t" for="ch" forName="spaceRect"/>
+              <dgm:constr type="h" for="ch" forName="parTx" refType="h"/>
+              <dgm:constr type="l" for="ch" forName="parTx" refType="r" refFor="ch" refForName="spaceRect"/>
+              <dgm:constr type="t" for="ch" forName="parTx"/>
+            </dgm:constrLst>
+          </dgm:else>
+        </dgm:choose>
+        <dgm:ruleLst>
+          <dgm:rule type="h" val="INF" fact="NaN" max="NaN"/>
+        </dgm:ruleLst>
+        <dgm:layoutNode name="bgRect" styleLbl="bgShp">
+          <dgm:alg type="sp"/>
+          <dgm:shape xmlns:r="http://schemas.openxmlformats.org/officeDocument/2006/relationships" type="roundRect" r:blip="">
+            <dgm:adjLst>
+              <dgm:adj idx="1" val="0.1"/>
+            </dgm:adjLst>
+          </dgm:shape>
+          <dgm:presOf/>
+          <dgm:constrLst/>
+          <dgm:ruleLst/>
+        </dgm:layoutNode>
+        <dgm:layoutNode name="iconRect" styleLbl="node1">
+          <dgm:alg type="sp"/>
+          <dgm:shape xmlns:r="http://schemas.openxmlformats.org/officeDocument/2006/relationships" type="rect" r:blip="" blipPhldr="1">
+            <dgm:adjLst/>
+          </dgm:shape>
+          <dgm:presOf/>
+          <dgm:constrLst/>
+          <dgm:ruleLst/>
+        </dgm:layoutNode>
+        <dgm:layoutNode name="spaceRect">
+          <dgm:alg type="sp"/>
+          <dgm:shape xmlns:r="http://schemas.openxmlformats.org/officeDocument/2006/relationships" r:blip="">
+            <dgm:adjLst/>
+          </dgm:shape>
+          <dgm:presOf/>
+          <dgm:constrLst/>
+          <dgm:ruleLst/>
+        </dgm:layoutNode>
+        <dgm:layoutNode name="parTx" styleLbl="revTx">
+          <dgm:varLst>
+            <dgm:chMax val="0"/>
+            <dgm:chPref val="0"/>
+          </dgm:varLst>
+          <dgm:alg type="tx">
+            <dgm:param type="txAnchorVert" val="mid"/>
+            <dgm:param type="parTxLTRAlign" val="l"/>
+            <dgm:param type="shpTxLTRAlignCh" val="l"/>
+            <dgm:param type="parTxRTLAlign" val="r"/>
+            <dgm:param type="shpTxRTLAlignCh" val="r"/>
+          </dgm:alg>
+          <dgm:shape xmlns:r="http://schemas.openxmlformats.org/officeDocument/2006/relationships" type="rect" r:blip="">
+            <dgm:adjLst/>
+          </dgm:shape>
+          <dgm:presOf axis="self" ptType="node"/>
+          <dgm:constrLst>
+            <dgm:constr type="lMarg" refType="h" fact="0.3"/>
+            <dgm:constr type="rMarg" refType="h" fact="0.3"/>
+            <dgm:constr type="tMarg" refType="h" fact="0.3"/>
+            <dgm:constr type="bMarg" refType="h" fact="0.3"/>
+          </dgm:constrLst>
+          <dgm:ruleLst>
+            <dgm:rule type="primFontSz" val="14" fact="NaN" max="NaN"/>
+            <dgm:rule type="h" val="INF" fact="NaN" max="NaN"/>
+          </dgm:ruleLst>
+        </dgm:layoutNode>
+        <dgm:choose name="Name12">
+          <dgm:if name="Name13" axis="ch" ptType="node" func="cnt" op="gte" val="1">
+            <dgm:layoutNode name="desTx" styleLbl="revTx">
+              <dgm:varLst/>
+              <dgm:alg type="tx">
+                <dgm:param type="txAnchorVertCh" val="mid"/>
+                <dgm:param type="parTxLTRAlign" val="l"/>
+                <dgm:param type="shpTxLTRAlignCh" val="l"/>
+                <dgm:param type="parTxRTLAlign" val="r"/>
+                <dgm:param type="shpTxRTLAlignCh" val="r"/>
+                <dgm:param type="stBulletLvl" val="0"/>
+              </dgm:alg>
+              <dgm:shape xmlns:r="http://schemas.openxmlformats.org/officeDocument/2006/relationships" type="rect" r:blip="">
+                <dgm:adjLst/>
+              </dgm:shape>
+              <dgm:presOf axis="des" ptType="node"/>
+              <dgm:constrLst>
+                <dgm:constr type="primFontSz" val="18"/>
+                <dgm:constr type="secFontSz" refType="primFontSz"/>
+                <dgm:constr type="lMarg" refType="h" fact="0.3"/>
+                <dgm:constr type="rMarg" refType="h" fact="0.3"/>
+                <dgm:constr type="tMarg" refType="h" fact="0.3"/>
+                <dgm:constr type="bMarg" refType="h" fact="0.3"/>
+              </dgm:constrLst>
+              <dgm:ruleLst>
+                <dgm:rule type="primFontSz" val="11" fact="NaN" max="NaN"/>
+              </dgm:ruleLst>
+            </dgm:layoutNode>
+          </dgm:if>
+          <dgm:else name="Name14"/>
+        </dgm:choose>
+      </dgm:layoutNode>
+      <dgm:forEach name="Name15" axis="followSib" ptType="sibTrans" cnt="1">
+        <dgm:layoutNode name="sibTrans">
+          <dgm:alg type="sp"/>
+          <dgm:shape xmlns:r="http://schemas.openxmlformats.org/officeDocument/2006/relationships" r:blip="">
+            <dgm:adjLst/>
+          </dgm:shape>
+          <dgm:presOf axis="self"/>
+          <dgm:constrLst/>
+          <dgm:ruleLst/>
+        </dgm:layoutNode>
+      </dgm:forEach>
+    </dgm:forEach>
+  </dgm:layoutNode>
+  <dgm:extLst>
+    <a:ext uri="{68A01E43-0DF5-4B5B-8FA6-DAF915123BFB}">
+      <dgm1612:lstStyle xmlns:dgm1612="http://schemas.microsoft.com/office/drawing/2016/12/diagram">
+        <a:lvl1pPr>
+          <a:lnSpc>
+            <a:spcPct val="100000"/>
+          </a:lnSpc>
+        </a:lvl1pPr>
+        <a:lvl2pPr>
+          <a:lnSpc>
+            <a:spcPct val="100000"/>
+          </a:lnSpc>
+        </a:lvl2pPr>
+      </dgm1612:lstStyle>
+    </a:ext>
+  </dgm:extLst>
+</dgm:layoutDef>
+</file>
+
 <file path=ppt/diagrams/quickStyle1.xml><?xml version="1.0" encoding="utf-8"?>
 <dgm:styleDef xmlns:dgm="http://schemas.openxmlformats.org/drawingml/2006/diagram" xmlns:a="http://schemas.openxmlformats.org/drawingml/2006/main" uniqueId="urn:microsoft.com/office/officeart/2005/8/quickstyle/simple1">
   <dgm:title val=""/>
@@ -4701,6 +6460,1040 @@
 </file>
 
 <file path=ppt/diagrams/quickStyle2.xml><?xml version="1.0" encoding="utf-8"?>
+<dgm:styleDef xmlns:dgm="http://schemas.openxmlformats.org/drawingml/2006/diagram" xmlns:a="http://schemas.openxmlformats.org/drawingml/2006/main" uniqueId="urn:microsoft.com/office/officeart/2005/8/quickstyle/simple1">
+  <dgm:title val=""/>
+  <dgm:desc val=""/>
+  <dgm:catLst>
+    <dgm:cat type="simple" pri="10100"/>
+  </dgm:catLst>
+  <dgm:scene3d>
+    <a:camera prst="orthographicFront"/>
+    <a:lightRig rig="threePt" dir="t"/>
+  </dgm:scene3d>
+  <dgm:styleLbl name="node0">
+    <dgm:scene3d>
+      <a:camera prst="orthographicFront"/>
+      <a:lightRig rig="threePt" dir="t"/>
+    </dgm:scene3d>
+    <dgm:sp3d/>
+    <dgm:txPr/>
+    <dgm:style>
+      <a:lnRef idx="2">
+        <a:scrgbClr r="0" g="0" b="0"/>
+      </a:lnRef>
+      <a:fillRef idx="1">
+        <a:scrgbClr r="0" g="0" b="0"/>
+      </a:fillRef>
+      <a:effectRef idx="0">
+        <a:scrgbClr r="0" g="0" b="0"/>
+      </a:effectRef>
+      <a:fontRef idx="minor">
+        <a:schemeClr val="lt1"/>
+      </a:fontRef>
+    </dgm:style>
+  </dgm:styleLbl>
+  <dgm:styleLbl name="lnNode1">
+    <dgm:scene3d>
+      <a:camera prst="orthographicFront"/>
+      <a:lightRig rig="threePt" dir="t"/>
+    </dgm:scene3d>
+    <dgm:sp3d/>
+    <dgm:txPr/>
+    <dgm:style>
+      <a:lnRef idx="2">
+        <a:scrgbClr r="0" g="0" b="0"/>
+      </a:lnRef>
+      <a:fillRef idx="1">
+        <a:scrgbClr r="0" g="0" b="0"/>
+      </a:fillRef>
+      <a:effectRef idx="0">
+        <a:scrgbClr r="0" g="0" b="0"/>
+      </a:effectRef>
+      <a:fontRef idx="minor">
+        <a:schemeClr val="lt1"/>
+      </a:fontRef>
+    </dgm:style>
+  </dgm:styleLbl>
+  <dgm:styleLbl name="vennNode1">
+    <dgm:scene3d>
+      <a:camera prst="orthographicFront"/>
+      <a:lightRig rig="threePt" dir="t"/>
+    </dgm:scene3d>
+    <dgm:sp3d/>
+    <dgm:txPr/>
+    <dgm:style>
+      <a:lnRef idx="2">
+        <a:scrgbClr r="0" g="0" b="0"/>
+      </a:lnRef>
+      <a:fillRef idx="1">
+        <a:scrgbClr r="0" g="0" b="0"/>
+      </a:fillRef>
+      <a:effectRef idx="0">
+        <a:scrgbClr r="0" g="0" b="0"/>
+      </a:effectRef>
+      <a:fontRef idx="minor">
+        <a:schemeClr val="tx1"/>
+      </a:fontRef>
+    </dgm:style>
+  </dgm:styleLbl>
+  <dgm:styleLbl name="alignNode1">
+    <dgm:scene3d>
+      <a:camera prst="orthographicFront"/>
+      <a:lightRig rig="threePt" dir="t"/>
+    </dgm:scene3d>
+    <dgm:sp3d/>
+    <dgm:txPr/>
+    <dgm:style>
+      <a:lnRef idx="2">
+        <a:scrgbClr r="0" g="0" b="0"/>
+      </a:lnRef>
+      <a:fillRef idx="1">
+        <a:scrgbClr r="0" g="0" b="0"/>
+      </a:fillRef>
+      <a:effectRef idx="0">
+        <a:scrgbClr r="0" g="0" b="0"/>
+      </a:effectRef>
+      <a:fontRef idx="minor">
+        <a:schemeClr val="lt1"/>
+      </a:fontRef>
+    </dgm:style>
+  </dgm:styleLbl>
+  <dgm:styleLbl name="node1">
+    <dgm:scene3d>
+      <a:camera prst="orthographicFront"/>
+      <a:lightRig rig="threePt" dir="t"/>
+    </dgm:scene3d>
+    <dgm:sp3d/>
+    <dgm:txPr/>
+    <dgm:style>
+      <a:lnRef idx="2">
+        <a:scrgbClr r="0" g="0" b="0"/>
+      </a:lnRef>
+      <a:fillRef idx="1">
+        <a:scrgbClr r="0" g="0" b="0"/>
+      </a:fillRef>
+      <a:effectRef idx="0">
+        <a:scrgbClr r="0" g="0" b="0"/>
+      </a:effectRef>
+      <a:fontRef idx="minor">
+        <a:schemeClr val="lt1"/>
+      </a:fontRef>
+    </dgm:style>
+  </dgm:styleLbl>
+  <dgm:styleLbl name="node2">
+    <dgm:scene3d>
+      <a:camera prst="orthographicFront"/>
+      <a:lightRig rig="threePt" dir="t"/>
+    </dgm:scene3d>
+    <dgm:sp3d/>
+    <dgm:txPr/>
+    <dgm:style>
+      <a:lnRef idx="2">
+        <a:scrgbClr r="0" g="0" b="0"/>
+      </a:lnRef>
+      <a:fillRef idx="1">
+        <a:scrgbClr r="0" g="0" b="0"/>
+      </a:fillRef>
+      <a:effectRef idx="0">
+        <a:scrgbClr r="0" g="0" b="0"/>
+      </a:effectRef>
+      <a:fontRef idx="minor">
+        <a:schemeClr val="lt1"/>
+      </a:fontRef>
+    </dgm:style>
+  </dgm:styleLbl>
+  <dgm:styleLbl name="node3">
+    <dgm:scene3d>
+      <a:camera prst="orthographicFront"/>
+      <a:lightRig rig="threePt" dir="t"/>
+    </dgm:scene3d>
+    <dgm:sp3d/>
+    <dgm:txPr/>
+    <dgm:style>
+      <a:lnRef idx="2">
+        <a:scrgbClr r="0" g="0" b="0"/>
+      </a:lnRef>
+      <a:fillRef idx="1">
+        <a:scrgbClr r="0" g="0" b="0"/>
+      </a:fillRef>
+      <a:effectRef idx="0">
+        <a:scrgbClr r="0" g="0" b="0"/>
+      </a:effectRef>
+      <a:fontRef idx="minor">
+        <a:schemeClr val="lt1"/>
+      </a:fontRef>
+    </dgm:style>
+  </dgm:styleLbl>
+  <dgm:styleLbl name="node4">
+    <dgm:scene3d>
+      <a:camera prst="orthographicFront"/>
+      <a:lightRig rig="threePt" dir="t"/>
+    </dgm:scene3d>
+    <dgm:sp3d/>
+    <dgm:txPr/>
+    <dgm:style>
+      <a:lnRef idx="2">
+        <a:scrgbClr r="0" g="0" b="0"/>
+      </a:lnRef>
+      <a:fillRef idx="1">
+        <a:scrgbClr r="0" g="0" b="0"/>
+      </a:fillRef>
+      <a:effectRef idx="0">
+        <a:scrgbClr r="0" g="0" b="0"/>
+      </a:effectRef>
+      <a:fontRef idx="minor">
+        <a:schemeClr val="lt1"/>
+      </a:fontRef>
+    </dgm:style>
+  </dgm:styleLbl>
+  <dgm:styleLbl name="fgImgPlace1">
+    <dgm:scene3d>
+      <a:camera prst="orthographicFront"/>
+      <a:lightRig rig="threePt" dir="t"/>
+    </dgm:scene3d>
+    <dgm:sp3d/>
+    <dgm:txPr/>
+    <dgm:style>
+      <a:lnRef idx="2">
+        <a:scrgbClr r="0" g="0" b="0"/>
+      </a:lnRef>
+      <a:fillRef idx="1">
+        <a:scrgbClr r="0" g="0" b="0"/>
+      </a:fillRef>
+      <a:effectRef idx="0">
+        <a:scrgbClr r="0" g="0" b="0"/>
+      </a:effectRef>
+      <a:fontRef idx="minor"/>
+    </dgm:style>
+  </dgm:styleLbl>
+  <dgm:styleLbl name="alignImgPlace1">
+    <dgm:scene3d>
+      <a:camera prst="orthographicFront"/>
+      <a:lightRig rig="threePt" dir="t"/>
+    </dgm:scene3d>
+    <dgm:sp3d/>
+    <dgm:txPr/>
+    <dgm:style>
+      <a:lnRef idx="2">
+        <a:scrgbClr r="0" g="0" b="0"/>
+      </a:lnRef>
+      <a:fillRef idx="1">
+        <a:scrgbClr r="0" g="0" b="0"/>
+      </a:fillRef>
+      <a:effectRef idx="0">
+        <a:scrgbClr r="0" g="0" b="0"/>
+      </a:effectRef>
+      <a:fontRef idx="minor"/>
+    </dgm:style>
+  </dgm:styleLbl>
+  <dgm:styleLbl name="bgImgPlace1">
+    <dgm:scene3d>
+      <a:camera prst="orthographicFront"/>
+      <a:lightRig rig="threePt" dir="t"/>
+    </dgm:scene3d>
+    <dgm:sp3d/>
+    <dgm:txPr/>
+    <dgm:style>
+      <a:lnRef idx="2">
+        <a:scrgbClr r="0" g="0" b="0"/>
+      </a:lnRef>
+      <a:fillRef idx="1">
+        <a:scrgbClr r="0" g="0" b="0"/>
+      </a:fillRef>
+      <a:effectRef idx="0">
+        <a:scrgbClr r="0" g="0" b="0"/>
+      </a:effectRef>
+      <a:fontRef idx="minor"/>
+    </dgm:style>
+  </dgm:styleLbl>
+  <dgm:styleLbl name="sibTrans2D1">
+    <dgm:scene3d>
+      <a:camera prst="orthographicFront"/>
+      <a:lightRig rig="threePt" dir="t"/>
+    </dgm:scene3d>
+    <dgm:sp3d/>
+    <dgm:txPr/>
+    <dgm:style>
+      <a:lnRef idx="0">
+        <a:scrgbClr r="0" g="0" b="0"/>
+      </a:lnRef>
+      <a:fillRef idx="1">
+        <a:scrgbClr r="0" g="0" b="0"/>
+      </a:fillRef>
+      <a:effectRef idx="0">
+        <a:scrgbClr r="0" g="0" b="0"/>
+      </a:effectRef>
+      <a:fontRef idx="minor">
+        <a:schemeClr val="lt1"/>
+      </a:fontRef>
+    </dgm:style>
+  </dgm:styleLbl>
+  <dgm:styleLbl name="fgSibTrans2D1">
+    <dgm:scene3d>
+      <a:camera prst="orthographicFront"/>
+      <a:lightRig rig="threePt" dir="t"/>
+    </dgm:scene3d>
+    <dgm:sp3d/>
+    <dgm:txPr/>
+    <dgm:style>
+      <a:lnRef idx="0">
+        <a:scrgbClr r="0" g="0" b="0"/>
+      </a:lnRef>
+      <a:fillRef idx="1">
+        <a:scrgbClr r="0" g="0" b="0"/>
+      </a:fillRef>
+      <a:effectRef idx="0">
+        <a:scrgbClr r="0" g="0" b="0"/>
+      </a:effectRef>
+      <a:fontRef idx="minor">
+        <a:schemeClr val="lt1"/>
+      </a:fontRef>
+    </dgm:style>
+  </dgm:styleLbl>
+  <dgm:styleLbl name="bgSibTrans2D1">
+    <dgm:scene3d>
+      <a:camera prst="orthographicFront"/>
+      <a:lightRig rig="threePt" dir="t"/>
+    </dgm:scene3d>
+    <dgm:sp3d/>
+    <dgm:txPr/>
+    <dgm:style>
+      <a:lnRef idx="0">
+        <a:scrgbClr r="0" g="0" b="0"/>
+      </a:lnRef>
+      <a:fillRef idx="1">
+        <a:scrgbClr r="0" g="0" b="0"/>
+      </a:fillRef>
+      <a:effectRef idx="0">
+        <a:scrgbClr r="0" g="0" b="0"/>
+      </a:effectRef>
+      <a:fontRef idx="minor">
+        <a:schemeClr val="lt1"/>
+      </a:fontRef>
+    </dgm:style>
+  </dgm:styleLbl>
+  <dgm:styleLbl name="sibTrans1D1">
+    <dgm:scene3d>
+      <a:camera prst="orthographicFront"/>
+      <a:lightRig rig="threePt" dir="t"/>
+    </dgm:scene3d>
+    <dgm:sp3d/>
+    <dgm:txPr/>
+    <dgm:style>
+      <a:lnRef idx="1">
+        <a:scrgbClr r="0" g="0" b="0"/>
+      </a:lnRef>
+      <a:fillRef idx="0">
+        <a:scrgbClr r="0" g="0" b="0"/>
+      </a:fillRef>
+      <a:effectRef idx="0">
+        <a:scrgbClr r="0" g="0" b="0"/>
+      </a:effectRef>
+      <a:fontRef idx="minor"/>
+    </dgm:style>
+  </dgm:styleLbl>
+  <dgm:styleLbl name="callout">
+    <dgm:scene3d>
+      <a:camera prst="orthographicFront"/>
+      <a:lightRig rig="threePt" dir="t"/>
+    </dgm:scene3d>
+    <dgm:sp3d/>
+    <dgm:txPr/>
+    <dgm:style>
+      <a:lnRef idx="2">
+        <a:scrgbClr r="0" g="0" b="0"/>
+      </a:lnRef>
+      <a:fillRef idx="1">
+        <a:scrgbClr r="0" g="0" b="0"/>
+      </a:fillRef>
+      <a:effectRef idx="0">
+        <a:scrgbClr r="0" g="0" b="0"/>
+      </a:effectRef>
+      <a:fontRef idx="minor"/>
+    </dgm:style>
+  </dgm:styleLbl>
+  <dgm:styleLbl name="asst0">
+    <dgm:scene3d>
+      <a:camera prst="orthographicFront"/>
+      <a:lightRig rig="threePt" dir="t"/>
+    </dgm:scene3d>
+    <dgm:sp3d/>
+    <dgm:txPr/>
+    <dgm:style>
+      <a:lnRef idx="2">
+        <a:scrgbClr r="0" g="0" b="0"/>
+      </a:lnRef>
+      <a:fillRef idx="1">
+        <a:scrgbClr r="0" g="0" b="0"/>
+      </a:fillRef>
+      <a:effectRef idx="0">
+        <a:scrgbClr r="0" g="0" b="0"/>
+      </a:effectRef>
+      <a:fontRef idx="minor">
+        <a:schemeClr val="lt1"/>
+      </a:fontRef>
+    </dgm:style>
+  </dgm:styleLbl>
+  <dgm:styleLbl name="asst1">
+    <dgm:scene3d>
+      <a:camera prst="orthographicFront"/>
+      <a:lightRig rig="threePt" dir="t"/>
+    </dgm:scene3d>
+    <dgm:sp3d/>
+    <dgm:txPr/>
+    <dgm:style>
+      <a:lnRef idx="2">
+        <a:scrgbClr r="0" g="0" b="0"/>
+      </a:lnRef>
+      <a:fillRef idx="1">
+        <a:scrgbClr r="0" g="0" b="0"/>
+      </a:fillRef>
+      <a:effectRef idx="0">
+        <a:scrgbClr r="0" g="0" b="0"/>
+      </a:effectRef>
+      <a:fontRef idx="minor">
+        <a:schemeClr val="lt1"/>
+      </a:fontRef>
+    </dgm:style>
+  </dgm:styleLbl>
+  <dgm:styleLbl name="asst2">
+    <dgm:scene3d>
+      <a:camera prst="orthographicFront"/>
+      <a:lightRig rig="threePt" dir="t"/>
+    </dgm:scene3d>
+    <dgm:sp3d/>
+    <dgm:txPr/>
+    <dgm:style>
+      <a:lnRef idx="2">
+        <a:scrgbClr r="0" g="0" b="0"/>
+      </a:lnRef>
+      <a:fillRef idx="1">
+        <a:scrgbClr r="0" g="0" b="0"/>
+      </a:fillRef>
+      <a:effectRef idx="0">
+        <a:scrgbClr r="0" g="0" b="0"/>
+      </a:effectRef>
+      <a:fontRef idx="minor">
+        <a:schemeClr val="lt1"/>
+      </a:fontRef>
+    </dgm:style>
+  </dgm:styleLbl>
+  <dgm:styleLbl name="asst3">
+    <dgm:scene3d>
+      <a:camera prst="orthographicFront"/>
+      <a:lightRig rig="threePt" dir="t"/>
+    </dgm:scene3d>
+    <dgm:sp3d/>
+    <dgm:txPr/>
+    <dgm:style>
+      <a:lnRef idx="2">
+        <a:scrgbClr r="0" g="0" b="0"/>
+      </a:lnRef>
+      <a:fillRef idx="1">
+        <a:scrgbClr r="0" g="0" b="0"/>
+      </a:fillRef>
+      <a:effectRef idx="0">
+        <a:scrgbClr r="0" g="0" b="0"/>
+      </a:effectRef>
+      <a:fontRef idx="minor">
+        <a:schemeClr val="lt1"/>
+      </a:fontRef>
+    </dgm:style>
+  </dgm:styleLbl>
+  <dgm:styleLbl name="asst4">
+    <dgm:scene3d>
+      <a:camera prst="orthographicFront"/>
+      <a:lightRig rig="threePt" dir="t"/>
+    </dgm:scene3d>
+    <dgm:sp3d/>
+    <dgm:txPr/>
+    <dgm:style>
+      <a:lnRef idx="2">
+        <a:scrgbClr r="0" g="0" b="0"/>
+      </a:lnRef>
+      <a:fillRef idx="1">
+        <a:scrgbClr r="0" g="0" b="0"/>
+      </a:fillRef>
+      <a:effectRef idx="0">
+        <a:scrgbClr r="0" g="0" b="0"/>
+      </a:effectRef>
+      <a:fontRef idx="minor">
+        <a:schemeClr val="lt1"/>
+      </a:fontRef>
+    </dgm:style>
+  </dgm:styleLbl>
+  <dgm:styleLbl name="parChTrans2D1">
+    <dgm:scene3d>
+      <a:camera prst="orthographicFront"/>
+      <a:lightRig rig="threePt" dir="t"/>
+    </dgm:scene3d>
+    <dgm:sp3d/>
+    <dgm:txPr/>
+    <dgm:style>
+      <a:lnRef idx="2">
+        <a:scrgbClr r="0" g="0" b="0"/>
+      </a:lnRef>
+      <a:fillRef idx="1">
+        <a:scrgbClr r="0" g="0" b="0"/>
+      </a:fillRef>
+      <a:effectRef idx="0">
+        <a:scrgbClr r="0" g="0" b="0"/>
+      </a:effectRef>
+      <a:fontRef idx="minor">
+        <a:schemeClr val="lt1"/>
+      </a:fontRef>
+    </dgm:style>
+  </dgm:styleLbl>
+  <dgm:styleLbl name="parChTrans2D2">
+    <dgm:scene3d>
+      <a:camera prst="orthographicFront"/>
+      <a:lightRig rig="threePt" dir="t"/>
+    </dgm:scene3d>
+    <dgm:sp3d/>
+    <dgm:txPr/>
+    <dgm:style>
+      <a:lnRef idx="2">
+        <a:scrgbClr r="0" g="0" b="0"/>
+      </a:lnRef>
+      <a:fillRef idx="1">
+        <a:scrgbClr r="0" g="0" b="0"/>
+      </a:fillRef>
+      <a:effectRef idx="0">
+        <a:scrgbClr r="0" g="0" b="0"/>
+      </a:effectRef>
+      <a:fontRef idx="minor">
+        <a:schemeClr val="lt1"/>
+      </a:fontRef>
+    </dgm:style>
+  </dgm:styleLbl>
+  <dgm:styleLbl name="parChTrans2D3">
+    <dgm:scene3d>
+      <a:camera prst="orthographicFront"/>
+      <a:lightRig rig="threePt" dir="t"/>
+    </dgm:scene3d>
+    <dgm:sp3d/>
+    <dgm:txPr/>
+    <dgm:style>
+      <a:lnRef idx="2">
+        <a:scrgbClr r="0" g="0" b="0"/>
+      </a:lnRef>
+      <a:fillRef idx="1">
+        <a:scrgbClr r="0" g="0" b="0"/>
+      </a:fillRef>
+      <a:effectRef idx="0">
+        <a:scrgbClr r="0" g="0" b="0"/>
+      </a:effectRef>
+      <a:fontRef idx="minor">
+        <a:schemeClr val="lt1"/>
+      </a:fontRef>
+    </dgm:style>
+  </dgm:styleLbl>
+  <dgm:styleLbl name="parChTrans2D4">
+    <dgm:scene3d>
+      <a:camera prst="orthographicFront"/>
+      <a:lightRig rig="threePt" dir="t"/>
+    </dgm:scene3d>
+    <dgm:sp3d/>
+    <dgm:txPr/>
+    <dgm:style>
+      <a:lnRef idx="2">
+        <a:scrgbClr r="0" g="0" b="0"/>
+      </a:lnRef>
+      <a:fillRef idx="1">
+        <a:scrgbClr r="0" g="0" b="0"/>
+      </a:fillRef>
+      <a:effectRef idx="0">
+        <a:scrgbClr r="0" g="0" b="0"/>
+      </a:effectRef>
+      <a:fontRef idx="minor">
+        <a:schemeClr val="lt1"/>
+      </a:fontRef>
+    </dgm:style>
+  </dgm:styleLbl>
+  <dgm:styleLbl name="parChTrans1D1">
+    <dgm:scene3d>
+      <a:camera prst="orthographicFront"/>
+      <a:lightRig rig="threePt" dir="t"/>
+    </dgm:scene3d>
+    <dgm:sp3d/>
+    <dgm:txPr/>
+    <dgm:style>
+      <a:lnRef idx="2">
+        <a:scrgbClr r="0" g="0" b="0"/>
+      </a:lnRef>
+      <a:fillRef idx="0">
+        <a:scrgbClr r="0" g="0" b="0"/>
+      </a:fillRef>
+      <a:effectRef idx="0">
+        <a:scrgbClr r="0" g="0" b="0"/>
+      </a:effectRef>
+      <a:fontRef idx="minor"/>
+    </dgm:style>
+  </dgm:styleLbl>
+  <dgm:styleLbl name="parChTrans1D2">
+    <dgm:scene3d>
+      <a:camera prst="orthographicFront"/>
+      <a:lightRig rig="threePt" dir="t"/>
+    </dgm:scene3d>
+    <dgm:sp3d/>
+    <dgm:txPr/>
+    <dgm:style>
+      <a:lnRef idx="2">
+        <a:scrgbClr r="0" g="0" b="0"/>
+      </a:lnRef>
+      <a:fillRef idx="0">
+        <a:scrgbClr r="0" g="0" b="0"/>
+      </a:fillRef>
+      <a:effectRef idx="0">
+        <a:scrgbClr r="0" g="0" b="0"/>
+      </a:effectRef>
+      <a:fontRef idx="minor"/>
+    </dgm:style>
+  </dgm:styleLbl>
+  <dgm:styleLbl name="parChTrans1D3">
+    <dgm:scene3d>
+      <a:camera prst="orthographicFront"/>
+      <a:lightRig rig="threePt" dir="t"/>
+    </dgm:scene3d>
+    <dgm:sp3d/>
+    <dgm:txPr/>
+    <dgm:style>
+      <a:lnRef idx="2">
+        <a:scrgbClr r="0" g="0" b="0"/>
+      </a:lnRef>
+      <a:fillRef idx="0">
+        <a:scrgbClr r="0" g="0" b="0"/>
+      </a:fillRef>
+      <a:effectRef idx="0">
+        <a:scrgbClr r="0" g="0" b="0"/>
+      </a:effectRef>
+      <a:fontRef idx="minor"/>
+    </dgm:style>
+  </dgm:styleLbl>
+  <dgm:styleLbl name="parChTrans1D4">
+    <dgm:scene3d>
+      <a:camera prst="orthographicFront"/>
+      <a:lightRig rig="threePt" dir="t"/>
+    </dgm:scene3d>
+    <dgm:sp3d/>
+    <dgm:txPr/>
+    <dgm:style>
+      <a:lnRef idx="2">
+        <a:scrgbClr r="0" g="0" b="0"/>
+      </a:lnRef>
+      <a:fillRef idx="0">
+        <a:scrgbClr r="0" g="0" b="0"/>
+      </a:fillRef>
+      <a:effectRef idx="0">
+        <a:scrgbClr r="0" g="0" b="0"/>
+      </a:effectRef>
+      <a:fontRef idx="minor"/>
+    </dgm:style>
+  </dgm:styleLbl>
+  <dgm:styleLbl name="fgAcc1">
+    <dgm:scene3d>
+      <a:camera prst="orthographicFront"/>
+      <a:lightRig rig="threePt" dir="t"/>
+    </dgm:scene3d>
+    <dgm:sp3d/>
+    <dgm:txPr/>
+    <dgm:style>
+      <a:lnRef idx="2">
+        <a:scrgbClr r="0" g="0" b="0"/>
+      </a:lnRef>
+      <a:fillRef idx="1">
+        <a:scrgbClr r="0" g="0" b="0"/>
+      </a:fillRef>
+      <a:effectRef idx="0">
+        <a:scrgbClr r="0" g="0" b="0"/>
+      </a:effectRef>
+      <a:fontRef idx="minor"/>
+    </dgm:style>
+  </dgm:styleLbl>
+  <dgm:styleLbl name="conFgAcc1">
+    <dgm:scene3d>
+      <a:camera prst="orthographicFront"/>
+      <a:lightRig rig="threePt" dir="t"/>
+    </dgm:scene3d>
+    <dgm:sp3d/>
+    <dgm:txPr/>
+    <dgm:style>
+      <a:lnRef idx="2">
+        <a:scrgbClr r="0" g="0" b="0"/>
+      </a:lnRef>
+      <a:fillRef idx="1">
+        <a:scrgbClr r="0" g="0" b="0"/>
+      </a:fillRef>
+      <a:effectRef idx="0">
+        <a:scrgbClr r="0" g="0" b="0"/>
+      </a:effectRef>
+      <a:fontRef idx="minor"/>
+    </dgm:style>
+  </dgm:styleLbl>
+  <dgm:styleLbl name="alignAcc1">
+    <dgm:scene3d>
+      <a:camera prst="orthographicFront"/>
+      <a:lightRig rig="threePt" dir="t"/>
+    </dgm:scene3d>
+    <dgm:sp3d/>
+    <dgm:txPr/>
+    <dgm:style>
+      <a:lnRef idx="2">
+        <a:scrgbClr r="0" g="0" b="0"/>
+      </a:lnRef>
+      <a:fillRef idx="1">
+        <a:scrgbClr r="0" g="0" b="0"/>
+      </a:fillRef>
+      <a:effectRef idx="0">
+        <a:scrgbClr r="0" g="0" b="0"/>
+      </a:effectRef>
+      <a:fontRef idx="minor"/>
+    </dgm:style>
+  </dgm:styleLbl>
+  <dgm:styleLbl name="trAlignAcc1">
+    <dgm:scene3d>
+      <a:camera prst="orthographicFront"/>
+      <a:lightRig rig="threePt" dir="t"/>
+    </dgm:scene3d>
+    <dgm:sp3d/>
+    <dgm:txPr/>
+    <dgm:style>
+      <a:lnRef idx="1">
+        <a:scrgbClr r="0" g="0" b="0"/>
+      </a:lnRef>
+      <a:fillRef idx="1">
+        <a:scrgbClr r="0" g="0" b="0"/>
+      </a:fillRef>
+      <a:effectRef idx="0">
+        <a:scrgbClr r="0" g="0" b="0"/>
+      </a:effectRef>
+      <a:fontRef idx="minor"/>
+    </dgm:style>
+  </dgm:styleLbl>
+  <dgm:styleLbl name="bgAcc1">
+    <dgm:scene3d>
+      <a:camera prst="orthographicFront"/>
+      <a:lightRig rig="threePt" dir="t"/>
+    </dgm:scene3d>
+    <dgm:sp3d/>
+    <dgm:txPr/>
+    <dgm:style>
+      <a:lnRef idx="2">
+        <a:scrgbClr r="0" g="0" b="0"/>
+      </a:lnRef>
+      <a:fillRef idx="1">
+        <a:scrgbClr r="0" g="0" b="0"/>
+      </a:fillRef>
+      <a:effectRef idx="0">
+        <a:scrgbClr r="0" g="0" b="0"/>
+      </a:effectRef>
+      <a:fontRef idx="minor"/>
+    </dgm:style>
+  </dgm:styleLbl>
+  <dgm:styleLbl name="solidFgAcc1">
+    <dgm:scene3d>
+      <a:camera prst="orthographicFront"/>
+      <a:lightRig rig="threePt" dir="t"/>
+    </dgm:scene3d>
+    <dgm:sp3d/>
+    <dgm:txPr/>
+    <dgm:style>
+      <a:lnRef idx="2">
+        <a:scrgbClr r="0" g="0" b="0"/>
+      </a:lnRef>
+      <a:fillRef idx="1">
+        <a:scrgbClr r="0" g="0" b="0"/>
+      </a:fillRef>
+      <a:effectRef idx="0">
+        <a:scrgbClr r="0" g="0" b="0"/>
+      </a:effectRef>
+      <a:fontRef idx="minor"/>
+    </dgm:style>
+  </dgm:styleLbl>
+  <dgm:styleLbl name="solidAlignAcc1">
+    <dgm:scene3d>
+      <a:camera prst="orthographicFront"/>
+      <a:lightRig rig="threePt" dir="t"/>
+    </dgm:scene3d>
+    <dgm:sp3d/>
+    <dgm:txPr/>
+    <dgm:style>
+      <a:lnRef idx="2">
+        <a:scrgbClr r="0" g="0" b="0"/>
+      </a:lnRef>
+      <a:fillRef idx="1">
+        <a:scrgbClr r="0" g="0" b="0"/>
+      </a:fillRef>
+      <a:effectRef idx="0">
+        <a:scrgbClr r="0" g="0" b="0"/>
+      </a:effectRef>
+      <a:fontRef idx="minor"/>
+    </dgm:style>
+  </dgm:styleLbl>
+  <dgm:styleLbl name="solidBgAcc1">
+    <dgm:scene3d>
+      <a:camera prst="orthographicFront"/>
+      <a:lightRig rig="threePt" dir="t"/>
+    </dgm:scene3d>
+    <dgm:sp3d/>
+    <dgm:txPr/>
+    <dgm:style>
+      <a:lnRef idx="2">
+        <a:scrgbClr r="0" g="0" b="0"/>
+      </a:lnRef>
+      <a:fillRef idx="1">
+        <a:scrgbClr r="0" g="0" b="0"/>
+      </a:fillRef>
+      <a:effectRef idx="0">
+        <a:scrgbClr r="0" g="0" b="0"/>
+      </a:effectRef>
+      <a:fontRef idx="minor"/>
+    </dgm:style>
+  </dgm:styleLbl>
+  <dgm:styleLbl name="fgAccFollowNode1">
+    <dgm:scene3d>
+      <a:camera prst="orthographicFront"/>
+      <a:lightRig rig="threePt" dir="t"/>
+    </dgm:scene3d>
+    <dgm:sp3d/>
+    <dgm:txPr/>
+    <dgm:style>
+      <a:lnRef idx="2">
+        <a:scrgbClr r="0" g="0" b="0"/>
+      </a:lnRef>
+      <a:fillRef idx="1">
+        <a:scrgbClr r="0" g="0" b="0"/>
+      </a:fillRef>
+      <a:effectRef idx="0">
+        <a:scrgbClr r="0" g="0" b="0"/>
+      </a:effectRef>
+      <a:fontRef idx="minor"/>
+    </dgm:style>
+  </dgm:styleLbl>
+  <dgm:styleLbl name="alignAccFollowNode1">
+    <dgm:scene3d>
+      <a:camera prst="orthographicFront"/>
+      <a:lightRig rig="threePt" dir="t"/>
+    </dgm:scene3d>
+    <dgm:sp3d/>
+    <dgm:txPr/>
+    <dgm:style>
+      <a:lnRef idx="2">
+        <a:scrgbClr r="0" g="0" b="0"/>
+      </a:lnRef>
+      <a:fillRef idx="1">
+        <a:scrgbClr r="0" g="0" b="0"/>
+      </a:fillRef>
+      <a:effectRef idx="0">
+        <a:scrgbClr r="0" g="0" b="0"/>
+      </a:effectRef>
+      <a:fontRef idx="minor"/>
+    </dgm:style>
+  </dgm:styleLbl>
+  <dgm:styleLbl name="bgAccFollowNode1">
+    <dgm:scene3d>
+      <a:camera prst="orthographicFront"/>
+      <a:lightRig rig="threePt" dir="t"/>
+    </dgm:scene3d>
+    <dgm:sp3d/>
+    <dgm:txPr/>
+    <dgm:style>
+      <a:lnRef idx="2">
+        <a:scrgbClr r="0" g="0" b="0"/>
+      </a:lnRef>
+      <a:fillRef idx="1">
+        <a:scrgbClr r="0" g="0" b="0"/>
+      </a:fillRef>
+      <a:effectRef idx="0">
+        <a:scrgbClr r="0" g="0" b="0"/>
+      </a:effectRef>
+      <a:fontRef idx="minor"/>
+    </dgm:style>
+  </dgm:styleLbl>
+  <dgm:styleLbl name="fgAcc0">
+    <dgm:scene3d>
+      <a:camera prst="orthographicFront"/>
+      <a:lightRig rig="threePt" dir="t"/>
+    </dgm:scene3d>
+    <dgm:sp3d/>
+    <dgm:txPr/>
+    <dgm:style>
+      <a:lnRef idx="2">
+        <a:scrgbClr r="0" g="0" b="0"/>
+      </a:lnRef>
+      <a:fillRef idx="1">
+        <a:scrgbClr r="0" g="0" b="0"/>
+      </a:fillRef>
+      <a:effectRef idx="0">
+        <a:scrgbClr r="0" g="0" b="0"/>
+      </a:effectRef>
+      <a:fontRef idx="minor"/>
+    </dgm:style>
+  </dgm:styleLbl>
+  <dgm:styleLbl name="fgAcc2">
+    <dgm:scene3d>
+      <a:camera prst="orthographicFront"/>
+      <a:lightRig rig="threePt" dir="t"/>
+    </dgm:scene3d>
+    <dgm:sp3d/>
+    <dgm:txPr/>
+    <dgm:style>
+      <a:lnRef idx="2">
+        <a:scrgbClr r="0" g="0" b="0"/>
+      </a:lnRef>
+      <a:fillRef idx="1">
+        <a:scrgbClr r="0" g="0" b="0"/>
+      </a:fillRef>
+      <a:effectRef idx="0">
+        <a:scrgbClr r="0" g="0" b="0"/>
+      </a:effectRef>
+      <a:fontRef idx="minor"/>
+    </dgm:style>
+  </dgm:styleLbl>
+  <dgm:styleLbl name="fgAcc3">
+    <dgm:scene3d>
+      <a:camera prst="orthographicFront"/>
+      <a:lightRig rig="threePt" dir="t"/>
+    </dgm:scene3d>
+    <dgm:sp3d/>
+    <dgm:txPr/>
+    <dgm:style>
+      <a:lnRef idx="2">
+        <a:scrgbClr r="0" g="0" b="0"/>
+      </a:lnRef>
+      <a:fillRef idx="1">
+        <a:scrgbClr r="0" g="0" b="0"/>
+      </a:fillRef>
+      <a:effectRef idx="0">
+        <a:scrgbClr r="0" g="0" b="0"/>
+      </a:effectRef>
+      <a:fontRef idx="minor"/>
+    </dgm:style>
+  </dgm:styleLbl>
+  <dgm:styleLbl name="fgAcc4">
+    <dgm:scene3d>
+      <a:camera prst="orthographicFront"/>
+      <a:lightRig rig="threePt" dir="t"/>
+    </dgm:scene3d>
+    <dgm:sp3d/>
+    <dgm:txPr/>
+    <dgm:style>
+      <a:lnRef idx="2">
+        <a:scrgbClr r="0" g="0" b="0"/>
+      </a:lnRef>
+      <a:fillRef idx="1">
+        <a:scrgbClr r="0" g="0" b="0"/>
+      </a:fillRef>
+      <a:effectRef idx="0">
+        <a:scrgbClr r="0" g="0" b="0"/>
+      </a:effectRef>
+      <a:fontRef idx="minor"/>
+    </dgm:style>
+  </dgm:styleLbl>
+  <dgm:styleLbl name="bgShp">
+    <dgm:scene3d>
+      <a:camera prst="orthographicFront"/>
+      <a:lightRig rig="threePt" dir="t"/>
+    </dgm:scene3d>
+    <dgm:sp3d/>
+    <dgm:txPr/>
+    <dgm:style>
+      <a:lnRef idx="0">
+        <a:scrgbClr r="0" g="0" b="0"/>
+      </a:lnRef>
+      <a:fillRef idx="1">
+        <a:scrgbClr r="0" g="0" b="0"/>
+      </a:fillRef>
+      <a:effectRef idx="0">
+        <a:scrgbClr r="0" g="0" b="0"/>
+      </a:effectRef>
+      <a:fontRef idx="minor"/>
+    </dgm:style>
+  </dgm:styleLbl>
+  <dgm:styleLbl name="dkBgShp">
+    <dgm:scene3d>
+      <a:camera prst="orthographicFront"/>
+      <a:lightRig rig="threePt" dir="t"/>
+    </dgm:scene3d>
+    <dgm:sp3d/>
+    <dgm:txPr/>
+    <dgm:style>
+      <a:lnRef idx="0">
+        <a:scrgbClr r="0" g="0" b="0"/>
+      </a:lnRef>
+      <a:fillRef idx="1">
+        <a:scrgbClr r="0" g="0" b="0"/>
+      </a:fillRef>
+      <a:effectRef idx="0">
+        <a:scrgbClr r="0" g="0" b="0"/>
+      </a:effectRef>
+      <a:fontRef idx="minor"/>
+    </dgm:style>
+  </dgm:styleLbl>
+  <dgm:styleLbl name="trBgShp">
+    <dgm:scene3d>
+      <a:camera prst="orthographicFront"/>
+      <a:lightRig rig="threePt" dir="t"/>
+    </dgm:scene3d>
+    <dgm:sp3d/>
+    <dgm:txPr/>
+    <dgm:style>
+      <a:lnRef idx="0">
+        <a:scrgbClr r="0" g="0" b="0"/>
+      </a:lnRef>
+      <a:fillRef idx="1">
+        <a:scrgbClr r="0" g="0" b="0"/>
+      </a:fillRef>
+      <a:effectRef idx="0">
+        <a:scrgbClr r="0" g="0" b="0"/>
+      </a:effectRef>
+      <a:fontRef idx="minor"/>
+    </dgm:style>
+  </dgm:styleLbl>
+  <dgm:styleLbl name="fgShp">
+    <dgm:scene3d>
+      <a:camera prst="orthographicFront"/>
+      <a:lightRig rig="threePt" dir="t"/>
+    </dgm:scene3d>
+    <dgm:sp3d/>
+    <dgm:txPr/>
+    <dgm:style>
+      <a:lnRef idx="2">
+        <a:scrgbClr r="0" g="0" b="0"/>
+      </a:lnRef>
+      <a:fillRef idx="1">
+        <a:scrgbClr r="0" g="0" b="0"/>
+      </a:fillRef>
+      <a:effectRef idx="0">
+        <a:scrgbClr r="0" g="0" b="0"/>
+      </a:effectRef>
+      <a:fontRef idx="minor"/>
+    </dgm:style>
+  </dgm:styleLbl>
+  <dgm:styleLbl name="revTx">
+    <dgm:scene3d>
+      <a:camera prst="orthographicFront"/>
+      <a:lightRig rig="threePt" dir="t"/>
+    </dgm:scene3d>
+    <dgm:sp3d/>
+    <dgm:txPr/>
+    <dgm:style>
+      <a:lnRef idx="0">
+        <a:scrgbClr r="0" g="0" b="0"/>
+      </a:lnRef>
+      <a:fillRef idx="0">
+        <a:scrgbClr r="0" g="0" b="0"/>
+      </a:fillRef>
+      <a:effectRef idx="0">
+        <a:scrgbClr r="0" g="0" b="0"/>
+      </a:effectRef>
+      <a:fontRef idx="minor"/>
+    </dgm:style>
+  </dgm:styleLbl>
+</dgm:styleDef>
+</file>
+
+<file path=ppt/diagrams/quickStyle3.xml><?xml version="1.0" encoding="utf-8"?>
 <dgm:styleDef xmlns:dgm="http://schemas.openxmlformats.org/drawingml/2006/diagram" xmlns:a="http://schemas.openxmlformats.org/drawingml/2006/main" uniqueId="urn:microsoft.com/office/officeart/2005/8/quickstyle/simple1">
   <dgm:title val=""/>
   <dgm:desc val=""/>
@@ -8934,6 +11727,14 @@
 <file path=ppt/slides/slide1.xml><?xml version="1.0" encoding="utf-8"?>
 <p:sld xmlns:a="http://schemas.openxmlformats.org/drawingml/2006/main" xmlns:r="http://schemas.openxmlformats.org/officeDocument/2006/relationships" xmlns:p="http://schemas.openxmlformats.org/presentationml/2006/main">
   <p:cSld>
+    <p:bg>
+      <p:bgPr>
+        <a:solidFill>
+          <a:schemeClr val="bg1"/>
+        </a:solidFill>
+        <a:effectLst/>
+      </p:bgPr>
+    </p:bg>
     <p:spTree>
       <p:nvGrpSpPr>
         <p:cNvPr id="1" name=""/>
@@ -8950,6 +11751,137 @@
       </p:grpSpPr>
       <p:sp>
         <p:nvSpPr>
+          <p:cNvPr id="10" name="Rectangle 9">
+            <a:extLst>
+              <a:ext uri="{FF2B5EF4-FFF2-40B4-BE49-F238E27FC236}">
+                <a16:creationId xmlns:a16="http://schemas.microsoft.com/office/drawing/2014/main" id="{35555856-9970-4BC3-9AA9-6A917F53AFBD}"/>
+              </a:ext>
+              <a:ext uri="{C183D7F6-B498-43B3-948B-1728B52AA6E4}">
+                <adec:decorative xmlns:adec="http://schemas.microsoft.com/office/drawing/2017/decorative" val="1"/>
+              </a:ext>
+            </a:extLst>
+          </p:cNvPr>
+          <p:cNvSpPr>
+            <a:spLocks noGrp="1" noRot="1" noChangeAspect="1" noMove="1" noResize="1" noEditPoints="1" noAdjustHandles="1" noChangeArrowheads="1" noChangeShapeType="1" noTextEdit="1"/>
+          </p:cNvSpPr>
+          <p:nvPr>
+            <p:extLst>
+              <p:ext uri="{386F3935-93C4-4BCD-93E2-E3B085C9AB24}">
+                <p16:designElem xmlns:p16="http://schemas.microsoft.com/office/powerpoint/2015/main" val="1"/>
+              </p:ext>
+            </p:extLst>
+          </p:nvPr>
+        </p:nvSpPr>
+        <p:spPr>
+          <a:xfrm flipH="1">
+            <a:off x="0" y="0"/>
+            <a:ext cx="6421721" cy="6858000"/>
+          </a:xfrm>
+          <a:prstGeom prst="rect">
+            <a:avLst/>
+          </a:prstGeom>
+          <a:gradFill>
+            <a:gsLst>
+              <a:gs pos="0">
+                <a:schemeClr val="accent1">
+                  <a:lumMod val="100000"/>
+                  <a:alpha val="82000"/>
+                </a:schemeClr>
+              </a:gs>
+              <a:gs pos="25000">
+                <a:schemeClr val="accent1">
+                  <a:alpha val="60000"/>
+                </a:schemeClr>
+              </a:gs>
+              <a:gs pos="94000">
+                <a:schemeClr val="bg2">
+                  <a:lumMod val="75000"/>
+                </a:schemeClr>
+              </a:gs>
+              <a:gs pos="100000">
+                <a:schemeClr val="bg2">
+                  <a:lumMod val="75000"/>
+                </a:schemeClr>
+              </a:gs>
+            </a:gsLst>
+            <a:lin ang="4200000" scaled="0"/>
+          </a:gradFill>
+          <a:ln>
+            <a:noFill/>
+          </a:ln>
+        </p:spPr>
+        <p:style>
+          <a:lnRef idx="2">
+            <a:schemeClr val="accent1">
+              <a:shade val="50000"/>
+            </a:schemeClr>
+          </a:lnRef>
+          <a:fillRef idx="1">
+            <a:schemeClr val="accent1"/>
+          </a:fillRef>
+          <a:effectRef idx="0">
+            <a:schemeClr val="accent1"/>
+          </a:effectRef>
+          <a:fontRef idx="minor">
+            <a:schemeClr val="lt1"/>
+          </a:fontRef>
+        </p:style>
+        <p:txBody>
+          <a:bodyPr rtlCol="0" anchor="ctr"/>
+          <a:lstStyle/>
+          <a:p>
+            <a:pPr algn="ctr"/>
+            <a:endParaRPr lang="en-US"/>
+          </a:p>
+        </p:txBody>
+      </p:sp>
+      <p:pic>
+        <p:nvPicPr>
+          <p:cNvPr id="12" name="Picture 11">
+            <a:extLst>
+              <a:ext uri="{FF2B5EF4-FFF2-40B4-BE49-F238E27FC236}">
+                <a16:creationId xmlns:a16="http://schemas.microsoft.com/office/drawing/2014/main" id="{7F487851-BFAF-46D8-A1ED-50CAD6E46F59}"/>
+              </a:ext>
+              <a:ext uri="{C183D7F6-B498-43B3-948B-1728B52AA6E4}">
+                <adec:decorative xmlns:adec="http://schemas.microsoft.com/office/drawing/2017/decorative" val="1"/>
+              </a:ext>
+            </a:extLst>
+          </p:cNvPr>
+          <p:cNvPicPr>
+            <a:picLocks noGrp="1" noRot="1" noChangeAspect="1" noMove="1" noResize="1" noEditPoints="1" noAdjustHandles="1" noChangeArrowheads="1" noChangeShapeType="1" noCrop="1"/>
+          </p:cNvPicPr>
+          <p:nvPr>
+            <p:extLst>
+              <p:ext uri="{386F3935-93C4-4BCD-93E2-E3B085C9AB24}">
+                <p16:designElem xmlns:p16="http://schemas.microsoft.com/office/powerpoint/2015/main" val="1"/>
+              </p:ext>
+            </p:extLst>
+          </p:nvPr>
+        </p:nvPicPr>
+        <p:blipFill>
+          <a:blip r:embed="rId2">
+            <a:extLst>
+              <a:ext uri="{28A0092B-C50C-407E-A947-70E740481C1C}">
+                <a14:useLocalDpi xmlns:a14="http://schemas.microsoft.com/office/drawing/2010/main" val="0"/>
+              </a:ext>
+            </a:extLst>
+          </a:blip>
+          <a:stretch>
+            <a:fillRect/>
+          </a:stretch>
+        </p:blipFill>
+        <p:spPr>
+          <a:xfrm>
+            <a:off x="0" y="0"/>
+            <a:ext cx="12192000" cy="6858000"/>
+          </a:xfrm>
+          <a:prstGeom prst="rect">
+            <a:avLst/>
+          </a:prstGeom>
+        </p:spPr>
+      </p:pic>
+      <p:sp>
+        <p:nvSpPr>
           <p:cNvPr id="2" name="Title 1">
             <a:extLst>
               <a:ext uri="{FF2B5EF4-FFF2-40B4-BE49-F238E27FC236}">
@@ -8964,13 +11896,25 @@
             <p:ph type="ctrTitle"/>
           </p:nvPr>
         </p:nvSpPr>
-        <p:spPr/>
+        <p:spPr>
+          <a:xfrm>
+            <a:off x="6590662" y="4267832"/>
+            <a:ext cx="4805996" cy="1297115"/>
+          </a:xfrm>
+        </p:spPr>
         <p:txBody>
-          <a:bodyPr/>
+          <a:bodyPr anchor="t">
+            <a:normAutofit/>
+          </a:bodyPr>
           <a:lstStyle/>
           <a:p>
+            <a:pPr algn="l"/>
             <a:r>
-              <a:rPr lang="en-US" dirty="0"/>
+              <a:rPr lang="en-US" sz="4100">
+                <a:solidFill>
+                  <a:srgbClr val="000000"/>
+                </a:solidFill>
+              </a:rPr>
               <a:t>Python Workshop: Intermediate</a:t>
             </a:r>
           </a:p>
@@ -8992,18 +11936,288 @@
             <p:ph type="subTitle" idx="1"/>
           </p:nvPr>
         </p:nvSpPr>
-        <p:spPr/>
+        <p:spPr>
+          <a:xfrm>
+            <a:off x="6590966" y="3428999"/>
+            <a:ext cx="4805691" cy="838831"/>
+          </a:xfrm>
+        </p:spPr>
         <p:txBody>
-          <a:bodyPr/>
+          <a:bodyPr anchor="b">
+            <a:normAutofit/>
+          </a:bodyPr>
           <a:lstStyle/>
           <a:p>
+            <a:pPr algn="l"/>
             <a:r>
-              <a:rPr lang="en-US" dirty="0"/>
+              <a:rPr lang="en-US" sz="1800">
+                <a:solidFill>
+                  <a:srgbClr val="000000"/>
+                </a:solidFill>
+              </a:rPr>
               <a:t>Spring 2020</a:t>
             </a:r>
           </a:p>
         </p:txBody>
       </p:sp>
+      <p:sp>
+        <p:nvSpPr>
+          <p:cNvPr id="14" name="Freeform 50">
+            <a:extLst>
+              <a:ext uri="{FF2B5EF4-FFF2-40B4-BE49-F238E27FC236}">
+                <a16:creationId xmlns:a16="http://schemas.microsoft.com/office/drawing/2014/main" id="{13722DD7-BA73-4776-93A3-94491FEF7260}"/>
+              </a:ext>
+              <a:ext uri="{C183D7F6-B498-43B3-948B-1728B52AA6E4}">
+                <adec:decorative xmlns:adec="http://schemas.microsoft.com/office/drawing/2017/decorative" val="1"/>
+              </a:ext>
+            </a:extLst>
+          </p:cNvPr>
+          <p:cNvSpPr>
+            <a:spLocks noGrp="1" noRot="1" noChangeAspect="1" noMove="1" noResize="1" noEditPoints="1" noAdjustHandles="1" noChangeArrowheads="1" noChangeShapeType="1" noTextEdit="1"/>
+          </p:cNvSpPr>
+          <p:nvPr>
+            <p:extLst>
+              <p:ext uri="{386F3935-93C4-4BCD-93E2-E3B085C9AB24}">
+                <p16:designElem xmlns:p16="http://schemas.microsoft.com/office/powerpoint/2015/main" val="1"/>
+              </p:ext>
+            </p:extLst>
+          </p:nvPr>
+        </p:nvSpPr>
+        <p:spPr>
+          <a:xfrm flipH="1">
+            <a:off x="0" y="581159"/>
+            <a:ext cx="5464879" cy="6276841"/>
+          </a:xfrm>
+          <a:custGeom>
+            <a:avLst/>
+            <a:gdLst>
+              <a:gd name="connsiteX0" fmla="*/ 3299930 w 5464879"/>
+              <a:gd name="connsiteY0" fmla="*/ 0 h 6276841"/>
+              <a:gd name="connsiteX1" fmla="*/ 5398992 w 5464879"/>
+              <a:gd name="connsiteY1" fmla="*/ 753544 h 6276841"/>
+              <a:gd name="connsiteX2" fmla="*/ 5464879 w 5464879"/>
+              <a:gd name="connsiteY2" fmla="*/ 813426 h 6276841"/>
+              <a:gd name="connsiteX3" fmla="*/ 5464879 w 5464879"/>
+              <a:gd name="connsiteY3" fmla="*/ 5786434 h 6276841"/>
+              <a:gd name="connsiteX4" fmla="*/ 5398992 w 5464879"/>
+              <a:gd name="connsiteY4" fmla="*/ 5846317 h 6276841"/>
+              <a:gd name="connsiteX5" fmla="*/ 4872873 w 5464879"/>
+              <a:gd name="connsiteY5" fmla="*/ 6201577 h 6276841"/>
+              <a:gd name="connsiteX6" fmla="*/ 4716632 w 5464879"/>
+              <a:gd name="connsiteY6" fmla="*/ 6276841 h 6276841"/>
+              <a:gd name="connsiteX7" fmla="*/ 1883227 w 5464879"/>
+              <a:gd name="connsiteY7" fmla="*/ 6276841 h 6276841"/>
+              <a:gd name="connsiteX8" fmla="*/ 1726987 w 5464879"/>
+              <a:gd name="connsiteY8" fmla="*/ 6201577 h 6276841"/>
+              <a:gd name="connsiteX9" fmla="*/ 0 w 5464879"/>
+              <a:gd name="connsiteY9" fmla="*/ 3299930 h 6276841"/>
+              <a:gd name="connsiteX10" fmla="*/ 3299930 w 5464879"/>
+              <a:gd name="connsiteY10" fmla="*/ 0 h 6276841"/>
+            </a:gdLst>
+            <a:ahLst/>
+            <a:cxnLst>
+              <a:cxn ang="0">
+                <a:pos x="connsiteX0" y="connsiteY0"/>
+              </a:cxn>
+              <a:cxn ang="0">
+                <a:pos x="connsiteX1" y="connsiteY1"/>
+              </a:cxn>
+              <a:cxn ang="0">
+                <a:pos x="connsiteX2" y="connsiteY2"/>
+              </a:cxn>
+              <a:cxn ang="0">
+                <a:pos x="connsiteX3" y="connsiteY3"/>
+              </a:cxn>
+              <a:cxn ang="0">
+                <a:pos x="connsiteX4" y="connsiteY4"/>
+              </a:cxn>
+              <a:cxn ang="0">
+                <a:pos x="connsiteX5" y="connsiteY5"/>
+              </a:cxn>
+              <a:cxn ang="0">
+                <a:pos x="connsiteX6" y="connsiteY6"/>
+              </a:cxn>
+              <a:cxn ang="0">
+                <a:pos x="connsiteX7" y="connsiteY7"/>
+              </a:cxn>
+              <a:cxn ang="0">
+                <a:pos x="connsiteX8" y="connsiteY8"/>
+              </a:cxn>
+              <a:cxn ang="0">
+                <a:pos x="connsiteX9" y="connsiteY9"/>
+              </a:cxn>
+              <a:cxn ang="0">
+                <a:pos x="connsiteX10" y="connsiteY10"/>
+              </a:cxn>
+            </a:cxnLst>
+            <a:rect l="l" t="t" r="r" b="b"/>
+            <a:pathLst>
+              <a:path w="5464879" h="6276841">
+                <a:moveTo>
+                  <a:pt x="3299930" y="0"/>
+                </a:moveTo>
+                <a:cubicBezTo>
+                  <a:pt x="4097274" y="0"/>
+                  <a:pt x="4828569" y="282789"/>
+                  <a:pt x="5398992" y="753544"/>
+                </a:cubicBezTo>
+                <a:lnTo>
+                  <a:pt x="5464879" y="813426"/>
+                </a:lnTo>
+                <a:lnTo>
+                  <a:pt x="5464879" y="5786434"/>
+                </a:lnTo>
+                <a:lnTo>
+                  <a:pt x="5398992" y="5846317"/>
+                </a:lnTo>
+                <a:cubicBezTo>
+                  <a:pt x="5236014" y="5980818"/>
+                  <a:pt x="5059904" y="6099975"/>
+                  <a:pt x="4872873" y="6201577"/>
+                </a:cubicBezTo>
+                <a:lnTo>
+                  <a:pt x="4716632" y="6276841"/>
+                </a:lnTo>
+                <a:lnTo>
+                  <a:pt x="1883227" y="6276841"/>
+                </a:lnTo>
+                <a:lnTo>
+                  <a:pt x="1726987" y="6201577"/>
+                </a:lnTo>
+                <a:cubicBezTo>
+                  <a:pt x="698316" y="5642769"/>
+                  <a:pt x="0" y="4552900"/>
+                  <a:pt x="0" y="3299930"/>
+                </a:cubicBezTo>
+                <a:cubicBezTo>
+                  <a:pt x="0" y="1477429"/>
+                  <a:pt x="1477429" y="0"/>
+                  <a:pt x="3299930" y="0"/>
+                </a:cubicBezTo>
+                <a:close/>
+              </a:path>
+            </a:pathLst>
+          </a:custGeom>
+          <a:solidFill>
+            <a:srgbClr val="FFFFFF"/>
+          </a:solidFill>
+          <a:ln>
+            <a:gradFill>
+              <a:gsLst>
+                <a:gs pos="0">
+                  <a:schemeClr val="accent1">
+                    <a:lumMod val="40000"/>
+                    <a:lumOff val="60000"/>
+                  </a:schemeClr>
+                </a:gs>
+                <a:gs pos="23000">
+                  <a:schemeClr val="accent1">
+                    <a:lumMod val="45000"/>
+                    <a:lumOff val="55000"/>
+                  </a:schemeClr>
+                </a:gs>
+                <a:gs pos="83000">
+                  <a:schemeClr val="bg2">
+                    <a:lumMod val="75000"/>
+                  </a:schemeClr>
+                </a:gs>
+                <a:gs pos="100000">
+                  <a:schemeClr val="bg2">
+                    <a:lumMod val="75000"/>
+                  </a:schemeClr>
+                </a:gs>
+              </a:gsLst>
+              <a:lin ang="5400000" scaled="1"/>
+            </a:gradFill>
+          </a:ln>
+        </p:spPr>
+        <p:style>
+          <a:lnRef idx="2">
+            <a:schemeClr val="accent1">
+              <a:shade val="50000"/>
+            </a:schemeClr>
+          </a:lnRef>
+          <a:fillRef idx="1">
+            <a:schemeClr val="accent1"/>
+          </a:fillRef>
+          <a:effectRef idx="0">
+            <a:schemeClr val="accent1"/>
+          </a:effectRef>
+          <a:fontRef idx="minor">
+            <a:schemeClr val="lt1"/>
+          </a:fontRef>
+        </p:style>
+        <p:txBody>
+          <a:bodyPr wrap="square" rtlCol="0" anchor="ctr">
+            <a:noAutofit/>
+          </a:bodyPr>
+          <a:lstStyle/>
+          <a:p>
+            <a:pPr algn="ctr"/>
+            <a:endParaRPr lang="en-US"/>
+          </a:p>
+        </p:txBody>
+      </p:sp>
+      <p:pic>
+        <p:nvPicPr>
+          <p:cNvPr id="7" name="Graphic 6" descr="Snake">
+            <a:extLst>
+              <a:ext uri="{FF2B5EF4-FFF2-40B4-BE49-F238E27FC236}">
+                <a16:creationId xmlns:a16="http://schemas.microsoft.com/office/drawing/2014/main" id="{DE0696E6-616E-4E75-A70C-4B40AC5C60AD}"/>
+              </a:ext>
+            </a:extLst>
+          </p:cNvPr>
+          <p:cNvPicPr>
+            <a:picLocks noChangeAspect="1"/>
+          </p:cNvPicPr>
+          <p:nvPr/>
+        </p:nvPicPr>
+        <p:blipFill>
+          <a:blip r:embed="rId3">
+            <a:extLst>
+              <a:ext uri="{28A0092B-C50C-407E-A947-70E740481C1C}">
+                <a14:useLocalDpi xmlns:a14="http://schemas.microsoft.com/office/drawing/2010/main" val="0"/>
+              </a:ext>
+              <a:ext uri="{96DAC541-7B7A-43D3-8B79-37D633B846F1}">
+                <asvg:svgBlip xmlns:asvg="http://schemas.microsoft.com/office/drawing/2016/SVG/main" r:embed="rId4"/>
+              </a:ext>
+            </a:extLst>
+          </a:blip>
+          <a:stretch>
+            <a:fillRect/>
+          </a:stretch>
+        </p:blipFill>
+        <p:spPr>
+          <a:xfrm>
+            <a:off x="340470" y="1815320"/>
+            <a:ext cx="4141760" cy="4141760"/>
+          </a:xfrm>
+          <a:custGeom>
+            <a:avLst/>
+            <a:gdLst/>
+            <a:ahLst/>
+            <a:cxnLst/>
+            <a:rect l="l" t="t" r="r" b="b"/>
+            <a:pathLst>
+              <a:path w="4141760" h="4377846">
+                <a:moveTo>
+                  <a:pt x="0" y="0"/>
+                </a:moveTo>
+                <a:lnTo>
+                  <a:pt x="4141760" y="0"/>
+                </a:lnTo>
+                <a:lnTo>
+                  <a:pt x="4141760" y="4377846"/>
+                </a:lnTo>
+                <a:lnTo>
+                  <a:pt x="0" y="4377846"/>
+                </a:lnTo>
+                <a:close/>
+              </a:path>
+            </a:pathLst>
+          </a:custGeom>
+        </p:spPr>
+      </p:pic>
     </p:spTree>
     <p:extLst>
       <p:ext uri="{BB962C8B-B14F-4D97-AF65-F5344CB8AC3E}">
@@ -9017,9 +12231,17 @@
 </p:sld>
 </file>
 
-<file path=ppt/slides/slide2.xml><?xml version="1.0" encoding="utf-8"?>
+<file path=ppt/slides/slide10.xml><?xml version="1.0" encoding="utf-8"?>
 <p:sld xmlns:a="http://schemas.openxmlformats.org/drawingml/2006/main" xmlns:r="http://schemas.openxmlformats.org/officeDocument/2006/relationships" xmlns:p="http://schemas.openxmlformats.org/presentationml/2006/main">
   <p:cSld>
+    <p:bg>
+      <p:bgPr>
+        <a:solidFill>
+          <a:schemeClr val="bg1"/>
+        </a:solidFill>
+        <a:effectLst/>
+      </p:bgPr>
+    </p:bg>
     <p:spTree>
       <p:nvGrpSpPr>
         <p:cNvPr id="1" name=""/>
@@ -9036,6 +12258,816 @@
       </p:grpSpPr>
       <p:sp>
         <p:nvSpPr>
+          <p:cNvPr id="9" name="Rectangle 8">
+            <a:extLst>
+              <a:ext uri="{FF2B5EF4-FFF2-40B4-BE49-F238E27FC236}">
+                <a16:creationId xmlns:a16="http://schemas.microsoft.com/office/drawing/2014/main" id="{8CA06CD6-90CA-4C45-856C-6771339E1E22}"/>
+              </a:ext>
+              <a:ext uri="{C183D7F6-B498-43B3-948B-1728B52AA6E4}">
+                <adec:decorative xmlns:adec="http://schemas.microsoft.com/office/drawing/2017/decorative" val="1"/>
+              </a:ext>
+            </a:extLst>
+          </p:cNvPr>
+          <p:cNvSpPr>
+            <a:spLocks noGrp="1" noRot="1" noChangeAspect="1" noMove="1" noResize="1" noEditPoints="1" noAdjustHandles="1" noChangeArrowheads="1" noChangeShapeType="1" noTextEdit="1"/>
+          </p:cNvSpPr>
+          <p:nvPr>
+            <p:extLst>
+              <p:ext uri="{386F3935-93C4-4BCD-93E2-E3B085C9AB24}">
+                <p16:designElem xmlns:p16="http://schemas.microsoft.com/office/powerpoint/2015/main" val="1"/>
+              </p:ext>
+            </p:extLst>
+          </p:nvPr>
+        </p:nvSpPr>
+        <p:spPr bwMode="ltGray">
+          <a:xfrm>
+            <a:off x="321564" y="320040"/>
+            <a:ext cx="11548872" cy="6217920"/>
+          </a:xfrm>
+          <a:prstGeom prst="rect">
+            <a:avLst/>
+          </a:prstGeom>
+          <a:solidFill>
+            <a:schemeClr val="tx1">
+              <a:alpha val="10000"/>
+            </a:schemeClr>
+          </a:solidFill>
+          <a:ln w="127000" cap="sq" cmpd="thinThick">
+            <a:noFill/>
+          </a:ln>
+        </p:spPr>
+        <p:style>
+          <a:lnRef idx="2">
+            <a:schemeClr val="accent1">
+              <a:shade val="50000"/>
+            </a:schemeClr>
+          </a:lnRef>
+          <a:fillRef idx="1">
+            <a:schemeClr val="accent1"/>
+          </a:fillRef>
+          <a:effectRef idx="0">
+            <a:schemeClr val="accent1"/>
+          </a:effectRef>
+          <a:fontRef idx="minor">
+            <a:schemeClr val="lt1"/>
+          </a:fontRef>
+        </p:style>
+        <p:txBody>
+          <a:bodyPr rtlCol="0" anchor="ctr"/>
+          <a:lstStyle/>
+          <a:p>
+            <a:pPr algn="ctr"/>
+            <a:endParaRPr lang="en-US"/>
+          </a:p>
+        </p:txBody>
+      </p:sp>
+      <p:sp>
+        <p:nvSpPr>
+          <p:cNvPr id="2" name="Title 1">
+            <a:extLst>
+              <a:ext uri="{FF2B5EF4-FFF2-40B4-BE49-F238E27FC236}">
+                <a16:creationId xmlns:a16="http://schemas.microsoft.com/office/drawing/2014/main" id="{8AE741B8-126B-4CD5-B7E8-D87F10C1E59B}"/>
+              </a:ext>
+            </a:extLst>
+          </p:cNvPr>
+          <p:cNvSpPr>
+            <a:spLocks noGrp="1"/>
+          </p:cNvSpPr>
+          <p:nvPr>
+            <p:ph type="title"/>
+          </p:nvPr>
+        </p:nvSpPr>
+        <p:spPr>
+          <a:xfrm>
+            <a:off x="838200" y="963507"/>
+            <a:ext cx="3494362" cy="4930986"/>
+          </a:xfrm>
+        </p:spPr>
+        <p:txBody>
+          <a:bodyPr>
+            <a:normAutofit/>
+          </a:bodyPr>
+          <a:lstStyle/>
+          <a:p>
+            <a:pPr algn="r"/>
+            <a:r>
+              <a:rPr lang="en-US">
+                <a:solidFill>
+                  <a:schemeClr val="accent1"/>
+                </a:solidFill>
+              </a:rPr>
+              <a:t>ArcGIS API for Python</a:t>
+            </a:r>
+          </a:p>
+        </p:txBody>
+      </p:sp>
+      <p:cxnSp>
+        <p:nvCxnSpPr>
+          <p:cNvPr id="11" name="Straight Connector 10">
+            <a:extLst>
+              <a:ext uri="{FF2B5EF4-FFF2-40B4-BE49-F238E27FC236}">
+                <a16:creationId xmlns:a16="http://schemas.microsoft.com/office/drawing/2014/main" id="{5021601D-2758-4B15-A31C-FDA184C51B3A}"/>
+              </a:ext>
+              <a:ext uri="{C183D7F6-B498-43B3-948B-1728B52AA6E4}">
+                <adec:decorative xmlns:adec="http://schemas.microsoft.com/office/drawing/2017/decorative" val="1"/>
+              </a:ext>
+            </a:extLst>
+          </p:cNvPr>
+          <p:cNvCxnSpPr>
+            <a:cxnSpLocks noGrp="1" noRot="1" noChangeAspect="1" noMove="1" noResize="1" noEditPoints="1" noAdjustHandles="1" noChangeArrowheads="1" noChangeShapeType="1"/>
+          </p:cNvCxnSpPr>
+          <p:nvPr>
+            <p:extLst>
+              <p:ext uri="{386F3935-93C4-4BCD-93E2-E3B085C9AB24}">
+                <p16:designElem xmlns:p16="http://schemas.microsoft.com/office/powerpoint/2015/main" val="1"/>
+              </p:ext>
+            </p:extLst>
+          </p:nvPr>
+        </p:nvCxnSpPr>
+        <p:spPr>
+          <a:xfrm>
+            <a:off x="4654296" y="2057400"/>
+            <a:ext cx="0" cy="2743200"/>
+          </a:xfrm>
+          <a:prstGeom prst="line">
+            <a:avLst/>
+          </a:prstGeom>
+          <a:ln w="19050">
+            <a:solidFill>
+              <a:schemeClr val="tx1">
+                <a:lumMod val="85000"/>
+                <a:lumOff val="15000"/>
+              </a:schemeClr>
+            </a:solidFill>
+          </a:ln>
+        </p:spPr>
+        <p:style>
+          <a:lnRef idx="1">
+            <a:schemeClr val="accent1"/>
+          </a:lnRef>
+          <a:fillRef idx="0">
+            <a:schemeClr val="accent1"/>
+          </a:fillRef>
+          <a:effectRef idx="0">
+            <a:schemeClr val="accent1"/>
+          </a:effectRef>
+          <a:fontRef idx="minor">
+            <a:schemeClr val="tx1"/>
+          </a:fontRef>
+        </p:style>
+      </p:cxnSp>
+      <p:sp>
+        <p:nvSpPr>
+          <p:cNvPr id="3" name="Content Placeholder 2">
+            <a:extLst>
+              <a:ext uri="{FF2B5EF4-FFF2-40B4-BE49-F238E27FC236}">
+                <a16:creationId xmlns:a16="http://schemas.microsoft.com/office/drawing/2014/main" id="{E3DAA734-0E59-4EAD-8522-13D6C2431978}"/>
+              </a:ext>
+            </a:extLst>
+          </p:cNvPr>
+          <p:cNvSpPr>
+            <a:spLocks noGrp="1"/>
+          </p:cNvSpPr>
+          <p:nvPr>
+            <p:ph sz="half" idx="1"/>
+          </p:nvPr>
+        </p:nvSpPr>
+        <p:spPr>
+          <a:xfrm>
+            <a:off x="4976030" y="963507"/>
+            <a:ext cx="6250940" cy="2304627"/>
+          </a:xfrm>
+        </p:spPr>
+        <p:txBody>
+          <a:bodyPr anchor="b">
+            <a:normAutofit/>
+          </a:bodyPr>
+          <a:lstStyle/>
+          <a:p>
+            <a:r>
+              <a:rPr lang="en-US" sz="2000"/>
+              <a:t>Created in 2016 </a:t>
+            </a:r>
+          </a:p>
+          <a:p>
+            <a:r>
+              <a:rPr lang="en-US" sz="2000"/>
+              <a:t>Specifically geared for ArcGIS Online</a:t>
+            </a:r>
+          </a:p>
+          <a:p>
+            <a:r>
+              <a:rPr lang="en-US" sz="2000"/>
+              <a:t>Administration</a:t>
+            </a:r>
+          </a:p>
+          <a:p>
+            <a:pPr lvl="1"/>
+            <a:r>
+              <a:rPr lang="en-US" sz="2000"/>
+              <a:t>User Management</a:t>
+            </a:r>
+          </a:p>
+          <a:p>
+            <a:pPr lvl="1"/>
+            <a:r>
+              <a:rPr lang="en-US" sz="2000"/>
+              <a:t>Group Management</a:t>
+            </a:r>
+          </a:p>
+          <a:p>
+            <a:pPr lvl="1"/>
+            <a:r>
+              <a:rPr lang="en-US" sz="2000"/>
+              <a:t>Item Management</a:t>
+            </a:r>
+          </a:p>
+        </p:txBody>
+      </p:sp>
+      <p:sp>
+        <p:nvSpPr>
+          <p:cNvPr id="4" name="Content Placeholder 3">
+            <a:extLst>
+              <a:ext uri="{FF2B5EF4-FFF2-40B4-BE49-F238E27FC236}">
+                <a16:creationId xmlns:a16="http://schemas.microsoft.com/office/drawing/2014/main" id="{9EB2C36F-360A-4EC0-8620-F3CEC862D5FB}"/>
+              </a:ext>
+            </a:extLst>
+          </p:cNvPr>
+          <p:cNvSpPr>
+            <a:spLocks noGrp="1"/>
+          </p:cNvSpPr>
+          <p:nvPr>
+            <p:ph sz="half" idx="2"/>
+          </p:nvPr>
+        </p:nvSpPr>
+        <p:spPr>
+          <a:xfrm>
+            <a:off x="4976030" y="3589866"/>
+            <a:ext cx="6250940" cy="2304628"/>
+          </a:xfrm>
+        </p:spPr>
+        <p:txBody>
+          <a:bodyPr>
+            <a:normAutofit/>
+          </a:bodyPr>
+          <a:lstStyle/>
+          <a:p>
+            <a:r>
+              <a:rPr lang="en-US" sz="2000"/>
+              <a:t>Analysis</a:t>
+            </a:r>
+          </a:p>
+          <a:p>
+            <a:pPr lvl="1"/>
+            <a:r>
+              <a:rPr lang="en-US" sz="2000"/>
+              <a:t>Quick analysis with vector data</a:t>
+            </a:r>
+          </a:p>
+          <a:p>
+            <a:pPr lvl="1"/>
+            <a:r>
+              <a:rPr lang="en-US" sz="2000"/>
+              <a:t>Built-in Notebook widgets</a:t>
+            </a:r>
+          </a:p>
+          <a:p>
+            <a:pPr lvl="1"/>
+            <a:r>
+              <a:rPr lang="en-US" sz="2000"/>
+              <a:t>Geared toward data scientists</a:t>
+            </a:r>
+          </a:p>
+          <a:p>
+            <a:pPr lvl="1"/>
+            <a:r>
+              <a:rPr lang="en-US" sz="2000"/>
+              <a:t>Rapidly expanding raster and machine-learning/AI functionality</a:t>
+            </a:r>
+          </a:p>
+        </p:txBody>
+      </p:sp>
+    </p:spTree>
+    <p:extLst>
+      <p:ext uri="{BB962C8B-B14F-4D97-AF65-F5344CB8AC3E}">
+        <p14:creationId xmlns:p14="http://schemas.microsoft.com/office/powerpoint/2010/main" val="1334839122"/>
+      </p:ext>
+    </p:extLst>
+  </p:cSld>
+  <p:clrMapOvr>
+    <a:masterClrMapping/>
+  </p:clrMapOvr>
+</p:sld>
+</file>
+
+<file path=ppt/slides/slide11.xml><?xml version="1.0" encoding="utf-8"?>
+<p:sld xmlns:a="http://schemas.openxmlformats.org/drawingml/2006/main" xmlns:r="http://schemas.openxmlformats.org/officeDocument/2006/relationships" xmlns:p="http://schemas.openxmlformats.org/presentationml/2006/main">
+  <p:cSld>
+    <p:bg>
+      <p:bgPr>
+        <a:solidFill>
+          <a:schemeClr val="bg1"/>
+        </a:solidFill>
+        <a:effectLst/>
+      </p:bgPr>
+    </p:bg>
+    <p:spTree>
+      <p:nvGrpSpPr>
+        <p:cNvPr id="1" name=""/>
+        <p:cNvGrpSpPr/>
+        <p:nvPr/>
+      </p:nvGrpSpPr>
+      <p:grpSpPr>
+        <a:xfrm>
+          <a:off x="0" y="0"/>
+          <a:ext cx="0" cy="0"/>
+          <a:chOff x="0" y="0"/>
+          <a:chExt cx="0" cy="0"/>
+        </a:xfrm>
+      </p:grpSpPr>
+      <p:sp>
+        <p:nvSpPr>
+          <p:cNvPr id="9" name="Rectangle 8">
+            <a:extLst>
+              <a:ext uri="{FF2B5EF4-FFF2-40B4-BE49-F238E27FC236}">
+                <a16:creationId xmlns:a16="http://schemas.microsoft.com/office/drawing/2014/main" id="{4C608BEB-860E-4094-8511-78603564A75E}"/>
+              </a:ext>
+              <a:ext uri="{C183D7F6-B498-43B3-948B-1728B52AA6E4}">
+                <adec:decorative xmlns:adec="http://schemas.microsoft.com/office/drawing/2017/decorative" val="1"/>
+              </a:ext>
+            </a:extLst>
+          </p:cNvPr>
+          <p:cNvSpPr>
+            <a:spLocks noGrp="1" noRot="1" noChangeAspect="1" noMove="1" noResize="1" noEditPoints="1" noAdjustHandles="1" noChangeArrowheads="1" noChangeShapeType="1" noTextEdit="1"/>
+          </p:cNvSpPr>
+          <p:nvPr>
+            <p:extLst>
+              <p:ext uri="{386F3935-93C4-4BCD-93E2-E3B085C9AB24}">
+                <p16:designElem xmlns:p16="http://schemas.microsoft.com/office/powerpoint/2015/main" val="1"/>
+              </p:ext>
+            </p:extLst>
+          </p:nvPr>
+        </p:nvSpPr>
+        <p:spPr>
+          <a:xfrm>
+            <a:off x="0" y="0"/>
+            <a:ext cx="4059050" cy="6858000"/>
+          </a:xfrm>
+          <a:prstGeom prst="rect">
+            <a:avLst/>
+          </a:prstGeom>
+          <a:solidFill>
+            <a:srgbClr val="404040"/>
+          </a:solidFill>
+          <a:ln>
+            <a:noFill/>
+          </a:ln>
+        </p:spPr>
+        <p:style>
+          <a:lnRef idx="2">
+            <a:schemeClr val="accent1">
+              <a:shade val="50000"/>
+            </a:schemeClr>
+          </a:lnRef>
+          <a:fillRef idx="1">
+            <a:schemeClr val="accent1"/>
+          </a:fillRef>
+          <a:effectRef idx="0">
+            <a:schemeClr val="accent1"/>
+          </a:effectRef>
+          <a:fontRef idx="minor">
+            <a:schemeClr val="lt1"/>
+          </a:fontRef>
+        </p:style>
+        <p:txBody>
+          <a:bodyPr rtlCol="0" anchor="ctr"/>
+          <a:lstStyle/>
+          <a:p>
+            <a:pPr marL="0" marR="0" lvl="0" indent="0" algn="ctr" defTabSz="914400" rtl="0" eaLnBrk="1" fontAlgn="auto" latinLnBrk="0" hangingPunct="1">
+              <a:lnSpc>
+                <a:spcPct val="100000"/>
+              </a:lnSpc>
+              <a:spcBef>
+                <a:spcPts val="0"/>
+              </a:spcBef>
+              <a:spcAft>
+                <a:spcPts val="0"/>
+              </a:spcAft>
+              <a:buClrTx/>
+              <a:buSzTx/>
+              <a:buFontTx/>
+              <a:buNone/>
+              <a:tabLst/>
+              <a:defRPr/>
+            </a:pPr>
+            <a:endParaRPr kumimoji="0" lang="en-US" sz="1800" b="0" i="0" u="none" strike="noStrike" kern="1200" cap="none" spc="0" normalizeH="0" baseline="0" noProof="0">
+              <a:ln>
+                <a:noFill/>
+              </a:ln>
+              <a:solidFill>
+                <a:prstClr val="white"/>
+              </a:solidFill>
+              <a:effectLst/>
+              <a:uLnTx/>
+              <a:uFillTx/>
+              <a:latin typeface="Calibri" panose="020F0502020204030204"/>
+              <a:ea typeface="+mn-ea"/>
+              <a:cs typeface="+mn-cs"/>
+            </a:endParaRPr>
+          </a:p>
+        </p:txBody>
+      </p:sp>
+      <p:sp>
+        <p:nvSpPr>
+          <p:cNvPr id="2" name="Title 1">
+            <a:extLst>
+              <a:ext uri="{FF2B5EF4-FFF2-40B4-BE49-F238E27FC236}">
+                <a16:creationId xmlns:a16="http://schemas.microsoft.com/office/drawing/2014/main" id="{6150A24D-B7EB-4A15-84CD-0D41EAA7BA1C}"/>
+              </a:ext>
+            </a:extLst>
+          </p:cNvPr>
+          <p:cNvSpPr>
+            <a:spLocks noGrp="1"/>
+          </p:cNvSpPr>
+          <p:nvPr>
+            <p:ph type="title"/>
+          </p:nvPr>
+        </p:nvSpPr>
+        <p:spPr>
+          <a:xfrm>
+            <a:off x="838200" y="1412488"/>
+            <a:ext cx="2899189" cy="4363844"/>
+          </a:xfrm>
+        </p:spPr>
+        <p:txBody>
+          <a:bodyPr anchor="t">
+            <a:normAutofit/>
+          </a:bodyPr>
+          <a:lstStyle/>
+          <a:p>
+            <a:r>
+              <a:rPr lang="en-US" sz="4000">
+                <a:solidFill>
+                  <a:srgbClr val="FFFFFF"/>
+                </a:solidFill>
+              </a:rPr>
+              <a:t>arcpy vs. arcgis</a:t>
+            </a:r>
+          </a:p>
+        </p:txBody>
+      </p:sp>
+      <p:sp>
+        <p:nvSpPr>
+          <p:cNvPr id="3" name="Content Placeholder 2">
+            <a:extLst>
+              <a:ext uri="{FF2B5EF4-FFF2-40B4-BE49-F238E27FC236}">
+                <a16:creationId xmlns:a16="http://schemas.microsoft.com/office/drawing/2014/main" id="{12849654-17C5-47D0-9868-8FF61A95C894}"/>
+              </a:ext>
+            </a:extLst>
+          </p:cNvPr>
+          <p:cNvSpPr>
+            <a:spLocks noGrp="1"/>
+          </p:cNvSpPr>
+          <p:nvPr>
+            <p:ph sz="half" idx="1"/>
+          </p:nvPr>
+        </p:nvSpPr>
+        <p:spPr>
+          <a:xfrm>
+            <a:off x="4380855" y="1412489"/>
+            <a:ext cx="3427283" cy="4363844"/>
+          </a:xfrm>
+        </p:spPr>
+        <p:txBody>
+          <a:bodyPr>
+            <a:normAutofit/>
+          </a:bodyPr>
+          <a:lstStyle/>
+          <a:p>
+            <a:pPr fontAlgn="ctr"/>
+            <a:r>
+              <a:rPr lang="en-US" sz="2000"/>
+              <a:t>arcpy </a:t>
+            </a:r>
+          </a:p>
+          <a:p>
+            <a:pPr lvl="1" fontAlgn="ctr"/>
+            <a:r>
+              <a:rPr lang="en-US" sz="2000"/>
+              <a:t>Has licensing</a:t>
+            </a:r>
+          </a:p>
+          <a:p>
+            <a:pPr lvl="1" fontAlgn="ctr"/>
+            <a:r>
+              <a:rPr lang="en-US" sz="2000"/>
+              <a:t>Only exists with ArcGIS Desktop/ArcGIS Pro</a:t>
+            </a:r>
+          </a:p>
+          <a:p>
+            <a:pPr lvl="1" fontAlgn="ctr"/>
+            <a:r>
+              <a:rPr lang="en-US" sz="2000"/>
+              <a:t>Good for complex geoprocessing</a:t>
+            </a:r>
+          </a:p>
+          <a:p>
+            <a:pPr lvl="1" fontAlgn="ctr"/>
+            <a:r>
+              <a:rPr lang="en-US" sz="2000"/>
+              <a:t>Good for desktop datasets</a:t>
+            </a:r>
+          </a:p>
+          <a:p>
+            <a:pPr lvl="1" fontAlgn="ctr"/>
+            <a:r>
+              <a:rPr lang="en-US" sz="2000"/>
+              <a:t>Available in Python 2.7 and Python 3.x</a:t>
+            </a:r>
+          </a:p>
+          <a:p>
+            <a:pPr lvl="1" fontAlgn="ctr"/>
+            <a:r>
+              <a:rPr lang="en-US" sz="2000"/>
+              <a:t>Mostly functions</a:t>
+            </a:r>
+          </a:p>
+          <a:p>
+            <a:endParaRPr lang="en-US" sz="2000"/>
+          </a:p>
+        </p:txBody>
+      </p:sp>
+      <p:cxnSp>
+        <p:nvCxnSpPr>
+          <p:cNvPr id="11" name="Straight Connector 10">
+            <a:extLst>
+              <a:ext uri="{FF2B5EF4-FFF2-40B4-BE49-F238E27FC236}">
+                <a16:creationId xmlns:a16="http://schemas.microsoft.com/office/drawing/2014/main" id="{1F16A8D4-FE87-4604-88B2-394B5D1EB437}"/>
+              </a:ext>
+              <a:ext uri="{C183D7F6-B498-43B3-948B-1728B52AA6E4}">
+                <adec:decorative xmlns:adec="http://schemas.microsoft.com/office/drawing/2017/decorative" val="1"/>
+              </a:ext>
+            </a:extLst>
+          </p:cNvPr>
+          <p:cNvCxnSpPr>
+            <a:cxnSpLocks noGrp="1" noRot="1" noChangeAspect="1" noMove="1" noResize="1" noEditPoints="1" noAdjustHandles="1" noChangeArrowheads="1" noChangeShapeType="1"/>
+          </p:cNvCxnSpPr>
+          <p:nvPr>
+            <p:extLst>
+              <p:ext uri="{386F3935-93C4-4BCD-93E2-E3B085C9AB24}">
+                <p16:designElem xmlns:p16="http://schemas.microsoft.com/office/powerpoint/2015/main" val="1"/>
+              </p:ext>
+            </p:extLst>
+          </p:nvPr>
+        </p:nvCxnSpPr>
+        <p:spPr>
+          <a:xfrm>
+            <a:off x="8129871" y="1412488"/>
+            <a:ext cx="0" cy="3657600"/>
+          </a:xfrm>
+          <a:prstGeom prst="line">
+            <a:avLst/>
+          </a:prstGeom>
+          <a:ln w="12700">
+            <a:solidFill>
+              <a:schemeClr val="tx1">
+                <a:lumMod val="50000"/>
+                <a:lumOff val="50000"/>
+              </a:schemeClr>
+            </a:solidFill>
+          </a:ln>
+        </p:spPr>
+        <p:style>
+          <a:lnRef idx="1">
+            <a:schemeClr val="accent1"/>
+          </a:lnRef>
+          <a:fillRef idx="0">
+            <a:schemeClr val="accent1"/>
+          </a:fillRef>
+          <a:effectRef idx="0">
+            <a:schemeClr val="accent1"/>
+          </a:effectRef>
+          <a:fontRef idx="minor">
+            <a:schemeClr val="tx1"/>
+          </a:fontRef>
+        </p:style>
+      </p:cxnSp>
+      <p:sp>
+        <p:nvSpPr>
+          <p:cNvPr id="4" name="Content Placeholder 3">
+            <a:extLst>
+              <a:ext uri="{FF2B5EF4-FFF2-40B4-BE49-F238E27FC236}">
+                <a16:creationId xmlns:a16="http://schemas.microsoft.com/office/drawing/2014/main" id="{D40361F9-FDF7-49C4-A320-C8CED0AABEE9}"/>
+              </a:ext>
+            </a:extLst>
+          </p:cNvPr>
+          <p:cNvSpPr>
+            <a:spLocks noGrp="1"/>
+          </p:cNvSpPr>
+          <p:nvPr>
+            <p:ph sz="half" idx="2"/>
+          </p:nvPr>
+        </p:nvSpPr>
+        <p:spPr>
+          <a:xfrm>
+            <a:off x="8451604" y="1412489"/>
+            <a:ext cx="3197701" cy="4363844"/>
+          </a:xfrm>
+        </p:spPr>
+        <p:txBody>
+          <a:bodyPr>
+            <a:normAutofit/>
+          </a:bodyPr>
+          <a:lstStyle/>
+          <a:p>
+            <a:pPr fontAlgn="ctr"/>
+            <a:r>
+              <a:rPr lang="en-US" sz="2000"/>
+              <a:t>Arcgis API for Python (arcgis)</a:t>
+            </a:r>
+          </a:p>
+          <a:p>
+            <a:pPr lvl="1" fontAlgn="ctr"/>
+            <a:r>
+              <a:rPr lang="en-US" sz="2000"/>
+              <a:t>Free to use</a:t>
+            </a:r>
+          </a:p>
+          <a:p>
+            <a:pPr lvl="1" fontAlgn="ctr"/>
+            <a:r>
+              <a:rPr lang="en-US" sz="2000"/>
+              <a:t>Frequently updated</a:t>
+            </a:r>
+          </a:p>
+          <a:p>
+            <a:pPr lvl="1" fontAlgn="ctr"/>
+            <a:r>
+              <a:rPr lang="en-US" sz="2000"/>
+              <a:t>Mostly for ArcGIS Online data</a:t>
+            </a:r>
+          </a:p>
+          <a:p>
+            <a:pPr lvl="1" fontAlgn="ctr"/>
+            <a:r>
+              <a:rPr lang="en-US" sz="2000"/>
+              <a:t>Does not require ArcGIS Pro* or ArcGIS Desktop</a:t>
+            </a:r>
+          </a:p>
+          <a:p>
+            <a:pPr lvl="1" fontAlgn="ctr"/>
+            <a:r>
+              <a:rPr lang="en-US" sz="2000"/>
+              <a:t>Only available in Python 3.x</a:t>
+            </a:r>
+          </a:p>
+          <a:p>
+            <a:pPr lvl="1" fontAlgn="ctr"/>
+            <a:r>
+              <a:rPr lang="en-US" sz="2000"/>
+              <a:t>Very object-oriented</a:t>
+            </a:r>
+          </a:p>
+          <a:p>
+            <a:endParaRPr lang="en-US" sz="2000"/>
+          </a:p>
+        </p:txBody>
+      </p:sp>
+    </p:spTree>
+    <p:extLst>
+      <p:ext uri="{BB962C8B-B14F-4D97-AF65-F5344CB8AC3E}">
+        <p14:creationId xmlns:p14="http://schemas.microsoft.com/office/powerpoint/2010/main" val="204219163"/>
+      </p:ext>
+    </p:extLst>
+  </p:cSld>
+  <p:clrMapOvr>
+    <a:masterClrMapping/>
+  </p:clrMapOvr>
+</p:sld>
+</file>
+
+<file path=ppt/slides/slide2.xml><?xml version="1.0" encoding="utf-8"?>
+<p:sld xmlns:a="http://schemas.openxmlformats.org/drawingml/2006/main" xmlns:r="http://schemas.openxmlformats.org/officeDocument/2006/relationships" xmlns:p="http://schemas.openxmlformats.org/presentationml/2006/main">
+  <p:cSld>
+    <p:bg>
+      <p:bgPr>
+        <a:solidFill>
+          <a:schemeClr val="bg1">
+            <a:tint val="95000"/>
+            <a:satMod val="170000"/>
+          </a:schemeClr>
+        </a:solidFill>
+        <a:effectLst/>
+      </p:bgPr>
+    </p:bg>
+    <p:spTree>
+      <p:nvGrpSpPr>
+        <p:cNvPr id="1" name=""/>
+        <p:cNvGrpSpPr/>
+        <p:nvPr/>
+      </p:nvGrpSpPr>
+      <p:grpSpPr>
+        <a:xfrm>
+          <a:off x="0" y="0"/>
+          <a:ext cx="0" cy="0"/>
+          <a:chOff x="0" y="0"/>
+          <a:chExt cx="0" cy="0"/>
+        </a:xfrm>
+      </p:grpSpPr>
+      <p:sp>
+        <p:nvSpPr>
+          <p:cNvPr id="9" name="Rectangle 8">
+            <a:extLst>
+              <a:ext uri="{FF2B5EF4-FFF2-40B4-BE49-F238E27FC236}">
+                <a16:creationId xmlns:a16="http://schemas.microsoft.com/office/drawing/2014/main" id="{1E214AA7-F028-4A0D-8698-61AEC754D1BC}"/>
+              </a:ext>
+              <a:ext uri="{C183D7F6-B498-43B3-948B-1728B52AA6E4}">
+                <adec:decorative xmlns:adec="http://schemas.microsoft.com/office/drawing/2017/decorative" val="1"/>
+              </a:ext>
+            </a:extLst>
+          </p:cNvPr>
+          <p:cNvSpPr>
+            <a:spLocks noGrp="1" noRot="1" noChangeAspect="1" noMove="1" noResize="1" noEditPoints="1" noAdjustHandles="1" noChangeArrowheads="1" noChangeShapeType="1" noTextEdit="1"/>
+          </p:cNvSpPr>
+          <p:nvPr>
+            <p:extLst>
+              <p:ext uri="{386F3935-93C4-4BCD-93E2-E3B085C9AB24}">
+                <p16:designElem xmlns:p16="http://schemas.microsoft.com/office/powerpoint/2015/main" val="1"/>
+              </p:ext>
+            </p:extLst>
+          </p:nvPr>
+        </p:nvSpPr>
+        <p:spPr>
+          <a:xfrm>
+            <a:off x="0" y="1"/>
+            <a:ext cx="12192000" cy="1598340"/>
+          </a:xfrm>
+          <a:prstGeom prst="rect">
+            <a:avLst/>
+          </a:prstGeom>
+          <a:solidFill>
+            <a:srgbClr val="595959"/>
+          </a:solidFill>
+          <a:ln>
+            <a:noFill/>
+          </a:ln>
+        </p:spPr>
+        <p:style>
+          <a:lnRef idx="2">
+            <a:schemeClr val="accent1">
+              <a:shade val="50000"/>
+            </a:schemeClr>
+          </a:lnRef>
+          <a:fillRef idx="1">
+            <a:schemeClr val="accent1"/>
+          </a:fillRef>
+          <a:effectRef idx="0">
+            <a:schemeClr val="accent1"/>
+          </a:effectRef>
+          <a:fontRef idx="minor">
+            <a:schemeClr val="lt1"/>
+          </a:fontRef>
+        </p:style>
+        <p:txBody>
+          <a:bodyPr rtlCol="0" anchor="ctr"/>
+          <a:lstStyle/>
+          <a:p>
+            <a:pPr marL="0" marR="0" lvl="0" indent="0" algn="ctr" defTabSz="914400" rtl="0" eaLnBrk="1" fontAlgn="auto" latinLnBrk="0" hangingPunct="1">
+              <a:lnSpc>
+                <a:spcPct val="100000"/>
+              </a:lnSpc>
+              <a:spcBef>
+                <a:spcPts val="0"/>
+              </a:spcBef>
+              <a:spcAft>
+                <a:spcPts val="0"/>
+              </a:spcAft>
+              <a:buClrTx/>
+              <a:buSzTx/>
+              <a:buFontTx/>
+              <a:buNone/>
+              <a:tabLst/>
+              <a:defRPr/>
+            </a:pPr>
+            <a:endParaRPr kumimoji="0" lang="en-US" sz="1800" b="0" i="0" u="none" strike="noStrike" kern="1200" cap="none" spc="0" normalizeH="0" baseline="0" noProof="0">
+              <a:ln>
+                <a:noFill/>
+              </a:ln>
+              <a:solidFill>
+                <a:prstClr val="white"/>
+              </a:solidFill>
+              <a:effectLst/>
+              <a:uLnTx/>
+              <a:uFillTx/>
+              <a:latin typeface="Calibri" panose="020F0502020204030204"/>
+              <a:ea typeface="+mn-ea"/>
+              <a:cs typeface="+mn-cs"/>
+            </a:endParaRPr>
+          </a:p>
+        </p:txBody>
+      </p:sp>
+      <p:sp>
+        <p:nvSpPr>
           <p:cNvPr id="2" name="Title 1">
             <a:extLst>
               <a:ext uri="{FF2B5EF4-FFF2-40B4-BE49-F238E27FC236}">
@@ -9050,13 +13082,34 @@
             <p:ph type="title"/>
           </p:nvPr>
         </p:nvSpPr>
-        <p:spPr/>
+        <p:spPr>
+          <a:xfrm>
+            <a:off x="1159933" y="995318"/>
+            <a:ext cx="9872134" cy="1193968"/>
+          </a:xfrm>
+          <a:solidFill>
+            <a:srgbClr val="FFFFFF"/>
+          </a:solidFill>
+          <a:ln w="38100">
+            <a:solidFill>
+              <a:srgbClr val="7F7F7F"/>
+            </a:solidFill>
+            <a:miter lim="800000"/>
+          </a:ln>
+        </p:spPr>
         <p:txBody>
-          <a:bodyPr/>
+          <a:bodyPr>
+            <a:normAutofit/>
+          </a:bodyPr>
           <a:lstStyle/>
           <a:p>
+            <a:pPr algn="ctr"/>
             <a:r>
-              <a:rPr lang="en-US" dirty="0"/>
+              <a:rPr lang="en-US" sz="3600">
+                <a:solidFill>
+                  <a:srgbClr val="3F3F3F"/>
+                </a:solidFill>
+              </a:rPr>
               <a:t>General Topics we’ll cover</a:t>
             </a:r>
           </a:p>
@@ -9078,56 +13131,56 @@
             <p:ph sz="half" idx="1"/>
           </p:nvPr>
         </p:nvSpPr>
-        <p:spPr/>
+        <p:spPr>
+          <a:xfrm>
+            <a:off x="1476915" y="2888250"/>
+            <a:ext cx="4297351" cy="2959777"/>
+          </a:xfrm>
+        </p:spPr>
         <p:txBody>
-          <a:bodyPr>
+          <a:bodyPr anchor="t">
             <a:normAutofit/>
           </a:bodyPr>
           <a:lstStyle/>
           <a:p>
             <a:r>
-              <a:rPr lang="en-US" dirty="0"/>
+              <a:rPr lang="en-US" sz="2000"/>
               <a:t>Python Environments</a:t>
             </a:r>
           </a:p>
           <a:p>
             <a:pPr lvl="1"/>
             <a:r>
-              <a:rPr lang="en-US" dirty="0"/>
+              <a:rPr lang="en-US" sz="2000"/>
               <a:t>Anaconda</a:t>
             </a:r>
           </a:p>
           <a:p>
             <a:pPr lvl="1"/>
             <a:r>
-              <a:rPr lang="en-US" dirty="0"/>
+              <a:rPr lang="en-US" sz="2000"/>
               <a:t>Installing packages</a:t>
             </a:r>
           </a:p>
           <a:p>
             <a:r>
-              <a:rPr lang="en-US" dirty="0"/>
+              <a:rPr lang="en-US" sz="2000"/>
               <a:t>ArcGIS API for Python</a:t>
             </a:r>
           </a:p>
           <a:p>
             <a:pPr lvl="1"/>
             <a:r>
-              <a:rPr lang="en-US" dirty="0"/>
+              <a:rPr lang="en-US" sz="2000"/>
               <a:t>Querying data</a:t>
             </a:r>
           </a:p>
           <a:p>
             <a:pPr lvl="1"/>
             <a:r>
-              <a:rPr lang="en-US" dirty="0"/>
-              <a:t>Spatial </a:t>
+              <a:rPr lang="en-US" sz="2000"/>
+              <a:t>Spatial Dataframes</a:t>
             </a:r>
-            <a:r>
-              <a:rPr lang="en-US" dirty="0" err="1"/>
-              <a:t>Dataframes</a:t>
-            </a:r>
-            <a:endParaRPr lang="en-US" dirty="0"/>
           </a:p>
           <a:p>
             <a:pPr lvl="2"/>
@@ -9139,12 +13192,64 @@
           <a:p>
             <a:pPr lvl="1"/>
             <a:r>
-              <a:rPr lang="en-US" dirty="0"/>
+              <a:rPr lang="en-US" sz="2000"/>
               <a:t>Editing data</a:t>
             </a:r>
           </a:p>
         </p:txBody>
       </p:sp>
+      <p:cxnSp>
+        <p:nvCxnSpPr>
+          <p:cNvPr id="11" name="Straight Connector 10">
+            <a:extLst>
+              <a:ext uri="{FF2B5EF4-FFF2-40B4-BE49-F238E27FC236}">
+                <a16:creationId xmlns:a16="http://schemas.microsoft.com/office/drawing/2014/main" id="{D6206FDC-2777-4D7F-AF9C-73413DA664C9}"/>
+              </a:ext>
+              <a:ext uri="{C183D7F6-B498-43B3-948B-1728B52AA6E4}">
+                <adec:decorative xmlns:adec="http://schemas.microsoft.com/office/drawing/2017/decorative" val="1"/>
+              </a:ext>
+            </a:extLst>
+          </p:cNvPr>
+          <p:cNvCxnSpPr>
+            <a:cxnSpLocks noGrp="1" noRot="1" noChangeAspect="1" noMove="1" noResize="1" noEditPoints="1" noAdjustHandles="1" noChangeArrowheads="1" noChangeShapeType="1"/>
+          </p:cNvCxnSpPr>
+          <p:nvPr>
+            <p:extLst>
+              <p:ext uri="{386F3935-93C4-4BCD-93E2-E3B085C9AB24}">
+                <p16:designElem xmlns:p16="http://schemas.microsoft.com/office/powerpoint/2015/main" val="1"/>
+              </p:ext>
+            </p:extLst>
+          </p:nvPr>
+        </p:nvCxnSpPr>
+        <p:spPr>
+          <a:xfrm>
+            <a:off x="6096000" y="2888250"/>
+            <a:ext cx="0" cy="2769135"/>
+          </a:xfrm>
+          <a:prstGeom prst="line">
+            <a:avLst/>
+          </a:prstGeom>
+          <a:ln w="19050">
+            <a:solidFill>
+              <a:srgbClr val="7F7F7F"/>
+            </a:solidFill>
+          </a:ln>
+        </p:spPr>
+        <p:style>
+          <a:lnRef idx="1">
+            <a:schemeClr val="accent1"/>
+          </a:lnRef>
+          <a:fillRef idx="0">
+            <a:schemeClr val="accent1"/>
+          </a:fillRef>
+          <a:effectRef idx="0">
+            <a:schemeClr val="accent1"/>
+          </a:effectRef>
+          <a:fontRef idx="minor">
+            <a:schemeClr val="tx1"/>
+          </a:fontRef>
+        </p:style>
+      </p:cxnSp>
       <p:sp>
         <p:nvSpPr>
           <p:cNvPr id="4" name="Content Placeholder 3">
@@ -9161,45 +13266,52 @@
             <p:ph sz="half" idx="2"/>
           </p:nvPr>
         </p:nvSpPr>
-        <p:spPr/>
+        <p:spPr>
+          <a:xfrm>
+            <a:off x="6417731" y="2888250"/>
+            <a:ext cx="4292594" cy="2959778"/>
+          </a:xfrm>
+        </p:spPr>
         <p:txBody>
-          <a:bodyPr/>
+          <a:bodyPr anchor="t">
+            <a:normAutofit/>
+          </a:bodyPr>
           <a:lstStyle/>
           <a:p>
             <a:r>
-              <a:rPr lang="en-US" dirty="0"/>
+              <a:rPr lang="en-US" sz="2000"/>
               <a:t>Cleaning your code</a:t>
             </a:r>
           </a:p>
           <a:p>
             <a:pPr lvl="1"/>
             <a:r>
-              <a:rPr lang="en-US" dirty="0"/>
+              <a:rPr lang="en-US" sz="2000"/>
               <a:t>Commenting</a:t>
             </a:r>
           </a:p>
           <a:p>
             <a:pPr lvl="1"/>
             <a:r>
-              <a:rPr lang="en-US" dirty="0"/>
+              <a:rPr lang="en-US" sz="2000"/>
               <a:t>Documenting</a:t>
             </a:r>
           </a:p>
           <a:p>
             <a:pPr lvl="1"/>
             <a:r>
-              <a:rPr lang="en-US" dirty="0"/>
+              <a:rPr lang="en-US" sz="2000"/>
               <a:t>Creating your own package</a:t>
             </a:r>
           </a:p>
           <a:p>
             <a:r>
-              <a:rPr lang="en-US" dirty="0"/>
+              <a:rPr lang="en-US" sz="2000"/>
               <a:t>And more…</a:t>
             </a:r>
           </a:p>
           <a:p>
-            <a:endParaRPr lang="en-US" dirty="0"/>
+            <a:endParaRPr lang="en-US" sz="2000"/>
           </a:p>
         </p:txBody>
       </p:sp>
@@ -9211,7 +13323,7 @@
     </p:extLst>
   </p:cSld>
   <p:clrMapOvr>
-    <a:masterClrMapping/>
+    <a:overrideClrMapping bg1="dk1" tx1="lt1" bg2="dk2" tx2="lt2" accent1="accent1" accent2="accent2" accent3="accent3" accent4="accent4" accent5="accent5" accent6="accent6" hlink="hlink" folHlink="folHlink"/>
   </p:clrMapOvr>
 </p:sld>
 </file>
@@ -10247,6 +14359,14 @@
 <file path=ppt/slides/slide6.xml><?xml version="1.0" encoding="utf-8"?>
 <p:sld xmlns:a="http://schemas.openxmlformats.org/drawingml/2006/main" xmlns:r="http://schemas.openxmlformats.org/officeDocument/2006/relationships" xmlns:p="http://schemas.openxmlformats.org/presentationml/2006/main">
   <p:cSld>
+    <p:bg>
+      <p:bgPr>
+        <a:solidFill>
+          <a:schemeClr val="bg1"/>
+        </a:solidFill>
+        <a:effectLst/>
+      </p:bgPr>
+    </p:bg>
     <p:spTree>
       <p:nvGrpSpPr>
         <p:cNvPr id="1" name=""/>
@@ -10263,6 +14383,487 @@
       </p:grpSpPr>
       <p:sp>
         <p:nvSpPr>
+          <p:cNvPr id="10" name="Freeform: Shape 9">
+            <a:extLst>
+              <a:ext uri="{FF2B5EF4-FFF2-40B4-BE49-F238E27FC236}">
+                <a16:creationId xmlns:a16="http://schemas.microsoft.com/office/drawing/2014/main" id="{46C2E80F-49A6-4372-B103-219D417A55ED}"/>
+              </a:ext>
+              <a:ext uri="{C183D7F6-B498-43B3-948B-1728B52AA6E4}">
+                <adec:decorative xmlns:adec="http://schemas.microsoft.com/office/drawing/2017/decorative" val="1"/>
+              </a:ext>
+            </a:extLst>
+          </p:cNvPr>
+          <p:cNvSpPr>
+            <a:spLocks noGrp="1" noRot="1" noChangeAspect="1" noMove="1" noResize="1" noEditPoints="1" noAdjustHandles="1" noChangeArrowheads="1" noChangeShapeType="1" noTextEdit="1"/>
+          </p:cNvSpPr>
+          <p:nvPr>
+            <p:extLst>
+              <p:ext uri="{386F3935-93C4-4BCD-93E2-E3B085C9AB24}">
+                <p16:designElem xmlns:p16="http://schemas.microsoft.com/office/powerpoint/2015/main" val="1"/>
+              </p:ext>
+            </p:extLst>
+          </p:nvPr>
+        </p:nvSpPr>
+        <p:spPr>
+          <a:xfrm>
+            <a:off x="484096" y="470925"/>
+            <a:ext cx="4381009" cy="5892104"/>
+          </a:xfrm>
+          <a:custGeom>
+            <a:avLst/>
+            <a:gdLst>
+              <a:gd name="connsiteX0" fmla="*/ 0 w 4381009"/>
+              <a:gd name="connsiteY0" fmla="*/ 0 h 5892104"/>
+              <a:gd name="connsiteX1" fmla="*/ 4157628 w 4381009"/>
+              <a:gd name="connsiteY1" fmla="*/ 0 h 5892104"/>
+              <a:gd name="connsiteX2" fmla="*/ 4169302 w 4381009"/>
+              <a:gd name="connsiteY2" fmla="*/ 68659 h 5892104"/>
+              <a:gd name="connsiteX3" fmla="*/ 4191571 w 4381009"/>
+              <a:gd name="connsiteY3" fmla="*/ 205472 h 5892104"/>
+              <a:gd name="connsiteX4" fmla="*/ 4213368 w 4381009"/>
+              <a:gd name="connsiteY4" fmla="*/ 342890 h 5892104"/>
+              <a:gd name="connsiteX5" fmla="*/ 4232030 w 4381009"/>
+              <a:gd name="connsiteY5" fmla="*/ 480913 h 5892104"/>
+              <a:gd name="connsiteX6" fmla="*/ 4250848 w 4381009"/>
+              <a:gd name="connsiteY6" fmla="*/ 618332 h 5892104"/>
+              <a:gd name="connsiteX7" fmla="*/ 4268412 w 4381009"/>
+              <a:gd name="connsiteY7" fmla="*/ 756355 h 5892104"/>
+              <a:gd name="connsiteX8" fmla="*/ 4283467 w 4381009"/>
+              <a:gd name="connsiteY8" fmla="*/ 892563 h 5892104"/>
+              <a:gd name="connsiteX9" fmla="*/ 4297737 w 4381009"/>
+              <a:gd name="connsiteY9" fmla="*/ 1030587 h 5892104"/>
+              <a:gd name="connsiteX10" fmla="*/ 4310754 w 4381009"/>
+              <a:gd name="connsiteY10" fmla="*/ 1168005 h 5892104"/>
+              <a:gd name="connsiteX11" fmla="*/ 4322045 w 4381009"/>
+              <a:gd name="connsiteY11" fmla="*/ 1303002 h 5892104"/>
+              <a:gd name="connsiteX12" fmla="*/ 4333336 w 4381009"/>
+              <a:gd name="connsiteY12" fmla="*/ 1439815 h 5892104"/>
+              <a:gd name="connsiteX13" fmla="*/ 4342745 w 4381009"/>
+              <a:gd name="connsiteY13" fmla="*/ 1574812 h 5892104"/>
+              <a:gd name="connsiteX14" fmla="*/ 4350115 w 4381009"/>
+              <a:gd name="connsiteY14" fmla="*/ 1709808 h 5892104"/>
+              <a:gd name="connsiteX15" fmla="*/ 4357799 w 4381009"/>
+              <a:gd name="connsiteY15" fmla="*/ 1844200 h 5892104"/>
+              <a:gd name="connsiteX16" fmla="*/ 4364229 w 4381009"/>
+              <a:gd name="connsiteY16" fmla="*/ 1977381 h 5892104"/>
+              <a:gd name="connsiteX17" fmla="*/ 4368777 w 4381009"/>
+              <a:gd name="connsiteY17" fmla="*/ 2109351 h 5892104"/>
+              <a:gd name="connsiteX18" fmla="*/ 4372697 w 4381009"/>
+              <a:gd name="connsiteY18" fmla="*/ 2241321 h 5892104"/>
+              <a:gd name="connsiteX19" fmla="*/ 4376461 w 4381009"/>
+              <a:gd name="connsiteY19" fmla="*/ 2372080 h 5892104"/>
+              <a:gd name="connsiteX20" fmla="*/ 4378186 w 4381009"/>
+              <a:gd name="connsiteY20" fmla="*/ 2501023 h 5892104"/>
+              <a:gd name="connsiteX21" fmla="*/ 4380068 w 4381009"/>
+              <a:gd name="connsiteY21" fmla="*/ 2629966 h 5892104"/>
+              <a:gd name="connsiteX22" fmla="*/ 4381009 w 4381009"/>
+              <a:gd name="connsiteY22" fmla="*/ 2757093 h 5892104"/>
+              <a:gd name="connsiteX23" fmla="*/ 4380068 w 4381009"/>
+              <a:gd name="connsiteY23" fmla="*/ 2883010 h 5892104"/>
+              <a:gd name="connsiteX24" fmla="*/ 4380068 w 4381009"/>
+              <a:gd name="connsiteY24" fmla="*/ 3007715 h 5892104"/>
+              <a:gd name="connsiteX25" fmla="*/ 4378186 w 4381009"/>
+              <a:gd name="connsiteY25" fmla="*/ 3131210 h 5892104"/>
+              <a:gd name="connsiteX26" fmla="*/ 4375363 w 4381009"/>
+              <a:gd name="connsiteY26" fmla="*/ 3252283 h 5892104"/>
+              <a:gd name="connsiteX27" fmla="*/ 4372697 w 4381009"/>
+              <a:gd name="connsiteY27" fmla="*/ 3372146 h 5892104"/>
+              <a:gd name="connsiteX28" fmla="*/ 4369718 w 4381009"/>
+              <a:gd name="connsiteY28" fmla="*/ 3489587 h 5892104"/>
+              <a:gd name="connsiteX29" fmla="*/ 4365170 w 4381009"/>
+              <a:gd name="connsiteY29" fmla="*/ 3606423 h 5892104"/>
+              <a:gd name="connsiteX30" fmla="*/ 4360309 w 4381009"/>
+              <a:gd name="connsiteY30" fmla="*/ 3721443 h 5892104"/>
+              <a:gd name="connsiteX31" fmla="*/ 4355918 w 4381009"/>
+              <a:gd name="connsiteY31" fmla="*/ 3834041 h 5892104"/>
+              <a:gd name="connsiteX32" fmla="*/ 4343529 w 4381009"/>
+              <a:gd name="connsiteY32" fmla="*/ 4053789 h 5892104"/>
+              <a:gd name="connsiteX33" fmla="*/ 4330356 w 4381009"/>
+              <a:gd name="connsiteY33" fmla="*/ 4264457 h 5892104"/>
+              <a:gd name="connsiteX34" fmla="*/ 4316556 w 4381009"/>
+              <a:gd name="connsiteY34" fmla="*/ 4466650 h 5892104"/>
+              <a:gd name="connsiteX35" fmla="*/ 4301344 w 4381009"/>
+              <a:gd name="connsiteY35" fmla="*/ 4657946 h 5892104"/>
+              <a:gd name="connsiteX36" fmla="*/ 4285506 w 4381009"/>
+              <a:gd name="connsiteY36" fmla="*/ 4840767 h 5892104"/>
+              <a:gd name="connsiteX37" fmla="*/ 4268412 w 4381009"/>
+              <a:gd name="connsiteY37" fmla="*/ 5010269 h 5892104"/>
+              <a:gd name="connsiteX38" fmla="*/ 4251633 w 4381009"/>
+              <a:gd name="connsiteY38" fmla="*/ 5169481 h 5892104"/>
+              <a:gd name="connsiteX39" fmla="*/ 4234853 w 4381009"/>
+              <a:gd name="connsiteY39" fmla="*/ 5315980 h 5892104"/>
+              <a:gd name="connsiteX40" fmla="*/ 4219014 w 4381009"/>
+              <a:gd name="connsiteY40" fmla="*/ 5450371 h 5892104"/>
+              <a:gd name="connsiteX41" fmla="*/ 4203959 w 4381009"/>
+              <a:gd name="connsiteY41" fmla="*/ 5569628 h 5892104"/>
+              <a:gd name="connsiteX42" fmla="*/ 4189689 w 4381009"/>
+              <a:gd name="connsiteY42" fmla="*/ 5677384 h 5892104"/>
+              <a:gd name="connsiteX43" fmla="*/ 4177770 w 4381009"/>
+              <a:gd name="connsiteY43" fmla="*/ 5768189 h 5892104"/>
+              <a:gd name="connsiteX44" fmla="*/ 4166479 w 4381009"/>
+              <a:gd name="connsiteY44" fmla="*/ 5844465 h 5892104"/>
+              <a:gd name="connsiteX45" fmla="*/ 4159132 w 4381009"/>
+              <a:gd name="connsiteY45" fmla="*/ 5892104 h 5892104"/>
+              <a:gd name="connsiteX46" fmla="*/ 0 w 4381009"/>
+              <a:gd name="connsiteY46" fmla="*/ 5892104 h 5892104"/>
+            </a:gdLst>
+            <a:ahLst/>
+            <a:cxnLst>
+              <a:cxn ang="0">
+                <a:pos x="connsiteX0" y="connsiteY0"/>
+              </a:cxn>
+              <a:cxn ang="0">
+                <a:pos x="connsiteX1" y="connsiteY1"/>
+              </a:cxn>
+              <a:cxn ang="0">
+                <a:pos x="connsiteX2" y="connsiteY2"/>
+              </a:cxn>
+              <a:cxn ang="0">
+                <a:pos x="connsiteX3" y="connsiteY3"/>
+              </a:cxn>
+              <a:cxn ang="0">
+                <a:pos x="connsiteX4" y="connsiteY4"/>
+              </a:cxn>
+              <a:cxn ang="0">
+                <a:pos x="connsiteX5" y="connsiteY5"/>
+              </a:cxn>
+              <a:cxn ang="0">
+                <a:pos x="connsiteX6" y="connsiteY6"/>
+              </a:cxn>
+              <a:cxn ang="0">
+                <a:pos x="connsiteX7" y="connsiteY7"/>
+              </a:cxn>
+              <a:cxn ang="0">
+                <a:pos x="connsiteX8" y="connsiteY8"/>
+              </a:cxn>
+              <a:cxn ang="0">
+                <a:pos x="connsiteX9" y="connsiteY9"/>
+              </a:cxn>
+              <a:cxn ang="0">
+                <a:pos x="connsiteX10" y="connsiteY10"/>
+              </a:cxn>
+              <a:cxn ang="0">
+                <a:pos x="connsiteX11" y="connsiteY11"/>
+              </a:cxn>
+              <a:cxn ang="0">
+                <a:pos x="connsiteX12" y="connsiteY12"/>
+              </a:cxn>
+              <a:cxn ang="0">
+                <a:pos x="connsiteX13" y="connsiteY13"/>
+              </a:cxn>
+              <a:cxn ang="0">
+                <a:pos x="connsiteX14" y="connsiteY14"/>
+              </a:cxn>
+              <a:cxn ang="0">
+                <a:pos x="connsiteX15" y="connsiteY15"/>
+              </a:cxn>
+              <a:cxn ang="0">
+                <a:pos x="connsiteX16" y="connsiteY16"/>
+              </a:cxn>
+              <a:cxn ang="0">
+                <a:pos x="connsiteX17" y="connsiteY17"/>
+              </a:cxn>
+              <a:cxn ang="0">
+                <a:pos x="connsiteX18" y="connsiteY18"/>
+              </a:cxn>
+              <a:cxn ang="0">
+                <a:pos x="connsiteX19" y="connsiteY19"/>
+              </a:cxn>
+              <a:cxn ang="0">
+                <a:pos x="connsiteX20" y="connsiteY20"/>
+              </a:cxn>
+              <a:cxn ang="0">
+                <a:pos x="connsiteX21" y="connsiteY21"/>
+              </a:cxn>
+              <a:cxn ang="0">
+                <a:pos x="connsiteX22" y="connsiteY22"/>
+              </a:cxn>
+              <a:cxn ang="0">
+                <a:pos x="connsiteX23" y="connsiteY23"/>
+              </a:cxn>
+              <a:cxn ang="0">
+                <a:pos x="connsiteX24" y="connsiteY24"/>
+              </a:cxn>
+              <a:cxn ang="0">
+                <a:pos x="connsiteX25" y="connsiteY25"/>
+              </a:cxn>
+              <a:cxn ang="0">
+                <a:pos x="connsiteX26" y="connsiteY26"/>
+              </a:cxn>
+              <a:cxn ang="0">
+                <a:pos x="connsiteX27" y="connsiteY27"/>
+              </a:cxn>
+              <a:cxn ang="0">
+                <a:pos x="connsiteX28" y="connsiteY28"/>
+              </a:cxn>
+              <a:cxn ang="0">
+                <a:pos x="connsiteX29" y="connsiteY29"/>
+              </a:cxn>
+              <a:cxn ang="0">
+                <a:pos x="connsiteX30" y="connsiteY30"/>
+              </a:cxn>
+              <a:cxn ang="0">
+                <a:pos x="connsiteX31" y="connsiteY31"/>
+              </a:cxn>
+              <a:cxn ang="0">
+                <a:pos x="connsiteX32" y="connsiteY32"/>
+              </a:cxn>
+              <a:cxn ang="0">
+                <a:pos x="connsiteX33" y="connsiteY33"/>
+              </a:cxn>
+              <a:cxn ang="0">
+                <a:pos x="connsiteX34" y="connsiteY34"/>
+              </a:cxn>
+              <a:cxn ang="0">
+                <a:pos x="connsiteX35" y="connsiteY35"/>
+              </a:cxn>
+              <a:cxn ang="0">
+                <a:pos x="connsiteX36" y="connsiteY36"/>
+              </a:cxn>
+              <a:cxn ang="0">
+                <a:pos x="connsiteX37" y="connsiteY37"/>
+              </a:cxn>
+              <a:cxn ang="0">
+                <a:pos x="connsiteX38" y="connsiteY38"/>
+              </a:cxn>
+              <a:cxn ang="0">
+                <a:pos x="connsiteX39" y="connsiteY39"/>
+              </a:cxn>
+              <a:cxn ang="0">
+                <a:pos x="connsiteX40" y="connsiteY40"/>
+              </a:cxn>
+              <a:cxn ang="0">
+                <a:pos x="connsiteX41" y="connsiteY41"/>
+              </a:cxn>
+              <a:cxn ang="0">
+                <a:pos x="connsiteX42" y="connsiteY42"/>
+              </a:cxn>
+              <a:cxn ang="0">
+                <a:pos x="connsiteX43" y="connsiteY43"/>
+              </a:cxn>
+              <a:cxn ang="0">
+                <a:pos x="connsiteX44" y="connsiteY44"/>
+              </a:cxn>
+              <a:cxn ang="0">
+                <a:pos x="connsiteX45" y="connsiteY45"/>
+              </a:cxn>
+              <a:cxn ang="0">
+                <a:pos x="connsiteX46" y="connsiteY46"/>
+              </a:cxn>
+            </a:cxnLst>
+            <a:rect l="l" t="t" r="r" b="b"/>
+            <a:pathLst>
+              <a:path w="4381009" h="5892104">
+                <a:moveTo>
+                  <a:pt x="0" y="0"/>
+                </a:moveTo>
+                <a:lnTo>
+                  <a:pt x="4157628" y="0"/>
+                </a:lnTo>
+                <a:lnTo>
+                  <a:pt x="4169302" y="68659"/>
+                </a:lnTo>
+                <a:lnTo>
+                  <a:pt x="4191571" y="205472"/>
+                </a:lnTo>
+                <a:lnTo>
+                  <a:pt x="4213368" y="342890"/>
+                </a:lnTo>
+                <a:lnTo>
+                  <a:pt x="4232030" y="480913"/>
+                </a:lnTo>
+                <a:lnTo>
+                  <a:pt x="4250848" y="618332"/>
+                </a:lnTo>
+                <a:lnTo>
+                  <a:pt x="4268412" y="756355"/>
+                </a:lnTo>
+                <a:lnTo>
+                  <a:pt x="4283467" y="892563"/>
+                </a:lnTo>
+                <a:lnTo>
+                  <a:pt x="4297737" y="1030587"/>
+                </a:lnTo>
+                <a:lnTo>
+                  <a:pt x="4310754" y="1168005"/>
+                </a:lnTo>
+                <a:lnTo>
+                  <a:pt x="4322045" y="1303002"/>
+                </a:lnTo>
+                <a:lnTo>
+                  <a:pt x="4333336" y="1439815"/>
+                </a:lnTo>
+                <a:lnTo>
+                  <a:pt x="4342745" y="1574812"/>
+                </a:lnTo>
+                <a:lnTo>
+                  <a:pt x="4350115" y="1709808"/>
+                </a:lnTo>
+                <a:lnTo>
+                  <a:pt x="4357799" y="1844200"/>
+                </a:lnTo>
+                <a:lnTo>
+                  <a:pt x="4364229" y="1977381"/>
+                </a:lnTo>
+                <a:lnTo>
+                  <a:pt x="4368777" y="2109351"/>
+                </a:lnTo>
+                <a:lnTo>
+                  <a:pt x="4372697" y="2241321"/>
+                </a:lnTo>
+                <a:lnTo>
+                  <a:pt x="4376461" y="2372080"/>
+                </a:lnTo>
+                <a:lnTo>
+                  <a:pt x="4378186" y="2501023"/>
+                </a:lnTo>
+                <a:lnTo>
+                  <a:pt x="4380068" y="2629966"/>
+                </a:lnTo>
+                <a:lnTo>
+                  <a:pt x="4381009" y="2757093"/>
+                </a:lnTo>
+                <a:lnTo>
+                  <a:pt x="4380068" y="2883010"/>
+                </a:lnTo>
+                <a:lnTo>
+                  <a:pt x="4380068" y="3007715"/>
+                </a:lnTo>
+                <a:lnTo>
+                  <a:pt x="4378186" y="3131210"/>
+                </a:lnTo>
+                <a:lnTo>
+                  <a:pt x="4375363" y="3252283"/>
+                </a:lnTo>
+                <a:lnTo>
+                  <a:pt x="4372697" y="3372146"/>
+                </a:lnTo>
+                <a:lnTo>
+                  <a:pt x="4369718" y="3489587"/>
+                </a:lnTo>
+                <a:lnTo>
+                  <a:pt x="4365170" y="3606423"/>
+                </a:lnTo>
+                <a:lnTo>
+                  <a:pt x="4360309" y="3721443"/>
+                </a:lnTo>
+                <a:lnTo>
+                  <a:pt x="4355918" y="3834041"/>
+                </a:lnTo>
+                <a:lnTo>
+                  <a:pt x="4343529" y="4053789"/>
+                </a:lnTo>
+                <a:lnTo>
+                  <a:pt x="4330356" y="4264457"/>
+                </a:lnTo>
+                <a:lnTo>
+                  <a:pt x="4316556" y="4466650"/>
+                </a:lnTo>
+                <a:lnTo>
+                  <a:pt x="4301344" y="4657946"/>
+                </a:lnTo>
+                <a:lnTo>
+                  <a:pt x="4285506" y="4840767"/>
+                </a:lnTo>
+                <a:lnTo>
+                  <a:pt x="4268412" y="5010269"/>
+                </a:lnTo>
+                <a:lnTo>
+                  <a:pt x="4251633" y="5169481"/>
+                </a:lnTo>
+                <a:lnTo>
+                  <a:pt x="4234853" y="5315980"/>
+                </a:lnTo>
+                <a:lnTo>
+                  <a:pt x="4219014" y="5450371"/>
+                </a:lnTo>
+                <a:lnTo>
+                  <a:pt x="4203959" y="5569628"/>
+                </a:lnTo>
+                <a:lnTo>
+                  <a:pt x="4189689" y="5677384"/>
+                </a:lnTo>
+                <a:lnTo>
+                  <a:pt x="4177770" y="5768189"/>
+                </a:lnTo>
+                <a:lnTo>
+                  <a:pt x="4166479" y="5844465"/>
+                </a:lnTo>
+                <a:lnTo>
+                  <a:pt x="4159132" y="5892104"/>
+                </a:lnTo>
+                <a:lnTo>
+                  <a:pt x="0" y="5892104"/>
+                </a:lnTo>
+                <a:close/>
+              </a:path>
+            </a:pathLst>
+          </a:custGeom>
+          <a:solidFill>
+            <a:srgbClr val="404040"/>
+          </a:solidFill>
+          <a:ln>
+            <a:noFill/>
+          </a:ln>
+        </p:spPr>
+        <p:style>
+          <a:lnRef idx="2">
+            <a:schemeClr val="accent1">
+              <a:shade val="50000"/>
+            </a:schemeClr>
+          </a:lnRef>
+          <a:fillRef idx="1">
+            <a:schemeClr val="accent1"/>
+          </a:fillRef>
+          <a:effectRef idx="0">
+            <a:schemeClr val="accent1"/>
+          </a:effectRef>
+          <a:fontRef idx="minor">
+            <a:schemeClr val="lt1"/>
+          </a:fontRef>
+        </p:style>
+        <p:txBody>
+          <a:bodyPr wrap="square" rtlCol="0" anchor="ctr">
+            <a:noAutofit/>
+          </a:bodyPr>
+          <a:lstStyle/>
+          <a:p>
+            <a:pPr marL="0" marR="0" lvl="0" indent="0" algn="ctr" defTabSz="457200" rtl="0" eaLnBrk="1" fontAlgn="auto" latinLnBrk="0" hangingPunct="1">
+              <a:lnSpc>
+                <a:spcPct val="100000"/>
+              </a:lnSpc>
+              <a:spcBef>
+                <a:spcPts val="0"/>
+              </a:spcBef>
+              <a:spcAft>
+                <a:spcPts val="0"/>
+              </a:spcAft>
+              <a:buClrTx/>
+              <a:buSzTx/>
+              <a:buFontTx/>
+              <a:buNone/>
+              <a:tabLst/>
+              <a:defRPr/>
+            </a:pPr>
+            <a:endParaRPr kumimoji="0" lang="en-US" sz="1800" b="0" i="0" u="none" strike="noStrike" kern="1200" cap="none" spc="0" normalizeH="0" baseline="0" noProof="0">
+              <a:ln>
+                <a:noFill/>
+              </a:ln>
+              <a:solidFill>
+                <a:prstClr val="white"/>
+              </a:solidFill>
+              <a:effectLst/>
+              <a:uLnTx/>
+              <a:uFillTx/>
+              <a:latin typeface="Calibri" panose="020F0502020204030204"/>
+              <a:ea typeface="+mn-ea"/>
+              <a:cs typeface="+mn-cs"/>
+            </a:endParaRPr>
+          </a:p>
+        </p:txBody>
+      </p:sp>
+      <p:sp>
+        <p:nvSpPr>
           <p:cNvPr id="2" name="Title 1">
             <a:extLst>
               <a:ext uri="{FF2B5EF4-FFF2-40B4-BE49-F238E27FC236}">
@@ -10277,46 +14878,63 @@
             <p:ph type="title"/>
           </p:nvPr>
         </p:nvSpPr>
-        <p:spPr/>
+        <p:spPr>
+          <a:xfrm>
+            <a:off x="863029" y="1012004"/>
+            <a:ext cx="3416158" cy="4795408"/>
+          </a:xfrm>
+        </p:spPr>
         <p:txBody>
-          <a:bodyPr/>
+          <a:bodyPr vert="horz" lIns="91440" tIns="45720" rIns="91440" bIns="45720" rtlCol="0" anchor="ctr">
+            <a:normAutofit/>
+          </a:bodyPr>
           <a:lstStyle/>
           <a:p>
             <a:r>
-              <a:rPr lang="en-US" dirty="0"/>
+              <a:rPr lang="en-US" kern="1200">
+                <a:solidFill>
+                  <a:srgbClr val="FFFFFF"/>
+                </a:solidFill>
+                <a:latin typeface="+mj-lt"/>
+                <a:ea typeface="+mj-ea"/>
+                <a:cs typeface="+mj-cs"/>
+              </a:rPr>
               <a:t>Extra Fun</a:t>
             </a:r>
           </a:p>
         </p:txBody>
       </p:sp>
-      <p:sp>
-        <p:nvSpPr>
-          <p:cNvPr id="3" name="Content Placeholder 2">
+      <p:graphicFrame>
+        <p:nvGraphicFramePr>
+          <p:cNvPr id="5" name="Content Placeholder 2">
             <a:extLst>
               <a:ext uri="{FF2B5EF4-FFF2-40B4-BE49-F238E27FC236}">
-                <a16:creationId xmlns:a16="http://schemas.microsoft.com/office/drawing/2014/main" id="{9C90BD48-E3D0-4F2B-994C-F58997C3A662}"/>
+                <a16:creationId xmlns:a16="http://schemas.microsoft.com/office/drawing/2014/main" id="{3E955807-AB11-4FC3-8E7C-81605898F8D0}"/>
               </a:ext>
             </a:extLst>
           </p:cNvPr>
-          <p:cNvSpPr>
-            <a:spLocks noGrp="1"/>
-          </p:cNvSpPr>
+          <p:cNvGraphicFramePr>
+            <a:graphicFrameLocks noGrp="1"/>
+          </p:cNvGraphicFramePr>
           <p:nvPr>
             <p:ph sz="half" idx="1"/>
+            <p:extLst>
+              <p:ext uri="{D42A27DB-BD31-4B8C-83A1-F6EECF244321}">
+                <p14:modId xmlns:p14="http://schemas.microsoft.com/office/powerpoint/2010/main" val="3058984256"/>
+              </p:ext>
+            </p:extLst>
           </p:nvPr>
-        </p:nvSpPr>
-        <p:spPr/>
-        <p:txBody>
-          <a:bodyPr/>
-          <a:lstStyle/>
-          <a:p>
-            <a:r>
-              <a:rPr lang="en-US" dirty="0"/>
-              <a:t>Create your own environment in ArcGIS Pro</a:t>
-            </a:r>
-          </a:p>
-        </p:txBody>
-      </p:sp>
+        </p:nvGraphicFramePr>
+        <p:xfrm>
+          <a:off x="5194300" y="470924"/>
+          <a:ext cx="6513604" cy="5885426"/>
+        </p:xfrm>
+        <a:graphic>
+          <a:graphicData uri="http://schemas.openxmlformats.org/drawingml/2006/diagram">
+            <dgm:relIds xmlns:dgm="http://schemas.openxmlformats.org/drawingml/2006/diagram" xmlns:r="http://schemas.openxmlformats.org/officeDocument/2006/relationships" r:dm="rId2" r:lo="rId3" r:qs="rId4" r:cs="rId5"/>
+          </a:graphicData>
+        </a:graphic>
+      </p:graphicFrame>
     </p:spTree>
     <p:extLst>
       <p:ext uri="{BB962C8B-B14F-4D97-AF65-F5344CB8AC3E}">
@@ -10333,6 +14951,14 @@
 <file path=ppt/slides/slide7.xml><?xml version="1.0" encoding="utf-8"?>
 <p:sld xmlns:a="http://schemas.openxmlformats.org/drawingml/2006/main" xmlns:r="http://schemas.openxmlformats.org/officeDocument/2006/relationships" xmlns:p="http://schemas.openxmlformats.org/presentationml/2006/main">
   <p:cSld>
+    <p:bg>
+      <p:bgPr>
+        <a:solidFill>
+          <a:schemeClr val="bg1"/>
+        </a:solidFill>
+        <a:effectLst/>
+      </p:bgPr>
+    </p:bg>
     <p:spTree>
       <p:nvGrpSpPr>
         <p:cNvPr id="1" name=""/>
@@ -10349,6 +14975,136 @@
       </p:grpSpPr>
       <p:sp>
         <p:nvSpPr>
+          <p:cNvPr id="11" name="Rectangle 10">
+            <a:extLst>
+              <a:ext uri="{FF2B5EF4-FFF2-40B4-BE49-F238E27FC236}">
+                <a16:creationId xmlns:a16="http://schemas.microsoft.com/office/drawing/2014/main" id="{25168E7B-6D42-4B3A-B7A1-17D4C49EC903}"/>
+              </a:ext>
+              <a:ext uri="{C183D7F6-B498-43B3-948B-1728B52AA6E4}">
+                <adec:decorative xmlns:adec="http://schemas.microsoft.com/office/drawing/2017/decorative" val="1"/>
+              </a:ext>
+            </a:extLst>
+          </p:cNvPr>
+          <p:cNvSpPr>
+            <a:spLocks noGrp="1" noRot="1" noChangeAspect="1" noMove="1" noResize="1" noEditPoints="1" noAdjustHandles="1" noChangeArrowheads="1" noChangeShapeType="1" noTextEdit="1"/>
+          </p:cNvSpPr>
+          <p:nvPr>
+            <p:extLst>
+              <p:ext uri="{386F3935-93C4-4BCD-93E2-E3B085C9AB24}">
+                <p16:designElem xmlns:p16="http://schemas.microsoft.com/office/powerpoint/2015/main" val="1"/>
+              </p:ext>
+            </p:extLst>
+          </p:nvPr>
+        </p:nvSpPr>
+        <p:spPr>
+          <a:xfrm>
+            <a:off x="838200" y="0"/>
+            <a:ext cx="10910292" cy="6858000"/>
+          </a:xfrm>
+          <a:prstGeom prst="rect">
+            <a:avLst/>
+          </a:prstGeom>
+          <a:gradFill>
+            <a:gsLst>
+              <a:gs pos="0">
+                <a:schemeClr val="accent1">
+                  <a:lumMod val="90000"/>
+                </a:schemeClr>
+              </a:gs>
+              <a:gs pos="25000">
+                <a:schemeClr val="accent1">
+                  <a:lumMod val="90000"/>
+                </a:schemeClr>
+              </a:gs>
+              <a:gs pos="94000">
+                <a:schemeClr val="bg2">
+                  <a:lumMod val="25000"/>
+                </a:schemeClr>
+              </a:gs>
+              <a:gs pos="100000">
+                <a:schemeClr val="bg2">
+                  <a:lumMod val="25000"/>
+                </a:schemeClr>
+              </a:gs>
+            </a:gsLst>
+            <a:lin ang="4200000" scaled="0"/>
+          </a:gradFill>
+          <a:ln>
+            <a:noFill/>
+          </a:ln>
+        </p:spPr>
+        <p:style>
+          <a:lnRef idx="2">
+            <a:schemeClr val="accent1">
+              <a:shade val="50000"/>
+            </a:schemeClr>
+          </a:lnRef>
+          <a:fillRef idx="1">
+            <a:schemeClr val="accent1"/>
+          </a:fillRef>
+          <a:effectRef idx="0">
+            <a:schemeClr val="accent1"/>
+          </a:effectRef>
+          <a:fontRef idx="minor">
+            <a:schemeClr val="lt1"/>
+          </a:fontRef>
+        </p:style>
+        <p:txBody>
+          <a:bodyPr rtlCol="0" anchor="ctr"/>
+          <a:lstStyle/>
+          <a:p>
+            <a:pPr algn="ctr"/>
+            <a:endParaRPr lang="en-US"/>
+          </a:p>
+        </p:txBody>
+      </p:sp>
+      <p:pic>
+        <p:nvPicPr>
+          <p:cNvPr id="13" name="Picture 12">
+            <a:extLst>
+              <a:ext uri="{FF2B5EF4-FFF2-40B4-BE49-F238E27FC236}">
+                <a16:creationId xmlns:a16="http://schemas.microsoft.com/office/drawing/2014/main" id="{98A030C2-9F23-4593-9F99-7B73C232A4C9}"/>
+              </a:ext>
+              <a:ext uri="{C183D7F6-B498-43B3-948B-1728B52AA6E4}">
+                <adec:decorative xmlns:adec="http://schemas.microsoft.com/office/drawing/2017/decorative" val="1"/>
+              </a:ext>
+            </a:extLst>
+          </p:cNvPr>
+          <p:cNvPicPr>
+            <a:picLocks noGrp="1" noRot="1" noChangeAspect="1" noMove="1" noResize="1" noEditPoints="1" noAdjustHandles="1" noChangeArrowheads="1" noChangeShapeType="1" noCrop="1"/>
+          </p:cNvPicPr>
+          <p:nvPr>
+            <p:extLst>
+              <p:ext uri="{386F3935-93C4-4BCD-93E2-E3B085C9AB24}">
+                <p16:designElem xmlns:p16="http://schemas.microsoft.com/office/powerpoint/2015/main" val="1"/>
+              </p:ext>
+            </p:extLst>
+          </p:nvPr>
+        </p:nvPicPr>
+        <p:blipFill>
+          <a:blip r:embed="rId2">
+            <a:extLst>
+              <a:ext uri="{28A0092B-C50C-407E-A947-70E740481C1C}">
+                <a14:useLocalDpi xmlns:a14="http://schemas.microsoft.com/office/drawing/2010/main" val="0"/>
+              </a:ext>
+            </a:extLst>
+          </a:blip>
+          <a:stretch>
+            <a:fillRect/>
+          </a:stretch>
+        </p:blipFill>
+        <p:spPr>
+          <a:xfrm>
+            <a:off x="0" y="0"/>
+            <a:ext cx="12192000" cy="6858000"/>
+          </a:xfrm>
+          <a:prstGeom prst="rect">
+            <a:avLst/>
+          </a:prstGeom>
+        </p:spPr>
+      </p:pic>
+      <p:sp>
+        <p:nvSpPr>
           <p:cNvPr id="5" name="Title 4">
             <a:extLst>
               <a:ext uri="{FF2B5EF4-FFF2-40B4-BE49-F238E27FC236}">
@@ -10363,13 +15119,24 @@
             <p:ph type="ctrTitle"/>
           </p:nvPr>
         </p:nvSpPr>
-        <p:spPr/>
+        <p:spPr>
+          <a:xfrm>
+            <a:off x="2726432" y="1741337"/>
+            <a:ext cx="6739136" cy="2387918"/>
+          </a:xfrm>
+        </p:spPr>
         <p:txBody>
-          <a:bodyPr/>
+          <a:bodyPr anchor="b">
+            <a:normAutofit/>
+          </a:bodyPr>
           <a:lstStyle/>
           <a:p>
             <a:r>
-              <a:rPr lang="en-US" dirty="0"/>
+              <a:rPr lang="en-US" sz="6600">
+                <a:solidFill>
+                  <a:srgbClr val="FFFFFF"/>
+                </a:solidFill>
+              </a:rPr>
               <a:t>ArcGIS Online Basics</a:t>
             </a:r>
           </a:p>
@@ -10391,12 +15158,23 @@
             <p:ph type="subTitle" idx="1"/>
           </p:nvPr>
         </p:nvSpPr>
-        <p:spPr/>
+        <p:spPr>
+          <a:xfrm>
+            <a:off x="2729559" y="4200522"/>
+            <a:ext cx="6740685" cy="682079"/>
+          </a:xfrm>
+        </p:spPr>
         <p:txBody>
-          <a:bodyPr/>
+          <a:bodyPr>
+            <a:normAutofit/>
+          </a:bodyPr>
           <a:lstStyle/>
           <a:p>
-            <a:endParaRPr lang="en-US"/>
+            <a:endParaRPr lang="en-US">
+              <a:solidFill>
+                <a:srgbClr val="FFFFFF"/>
+              </a:solidFill>
+            </a:endParaRPr>
           </a:p>
         </p:txBody>
       </p:sp>
@@ -10520,6 +15298,14 @@
 <file path=ppt/slides/slide9.xml><?xml version="1.0" encoding="utf-8"?>
 <p:sld xmlns:a="http://schemas.openxmlformats.org/drawingml/2006/main" xmlns:r="http://schemas.openxmlformats.org/officeDocument/2006/relationships" xmlns:p="http://schemas.openxmlformats.org/presentationml/2006/main">
   <p:cSld>
+    <p:bg>
+      <p:bgPr>
+        <a:solidFill>
+          <a:schemeClr val="bg1"/>
+        </a:solidFill>
+        <a:effectLst/>
+      </p:bgPr>
+    </p:bg>
     <p:spTree>
       <p:nvGrpSpPr>
         <p:cNvPr id="1" name=""/>
@@ -10534,6 +15320,196 @@
           <a:chExt cx="0" cy="0"/>
         </a:xfrm>
       </p:grpSpPr>
+      <p:sp useBgFill="1">
+        <p:nvSpPr>
+          <p:cNvPr id="10" name="Rectangle 9">
+            <a:extLst>
+              <a:ext uri="{FF2B5EF4-FFF2-40B4-BE49-F238E27FC236}">
+                <a16:creationId xmlns:a16="http://schemas.microsoft.com/office/drawing/2014/main" id="{3B854194-185D-494D-905C-7C7CB2E30F6E}"/>
+              </a:ext>
+              <a:ext uri="{C183D7F6-B498-43B3-948B-1728B52AA6E4}">
+                <adec:decorative xmlns:adec="http://schemas.microsoft.com/office/drawing/2017/decorative" val="1"/>
+              </a:ext>
+            </a:extLst>
+          </p:cNvPr>
+          <p:cNvSpPr>
+            <a:spLocks noGrp="1" noRot="1" noChangeAspect="1" noMove="1" noResize="1" noEditPoints="1" noAdjustHandles="1" noChangeArrowheads="1" noChangeShapeType="1" noTextEdit="1"/>
+          </p:cNvSpPr>
+          <p:nvPr>
+            <p:extLst>
+              <p:ext uri="{386F3935-93C4-4BCD-93E2-E3B085C9AB24}">
+                <p16:designElem xmlns:p16="http://schemas.microsoft.com/office/powerpoint/2015/main" val="1"/>
+              </p:ext>
+            </p:extLst>
+          </p:nvPr>
+        </p:nvSpPr>
+        <p:spPr>
+          <a:xfrm>
+            <a:off x="1" y="0"/>
+            <a:ext cx="6082110" cy="6858000"/>
+          </a:xfrm>
+          <a:prstGeom prst="rect">
+            <a:avLst/>
+          </a:prstGeom>
+          <a:ln>
+            <a:noFill/>
+          </a:ln>
+        </p:spPr>
+        <p:style>
+          <a:lnRef idx="2">
+            <a:schemeClr val="accent1">
+              <a:shade val="50000"/>
+            </a:schemeClr>
+          </a:lnRef>
+          <a:fillRef idx="1">
+            <a:schemeClr val="accent1"/>
+          </a:fillRef>
+          <a:effectRef idx="0">
+            <a:schemeClr val="accent1"/>
+          </a:effectRef>
+          <a:fontRef idx="minor">
+            <a:schemeClr val="lt1"/>
+          </a:fontRef>
+        </p:style>
+        <p:txBody>
+          <a:bodyPr rtlCol="0" anchor="ctr"/>
+          <a:lstStyle/>
+          <a:p>
+            <a:pPr algn="ctr"/>
+            <a:endParaRPr lang="en-US"/>
+          </a:p>
+        </p:txBody>
+      </p:sp>
+      <p:sp>
+        <p:nvSpPr>
+          <p:cNvPr id="12" name="Rectangle 11">
+            <a:extLst>
+              <a:ext uri="{FF2B5EF4-FFF2-40B4-BE49-F238E27FC236}">
+                <a16:creationId xmlns:a16="http://schemas.microsoft.com/office/drawing/2014/main" id="{B4F5FA0D-0104-4987-8241-EFF7C85B88DE}"/>
+              </a:ext>
+              <a:ext uri="{C183D7F6-B498-43B3-948B-1728B52AA6E4}">
+                <adec:decorative xmlns:adec="http://schemas.microsoft.com/office/drawing/2017/decorative" val="1"/>
+              </a:ext>
+            </a:extLst>
+          </p:cNvPr>
+          <p:cNvSpPr>
+            <a:spLocks noGrp="1" noRot="1" noChangeAspect="1" noMove="1" noResize="1" noEditPoints="1" noAdjustHandles="1" noChangeArrowheads="1" noChangeShapeType="1" noTextEdit="1"/>
+          </p:cNvSpPr>
+          <p:nvPr>
+            <p:extLst>
+              <p:ext uri="{386F3935-93C4-4BCD-93E2-E3B085C9AB24}">
+                <p16:designElem xmlns:p16="http://schemas.microsoft.com/office/powerpoint/2015/main" val="1"/>
+              </p:ext>
+            </p:extLst>
+          </p:nvPr>
+        </p:nvSpPr>
+        <p:spPr>
+          <a:xfrm>
+            <a:off x="1" y="0"/>
+            <a:ext cx="12191998" cy="6858000"/>
+          </a:xfrm>
+          <a:prstGeom prst="rect">
+            <a:avLst/>
+          </a:prstGeom>
+          <a:gradFill>
+            <a:gsLst>
+              <a:gs pos="0">
+                <a:schemeClr val="accent1">
+                  <a:lumMod val="90000"/>
+                </a:schemeClr>
+              </a:gs>
+              <a:gs pos="25000">
+                <a:schemeClr val="accent1">
+                  <a:lumMod val="90000"/>
+                </a:schemeClr>
+              </a:gs>
+              <a:gs pos="94000">
+                <a:schemeClr val="bg2">
+                  <a:lumMod val="25000"/>
+                </a:schemeClr>
+              </a:gs>
+              <a:gs pos="100000">
+                <a:schemeClr val="bg2">
+                  <a:lumMod val="25000"/>
+                </a:schemeClr>
+              </a:gs>
+            </a:gsLst>
+            <a:lin ang="4200000" scaled="0"/>
+          </a:gradFill>
+          <a:ln>
+            <a:noFill/>
+          </a:ln>
+        </p:spPr>
+        <p:style>
+          <a:lnRef idx="2">
+            <a:schemeClr val="accent1">
+              <a:shade val="50000"/>
+            </a:schemeClr>
+          </a:lnRef>
+          <a:fillRef idx="1">
+            <a:schemeClr val="accent1"/>
+          </a:fillRef>
+          <a:effectRef idx="0">
+            <a:schemeClr val="accent1"/>
+          </a:effectRef>
+          <a:fontRef idx="minor">
+            <a:schemeClr val="lt1"/>
+          </a:fontRef>
+        </p:style>
+        <p:txBody>
+          <a:bodyPr rtlCol="0" anchor="ctr"/>
+          <a:lstStyle/>
+          <a:p>
+            <a:pPr algn="ctr"/>
+            <a:endParaRPr lang="en-US"/>
+          </a:p>
+        </p:txBody>
+      </p:sp>
+      <p:pic>
+        <p:nvPicPr>
+          <p:cNvPr id="14" name="Picture 13">
+            <a:extLst>
+              <a:ext uri="{FF2B5EF4-FFF2-40B4-BE49-F238E27FC236}">
+                <a16:creationId xmlns:a16="http://schemas.microsoft.com/office/drawing/2014/main" id="{2897127E-6CEF-446C-BE87-93B7C46E49D1}"/>
+              </a:ext>
+              <a:ext uri="{C183D7F6-B498-43B3-948B-1728B52AA6E4}">
+                <adec:decorative xmlns:adec="http://schemas.microsoft.com/office/drawing/2017/decorative" val="1"/>
+              </a:ext>
+            </a:extLst>
+          </p:cNvPr>
+          <p:cNvPicPr>
+            <a:picLocks noGrp="1" noRot="1" noChangeAspect="1" noMove="1" noResize="1" noEditPoints="1" noAdjustHandles="1" noChangeArrowheads="1" noChangeShapeType="1" noCrop="1"/>
+          </p:cNvPicPr>
+          <p:nvPr>
+            <p:extLst>
+              <p:ext uri="{386F3935-93C4-4BCD-93E2-E3B085C9AB24}">
+                <p16:designElem xmlns:p16="http://schemas.microsoft.com/office/powerpoint/2015/main" val="1"/>
+              </p:ext>
+            </p:extLst>
+          </p:nvPr>
+        </p:nvPicPr>
+        <p:blipFill>
+          <a:blip r:embed="rId2">
+            <a:extLst>
+              <a:ext uri="{28A0092B-C50C-407E-A947-70E740481C1C}">
+                <a14:useLocalDpi xmlns:a14="http://schemas.microsoft.com/office/drawing/2010/main" val="0"/>
+              </a:ext>
+            </a:extLst>
+          </a:blip>
+          <a:stretch>
+            <a:fillRect/>
+          </a:stretch>
+        </p:blipFill>
+        <p:spPr>
+          <a:xfrm>
+            <a:off x="0" y="0"/>
+            <a:ext cx="12192000" cy="6858000"/>
+          </a:xfrm>
+          <a:prstGeom prst="rect">
+            <a:avLst/>
+          </a:prstGeom>
+        </p:spPr>
+      </p:pic>
       <p:sp>
         <p:nvSpPr>
           <p:cNvPr id="4" name="Title 3">
@@ -10550,13 +15526,27 @@
             <p:ph type="title"/>
           </p:nvPr>
         </p:nvSpPr>
-        <p:spPr/>
+        <p:spPr>
+          <a:xfrm>
+            <a:off x="640079" y="2053641"/>
+            <a:ext cx="3669161" cy="2760098"/>
+          </a:xfrm>
+        </p:spPr>
         <p:txBody>
-          <a:bodyPr/>
+          <a:bodyPr vert="horz" lIns="91440" tIns="45720" rIns="91440" bIns="45720" rtlCol="0" anchor="ctr">
+            <a:normAutofit/>
+          </a:bodyPr>
           <a:lstStyle/>
           <a:p>
             <a:r>
-              <a:rPr lang="en-US" dirty="0"/>
+              <a:rPr lang="en-US" kern="1200" dirty="0">
+                <a:solidFill>
+                  <a:srgbClr val="FFFFFF"/>
+                </a:solidFill>
+                <a:latin typeface="+mj-lt"/>
+                <a:ea typeface="+mj-ea"/>
+                <a:cs typeface="+mj-cs"/>
+              </a:rPr>
               <a:t>ArcGIS Online  Basics</a:t>
             </a:r>
           </a:p>
@@ -10578,94 +15568,120 @@
             <p:ph sz="half" idx="1"/>
           </p:nvPr>
         </p:nvSpPr>
-        <p:spPr/>
+        <p:spPr>
+          <a:xfrm>
+            <a:off x="6090574" y="801866"/>
+            <a:ext cx="5306084" cy="5230634"/>
+          </a:xfrm>
+        </p:spPr>
         <p:txBody>
-          <a:bodyPr/>
+          <a:bodyPr vert="horz" lIns="91440" tIns="45720" rIns="91440" bIns="45720" rtlCol="0" anchor="ctr">
+            <a:normAutofit/>
+          </a:bodyPr>
           <a:lstStyle/>
           <a:p>
             <a:r>
-              <a:rPr lang="en-US" dirty="0"/>
+              <a:rPr lang="en-US" sz="2400">
+                <a:solidFill>
+                  <a:srgbClr val="000000"/>
+                </a:solidFill>
+              </a:rPr>
               <a:t>Items</a:t>
             </a:r>
           </a:p>
           <a:p>
             <a:pPr lvl="1"/>
             <a:r>
-              <a:rPr lang="en-US" dirty="0"/>
+              <a:rPr lang="en-US">
+                <a:solidFill>
+                  <a:srgbClr val="000000"/>
+                </a:solidFill>
+              </a:rPr>
               <a:t>Data</a:t>
             </a:r>
           </a:p>
           <a:p>
             <a:pPr lvl="2"/>
             <a:r>
-              <a:rPr lang="en-US" dirty="0"/>
+              <a:rPr lang="en-US" sz="2400">
+                <a:solidFill>
+                  <a:srgbClr val="000000"/>
+                </a:solidFill>
+              </a:rPr>
               <a:t>Feature Layers</a:t>
             </a:r>
           </a:p>
           <a:p>
             <a:pPr lvl="2"/>
             <a:r>
-              <a:rPr lang="en-US" dirty="0"/>
+              <a:rPr lang="en-US" sz="2400">
+                <a:solidFill>
+                  <a:srgbClr val="000000"/>
+                </a:solidFill>
+              </a:rPr>
               <a:t>Tile Layers</a:t>
             </a:r>
           </a:p>
           <a:p>
             <a:pPr lvl="1"/>
             <a:r>
-              <a:rPr lang="en-US" dirty="0"/>
+              <a:rPr lang="en-US">
+                <a:solidFill>
+                  <a:srgbClr val="000000"/>
+                </a:solidFill>
+              </a:rPr>
               <a:t>Web Maps</a:t>
             </a:r>
           </a:p>
           <a:p>
             <a:pPr lvl="1"/>
             <a:r>
-              <a:rPr lang="en-US" dirty="0"/>
+              <a:rPr lang="en-US">
+                <a:solidFill>
+                  <a:srgbClr val="000000"/>
+                </a:solidFill>
+              </a:rPr>
               <a:t>Web Mapping Applications</a:t>
             </a:r>
           </a:p>
           <a:p>
             <a:pPr lvl="1"/>
             <a:r>
-              <a:rPr lang="en-US" dirty="0"/>
+              <a:rPr lang="en-US">
+                <a:solidFill>
+                  <a:srgbClr val="000000"/>
+                </a:solidFill>
+              </a:rPr>
               <a:t>Dashboards</a:t>
             </a:r>
           </a:p>
-        </p:txBody>
-      </p:sp>
-      <p:sp>
-        <p:nvSpPr>
-          <p:cNvPr id="6" name="Content Placeholder 5">
-            <a:extLst>
-              <a:ext uri="{FF2B5EF4-FFF2-40B4-BE49-F238E27FC236}">
-                <a16:creationId xmlns:a16="http://schemas.microsoft.com/office/drawing/2014/main" id="{2C9E5409-AF5A-4138-A830-A4D654D3029C}"/>
-              </a:ext>
-            </a:extLst>
-          </p:cNvPr>
-          <p:cNvSpPr>
-            <a:spLocks noGrp="1"/>
-          </p:cNvSpPr>
-          <p:nvPr>
-            <p:ph sz="half" idx="2"/>
-          </p:nvPr>
-        </p:nvSpPr>
-        <p:spPr/>
-        <p:txBody>
-          <a:bodyPr/>
-          <a:lstStyle/>
           <a:p>
             <a:r>
-              <a:rPr lang="en-US" dirty="0"/>
+              <a:rPr lang="en-US" sz="2400">
+                <a:solidFill>
+                  <a:srgbClr val="000000"/>
+                </a:solidFill>
+              </a:rPr>
               <a:t>Users</a:t>
             </a:r>
           </a:p>
           <a:p>
             <a:r>
-              <a:rPr lang="en-US" dirty="0"/>
+              <a:rPr lang="en-US" sz="2400">
+                <a:solidFill>
+                  <a:srgbClr val="000000"/>
+                </a:solidFill>
+              </a:rPr>
               <a:t>Groups</a:t>
             </a:r>
           </a:p>
           <a:p>
-            <a:endParaRPr lang="en-US" dirty="0"/>
+            <a:pPr lvl="1"/>
+            <a:endParaRPr lang="en-US">
+              <a:solidFill>
+                <a:srgbClr val="000000"/>
+              </a:solidFill>
+            </a:endParaRPr>
           </a:p>
         </p:txBody>
       </p:sp>
